--- a/draft-gandhi-spring-rfc6374-srpm-udp-3.pptx
+++ b/draft-gandhi-spring-rfc6374-srpm-udp-3.pptx
@@ -5,10 +5,10 @@
     <p:sldMasterId id="2147483648" r:id="rId1"/>
   </p:sldMasterIdLst>
   <p:notesMasterIdLst>
-    <p:notesMasterId r:id="rId15"/>
+    <p:notesMasterId r:id="rId16"/>
   </p:notesMasterIdLst>
   <p:handoutMasterIdLst>
-    <p:handoutMasterId r:id="rId16"/>
+    <p:handoutMasterId r:id="rId17"/>
   </p:handoutMasterIdLst>
   <p:sldIdLst>
     <p:sldId id="256" r:id="rId2"/>
@@ -20,10 +20,11 @@
     <p:sldId id="303" r:id="rId8"/>
     <p:sldId id="324" r:id="rId9"/>
     <p:sldId id="319" r:id="rId10"/>
-    <p:sldId id="320" r:id="rId11"/>
-    <p:sldId id="317" r:id="rId12"/>
-    <p:sldId id="1658" r:id="rId13"/>
-    <p:sldId id="323" r:id="rId14"/>
+    <p:sldId id="322" r:id="rId11"/>
+    <p:sldId id="320" r:id="rId12"/>
+    <p:sldId id="317" r:id="rId13"/>
+    <p:sldId id="1658" r:id="rId14"/>
+    <p:sldId id="323" r:id="rId15"/>
   </p:sldIdLst>
   <p:sldSz cx="9144000" cy="5143500" type="screen16x9"/>
   <p:notesSz cx="6858000" cy="9144000"/>
@@ -256,7 +257,7 @@
           <a:p>
             <a:fld id="{E8FA3DB5-7722-3F4F-947D-12B203669AD7}" type="datetimeFigureOut">
               <a:rPr lang="en-US" smtClean="0"/>
-              <a:t>4/13/20</a:t>
+              <a:t>4/16/20</a:t>
             </a:fld>
             <a:endParaRPr lang="en-US"/>
           </a:p>
@@ -944,7 +945,7 @@
               <a:pPr>
                 <a:defRPr/>
               </a:pPr>
-              <a:t>12</a:t>
+              <a:t>13</a:t>
             </a:fld>
             <a:endParaRPr lang="en-US" altLang="zh-CN"/>
           </a:p>
@@ -1034,7 +1035,7 @@
               <a:pPr>
                 <a:defRPr/>
               </a:pPr>
-              <a:t>13</a:t>
+              <a:t>14</a:t>
             </a:fld>
             <a:endParaRPr lang="en-US" altLang="zh-CN"/>
           </a:p>
@@ -1754,7 +1755,7 @@
               <a:pPr>
                 <a:defRPr/>
               </a:pPr>
-              <a:t>10</a:t>
+              <a:t>11</a:t>
             </a:fld>
             <a:endParaRPr lang="en-US" altLang="zh-CN"/>
           </a:p>
@@ -5443,23 +5444,24 @@
         </p:nvSpPr>
         <p:spPr>
           <a:xfrm>
-            <a:off x="304800" y="0"/>
-            <a:ext cx="8686800" cy="857250"/>
+            <a:off x="152400" y="202211"/>
+            <a:ext cx="3962400" cy="845539"/>
           </a:xfrm>
         </p:spPr>
         <p:txBody>
           <a:bodyPr/>
           <a:lstStyle/>
           <a:p>
-            <a:r>
-              <a:rPr lang="en-US" sz="3600" dirty="0">
+            <a:pPr algn="l"/>
+            <a:r>
+              <a:rPr lang="en-US" sz="3200" dirty="0">
                 <a:solidFill>
                   <a:srgbClr val="0070C0"/>
                 </a:solidFill>
                 <a:latin typeface="Calibri Light" panose="020F0302020204030204" pitchFamily="34" charset="0"/>
                 <a:cs typeface="Calibri Light" panose="020F0302020204030204" pitchFamily="34" charset="0"/>
               </a:rPr>
-              <a:t>Probe Response Messages</a:t>
+              <a:t>Probe Query for SR-MPLS and SRv6 Policy</a:t>
             </a:r>
           </a:p>
         </p:txBody>
@@ -5476,7 +5478,7 @@
         </p:nvSpPr>
         <p:spPr>
           <a:xfrm>
-            <a:off x="3124200" y="4786312"/>
+            <a:off x="3124200" y="4796631"/>
             <a:ext cx="2895600" cy="357188"/>
           </a:xfrm>
         </p:spPr>
@@ -5504,126 +5506,781 @@
       </p:sp>
       <p:sp>
         <p:nvSpPr>
-          <p:cNvPr id="6" name="Content Placeholder 2">
+          <p:cNvPr id="5" name="Rectangle 4"/>
+          <p:cNvSpPr/>
+          <p:nvPr/>
+        </p:nvSpPr>
+        <p:spPr>
+          <a:xfrm>
+            <a:off x="4169569" y="102581"/>
+            <a:ext cx="4136231" cy="2062103"/>
+          </a:xfrm>
+          <a:prstGeom prst="rect">
+            <a:avLst/>
+          </a:prstGeom>
+          <a:solidFill>
+            <a:schemeClr val="accent6">
+              <a:lumMod val="20000"/>
+              <a:lumOff val="80000"/>
+            </a:schemeClr>
+          </a:solidFill>
+        </p:spPr>
+        <p:txBody>
+          <a:bodyPr wrap="square">
+            <a:spAutoFit/>
+          </a:bodyPr>
+          <a:lstStyle/>
+          <a:p>
+            <a:r>
+              <a:rPr lang="en-US" sz="800" dirty="0">
+                <a:latin typeface="Courier" charset="0"/>
+                <a:ea typeface="Courier" charset="0"/>
+                <a:cs typeface="Courier" charset="0"/>
+              </a:rPr>
+              <a:t>0                   1                   2                   3</a:t>
+            </a:r>
+          </a:p>
+          <a:p>
+            <a:r>
+              <a:rPr lang="en-US" sz="800" dirty="0">
+                <a:latin typeface="Courier" charset="0"/>
+                <a:ea typeface="Courier" charset="0"/>
+                <a:cs typeface="Courier" charset="0"/>
+              </a:rPr>
+              <a:t>0 1 2 3 4 5 6 7 8 9 0 1 2 3 4 5 6 7 8 9 0 1 2 3 4 5 6 7 8 9 0 1</a:t>
+            </a:r>
+          </a:p>
+          <a:p>
+            <a:r>
+              <a:rPr lang="en-US" sz="800" dirty="0">
+                <a:latin typeface="Courier" charset="0"/>
+                <a:ea typeface="Courier" charset="0"/>
+                <a:cs typeface="Courier" charset="0"/>
+              </a:rPr>
+              <a:t>+-+-+-+-+-+-+-+-+-+-+-+-+-+-+-+-+-+-+-+-+-+-+-+-+-+-+-+-+-+-+-+-+</a:t>
+            </a:r>
+          </a:p>
+          <a:p>
+            <a:r>
+              <a:rPr lang="en-US" sz="800" dirty="0">
+                <a:latin typeface="Courier" charset="0"/>
+                <a:ea typeface="Courier" charset="0"/>
+                <a:cs typeface="Courier" charset="0"/>
+              </a:rPr>
+              <a:t>|              Segment(1)               | TC  |S|      TTL      |</a:t>
+            </a:r>
+          </a:p>
+          <a:p>
+            <a:r>
+              <a:rPr lang="en-US" sz="800" dirty="0">
+                <a:latin typeface="Courier" charset="0"/>
+                <a:ea typeface="Courier" charset="0"/>
+                <a:cs typeface="Courier" charset="0"/>
+              </a:rPr>
+              <a:t>+-+-+-+-+-+-+-+-+-+-+-+-+-+-+-+-+-+-+-+-+-+-+-+-+-+-+-+-+-+-+-+-+</a:t>
+            </a:r>
+          </a:p>
+          <a:p>
+            <a:r>
+              <a:rPr lang="en-US" sz="800" dirty="0">
+                <a:latin typeface="Courier" charset="0"/>
+                <a:ea typeface="Courier" charset="0"/>
+                <a:cs typeface="Courier" charset="0"/>
+              </a:rPr>
+              <a:t>.                                                               .</a:t>
+            </a:r>
+          </a:p>
+          <a:p>
+            <a:r>
+              <a:rPr lang="en-US" sz="800" dirty="0">
+                <a:latin typeface="Courier" charset="0"/>
+                <a:ea typeface="Courier" charset="0"/>
+                <a:cs typeface="Courier" charset="0"/>
+              </a:rPr>
+              <a:t>.                                                               .</a:t>
+            </a:r>
+          </a:p>
+          <a:p>
+            <a:r>
+              <a:rPr lang="en-US" sz="800" dirty="0">
+                <a:latin typeface="Courier" charset="0"/>
+                <a:ea typeface="Courier" charset="0"/>
+                <a:cs typeface="Courier" charset="0"/>
+              </a:rPr>
+              <a:t>.                                                               .</a:t>
+            </a:r>
+          </a:p>
+          <a:p>
+            <a:r>
+              <a:rPr lang="en-US" sz="800" dirty="0">
+                <a:latin typeface="Courier" charset="0"/>
+                <a:ea typeface="Courier" charset="0"/>
+                <a:cs typeface="Courier" charset="0"/>
+              </a:rPr>
+              <a:t>+-+-+-+-+-+-+-+-+-+-+-+-+-+-+-+-+-+-+-+-+-+-+-+-+-+-+-+-+-+-+-+-+</a:t>
+            </a:r>
+          </a:p>
+          <a:p>
+            <a:r>
+              <a:rPr lang="en-US" sz="800" dirty="0">
+                <a:latin typeface="Courier" charset="0"/>
+                <a:ea typeface="Courier" charset="0"/>
+                <a:cs typeface="Courier" charset="0"/>
+              </a:rPr>
+              <a:t>|              Segment(n)               | TC  |S|      TTL      |</a:t>
+            </a:r>
+          </a:p>
+          <a:p>
+            <a:r>
+              <a:rPr lang="en-US" sz="800" dirty="0">
+                <a:latin typeface="Courier" charset="0"/>
+                <a:ea typeface="Courier" charset="0"/>
+                <a:cs typeface="Courier" charset="0"/>
+              </a:rPr>
+              <a:t>+-+-+-+-+-+-+-+-+-+-+-+-+-+-+-+-+-+-+-+-+-+-+-+-+-+-+-+-+-+-+-+-+</a:t>
+            </a:r>
+          </a:p>
+          <a:p>
+            <a:r>
+              <a:rPr lang="en-US" sz="800" dirty="0">
+                <a:latin typeface="Courier" charset="0"/>
+                <a:ea typeface="Courier" charset="0"/>
+                <a:cs typeface="Courier" charset="0"/>
+              </a:rPr>
+              <a:t>|   Message for DM or LM Query with IP/UDP Header               |</a:t>
+            </a:r>
+          </a:p>
+          <a:p>
+            <a:r>
+              <a:rPr lang="en-US" sz="800" dirty="0">
+                <a:latin typeface="Courier" charset="0"/>
+                <a:ea typeface="Courier" charset="0"/>
+                <a:cs typeface="Courier" charset="0"/>
+              </a:rPr>
+              <a:t>.                                                               .</a:t>
+            </a:r>
+          </a:p>
+          <a:p>
+            <a:r>
+              <a:rPr lang="en-US" sz="800" dirty="0">
+                <a:latin typeface="Courier" charset="0"/>
+                <a:ea typeface="Courier" charset="0"/>
+                <a:cs typeface="Courier" charset="0"/>
+              </a:rPr>
+              <a:t>+---------------------------------------------------------------+</a:t>
+            </a:r>
+          </a:p>
+          <a:p>
+            <a:r>
+              <a:rPr lang="en-US" sz="800" dirty="0">
+                <a:latin typeface="Courier" charset="0"/>
+                <a:ea typeface="Courier" charset="0"/>
+                <a:cs typeface="Courier" charset="0"/>
+              </a:rPr>
+              <a:t> </a:t>
+            </a:r>
+          </a:p>
+          <a:p>
+            <a:r>
+              <a:rPr lang="en-US" sz="800" dirty="0">
+                <a:latin typeface="Courier" charset="0"/>
+                <a:ea typeface="Courier" charset="0"/>
+                <a:cs typeface="Courier" charset="0"/>
+              </a:rPr>
+              <a:t>         Figure: Probe Query Message for SR-MPLS Policy</a:t>
+            </a:r>
+          </a:p>
+        </p:txBody>
+      </p:sp>
+      <p:sp>
+        <p:nvSpPr>
+          <p:cNvPr id="6" name="Content Placeholder 2"/>
+          <p:cNvSpPr txBox="1">
+            <a:spLocks/>
+          </p:cNvSpPr>
+          <p:nvPr/>
+        </p:nvSpPr>
+        <p:spPr bwMode="auto">
+          <a:xfrm>
+            <a:off x="207169" y="1461909"/>
+            <a:ext cx="3962400" cy="2641926"/>
+          </a:xfrm>
+          <a:prstGeom prst="rect">
+            <a:avLst/>
+          </a:prstGeom>
+          <a:noFill/>
+          <a:ln w="9525">
+            <a:noFill/>
+            <a:miter lim="800000"/>
+            <a:headEnd/>
+            <a:tailEnd/>
+          </a:ln>
+        </p:spPr>
+        <p:txBody>
+          <a:bodyPr vert="horz" wrap="square" lIns="91440" tIns="45720" rIns="91440" bIns="45720" numCol="1" anchor="t" anchorCtr="0" compatLnSpc="1">
+            <a:prstTxWarp prst="textNoShape">
+              <a:avLst/>
+            </a:prstTxWarp>
+          </a:bodyPr>
+          <a:lstStyle>
+            <a:lvl1pPr marL="342900" indent="-342900" algn="l" rtl="0" eaLnBrk="0" fontAlgn="base" hangingPunct="0">
+              <a:spcBef>
+                <a:spcPct val="20000"/>
+              </a:spcBef>
+              <a:spcAft>
+                <a:spcPct val="0"/>
+              </a:spcAft>
+              <a:buChar char="•"/>
+              <a:defRPr sz="3200">
+                <a:solidFill>
+                  <a:schemeClr val="tx1"/>
+                </a:solidFill>
+                <a:latin typeface="Calibri" charset="0"/>
+                <a:ea typeface="Calibri" charset="0"/>
+                <a:cs typeface="Calibri" charset="0"/>
+              </a:defRPr>
+            </a:lvl1pPr>
+            <a:lvl2pPr marL="742950" indent="-285750" algn="l" rtl="0" eaLnBrk="0" fontAlgn="base" hangingPunct="0">
+              <a:spcBef>
+                <a:spcPct val="20000"/>
+              </a:spcBef>
+              <a:spcAft>
+                <a:spcPct val="0"/>
+              </a:spcAft>
+              <a:buChar char="–"/>
+              <a:defRPr sz="2800">
+                <a:solidFill>
+                  <a:schemeClr val="tx1"/>
+                </a:solidFill>
+                <a:latin typeface="Calibri" charset="0"/>
+                <a:ea typeface="Calibri" charset="0"/>
+                <a:cs typeface="Calibri" charset="0"/>
+              </a:defRPr>
+            </a:lvl2pPr>
+            <a:lvl3pPr marL="1143000" indent="-228600" algn="l" rtl="0" eaLnBrk="0" fontAlgn="base" hangingPunct="0">
+              <a:spcBef>
+                <a:spcPct val="20000"/>
+              </a:spcBef>
+              <a:spcAft>
+                <a:spcPct val="0"/>
+              </a:spcAft>
+              <a:buChar char="•"/>
+              <a:defRPr sz="2400">
+                <a:solidFill>
+                  <a:schemeClr val="tx1"/>
+                </a:solidFill>
+                <a:latin typeface="Calibri" charset="0"/>
+                <a:ea typeface="Calibri" charset="0"/>
+                <a:cs typeface="Calibri" charset="0"/>
+              </a:defRPr>
+            </a:lvl3pPr>
+            <a:lvl4pPr marL="1600200" indent="-228600" algn="l" rtl="0" eaLnBrk="0" fontAlgn="base" hangingPunct="0">
+              <a:spcBef>
+                <a:spcPct val="20000"/>
+              </a:spcBef>
+              <a:spcAft>
+                <a:spcPct val="0"/>
+              </a:spcAft>
+              <a:buChar char="–"/>
+              <a:defRPr sz="2000">
+                <a:solidFill>
+                  <a:schemeClr val="tx1"/>
+                </a:solidFill>
+                <a:latin typeface="Calibri" charset="0"/>
+                <a:ea typeface="Calibri" charset="0"/>
+                <a:cs typeface="Calibri" charset="0"/>
+              </a:defRPr>
+            </a:lvl4pPr>
+            <a:lvl5pPr marL="2057400" indent="-228600" algn="l" rtl="0" eaLnBrk="0" fontAlgn="base" hangingPunct="0">
+              <a:spcBef>
+                <a:spcPct val="20000"/>
+              </a:spcBef>
+              <a:spcAft>
+                <a:spcPct val="0"/>
+              </a:spcAft>
+              <a:buChar char="»"/>
+              <a:defRPr sz="2000">
+                <a:solidFill>
+                  <a:schemeClr val="tx1"/>
+                </a:solidFill>
+                <a:latin typeface="Calibri" charset="0"/>
+                <a:ea typeface="Calibri" charset="0"/>
+                <a:cs typeface="Calibri" charset="0"/>
+              </a:defRPr>
+            </a:lvl5pPr>
+            <a:lvl6pPr marL="2514600" indent="-228600" algn="l" rtl="0" fontAlgn="base">
+              <a:spcBef>
+                <a:spcPct val="20000"/>
+              </a:spcBef>
+              <a:spcAft>
+                <a:spcPct val="0"/>
+              </a:spcAft>
+              <a:buChar char="»"/>
+              <a:defRPr sz="2000">
+                <a:solidFill>
+                  <a:schemeClr val="tx1"/>
+                </a:solidFill>
+                <a:latin typeface="+mn-lt"/>
+                <a:ea typeface="+mn-ea"/>
+              </a:defRPr>
+            </a:lvl6pPr>
+            <a:lvl7pPr marL="2971800" indent="-228600" algn="l" rtl="0" fontAlgn="base">
+              <a:spcBef>
+                <a:spcPct val="20000"/>
+              </a:spcBef>
+              <a:spcAft>
+                <a:spcPct val="0"/>
+              </a:spcAft>
+              <a:buChar char="»"/>
+              <a:defRPr sz="2000">
+                <a:solidFill>
+                  <a:schemeClr val="tx1"/>
+                </a:solidFill>
+                <a:latin typeface="+mn-lt"/>
+                <a:ea typeface="+mn-ea"/>
+              </a:defRPr>
+            </a:lvl7pPr>
+            <a:lvl8pPr marL="3429000" indent="-228600" algn="l" rtl="0" fontAlgn="base">
+              <a:spcBef>
+                <a:spcPct val="20000"/>
+              </a:spcBef>
+              <a:spcAft>
+                <a:spcPct val="0"/>
+              </a:spcAft>
+              <a:buChar char="»"/>
+              <a:defRPr sz="2000">
+                <a:solidFill>
+                  <a:schemeClr val="tx1"/>
+                </a:solidFill>
+                <a:latin typeface="+mn-lt"/>
+                <a:ea typeface="+mn-ea"/>
+              </a:defRPr>
+            </a:lvl8pPr>
+            <a:lvl9pPr marL="3886200" indent="-228600" algn="l" rtl="0" fontAlgn="base">
+              <a:spcBef>
+                <a:spcPct val="20000"/>
+              </a:spcBef>
+              <a:spcAft>
+                <a:spcPct val="0"/>
+              </a:spcAft>
+              <a:buChar char="»"/>
+              <a:defRPr sz="2000">
+                <a:solidFill>
+                  <a:schemeClr val="tx1"/>
+                </a:solidFill>
+                <a:latin typeface="+mn-lt"/>
+                <a:ea typeface="+mn-ea"/>
+              </a:defRPr>
+            </a:lvl9pPr>
+          </a:lstStyle>
+          <a:p>
+            <a:pPr marL="0" indent="0">
+              <a:buNone/>
+            </a:pPr>
+            <a:r>
+              <a:rPr lang="en-US" sz="1600" dirty="0"/>
+              <a:t>For </a:t>
+            </a:r>
+            <a:r>
+              <a:rPr lang="en-US" sz="1600" b="1" dirty="0"/>
+              <a:t>end-to-end </a:t>
+            </a:r>
+            <a:r>
+              <a:rPr lang="en-US" sz="1600" dirty="0"/>
+              <a:t>performance delay/loss measurement of SR Policy, the probe query messages are sent on the SR Policy path with:</a:t>
+            </a:r>
+          </a:p>
+          <a:p>
+            <a:pPr>
+              <a:buFont typeface="+mj-lt"/>
+              <a:buAutoNum type="arabicPeriod"/>
+            </a:pPr>
+            <a:r>
+              <a:rPr lang="en-US" sz="1600" dirty="0"/>
+              <a:t>MPLS label stack for SR-MPLS Policies</a:t>
+            </a:r>
+          </a:p>
+          <a:p>
+            <a:pPr>
+              <a:buFont typeface="+mj-lt"/>
+              <a:buAutoNum type="arabicPeriod"/>
+            </a:pPr>
+            <a:r>
+              <a:rPr lang="en-US" sz="1600" dirty="0"/>
+              <a:t>SRv6 SRH [</a:t>
+            </a:r>
+            <a:r>
+              <a:rPr lang="en-CA" sz="1600" dirty="0"/>
+              <a:t>RFC 8754</a:t>
+            </a:r>
+            <a:r>
+              <a:rPr lang="en-US" sz="1600" dirty="0"/>
+              <a:t>] with SID list for SRv6 Policies </a:t>
+            </a:r>
+          </a:p>
+        </p:txBody>
+      </p:sp>
+      <p:sp>
+        <p:nvSpPr>
+          <p:cNvPr id="3" name="Slide Number Placeholder 2"/>
+          <p:cNvSpPr>
+            <a:spLocks noGrp="1"/>
+          </p:cNvSpPr>
+          <p:nvPr>
+            <p:ph type="sldNum" sz="quarter" idx="12"/>
+          </p:nvPr>
+        </p:nvSpPr>
+        <p:spPr/>
+        <p:txBody>
+          <a:bodyPr/>
+          <a:lstStyle/>
+          <a:p>
+            <a:pPr>
+              <a:defRPr/>
+            </a:pPr>
+            <a:fld id="{BD6E0F59-1DD8-40FC-9C92-B6295CBA6CCA}" type="slidenum">
+              <a:rPr lang="en-US" altLang="zh-CN" smtClean="0"/>
+              <a:pPr>
+                <a:defRPr/>
+              </a:pPr>
+              <a:t>10</a:t>
+            </a:fld>
+            <a:endParaRPr lang="en-US" altLang="zh-CN"/>
+          </a:p>
+        </p:txBody>
+      </p:sp>
+      <p:sp>
+        <p:nvSpPr>
+          <p:cNvPr id="9" name="Rectangle 8">
             <a:extLst>
               <a:ext uri="{FF2B5EF4-FFF2-40B4-BE49-F238E27FC236}">
-                <a16:creationId xmlns:a16="http://schemas.microsoft.com/office/drawing/2014/main" id="{A9EC3BBA-698E-40F2-901A-9534A79EFEDF}"/>
+                <a16:creationId xmlns:a16="http://schemas.microsoft.com/office/drawing/2014/main" id="{160F96A1-646E-FF46-8FB4-8962B822EE32}"/>
               </a:ext>
             </a:extLst>
           </p:cNvPr>
-          <p:cNvSpPr>
-            <a:spLocks noGrp="1"/>
-          </p:cNvSpPr>
-          <p:nvPr>
-            <p:ph idx="1"/>
-          </p:nvPr>
+          <p:cNvSpPr/>
+          <p:nvPr/>
         </p:nvSpPr>
         <p:spPr>
           <a:xfrm>
-            <a:off x="381000" y="736839"/>
-            <a:ext cx="8382000" cy="1756479"/>
+            <a:off x="4169568" y="2240152"/>
+            <a:ext cx="4136231" cy="2800767"/>
           </a:xfrm>
+          <a:prstGeom prst="rect">
+            <a:avLst/>
+          </a:prstGeom>
+          <a:solidFill>
+            <a:schemeClr val="accent6">
+              <a:lumMod val="20000"/>
+              <a:lumOff val="80000"/>
+            </a:schemeClr>
+          </a:solidFill>
         </p:spPr>
         <p:txBody>
-          <a:bodyPr/>
+          <a:bodyPr wrap="square">
+            <a:spAutoFit/>
+          </a:bodyPr>
           <a:lstStyle/>
           <a:p>
             <a:r>
-              <a:rPr lang="en-US" sz="1800" dirty="0"/>
-              <a:t>Probe response messages can be sent in-band (two-way measurement) or out-of-band (one-way measurement) for SR links and SR Policies.</a:t>
-            </a:r>
-          </a:p>
-          <a:p>
-            <a:r>
-              <a:rPr lang="en-US" sz="1800" dirty="0"/>
-              <a:t>Use the information from the UDP Return Object (URO) TLV [RFC7876] from the received Probe query message payload, otherwise use the IP/UDP information (Source IP Address and Source UDP port) from the received Probe query message header.</a:t>
-            </a:r>
-          </a:p>
-        </p:txBody>
-      </p:sp>
-      <p:grpSp>
-        <p:nvGrpSpPr>
-          <p:cNvPr id="7" name="Group 6">
-            <a:extLst>
-              <a:ext uri="{FF2B5EF4-FFF2-40B4-BE49-F238E27FC236}">
-                <a16:creationId xmlns:a16="http://schemas.microsoft.com/office/drawing/2014/main" id="{99CE6DD2-1689-42C8-A964-194303625634}"/>
-              </a:ext>
-            </a:extLst>
-          </p:cNvPr>
-          <p:cNvGrpSpPr/>
-          <p:nvPr/>
-        </p:nvGrpSpPr>
-        <p:grpSpPr>
-          <a:xfrm>
-            <a:off x="76200" y="2589278"/>
-            <a:ext cx="8978081" cy="2148987"/>
-            <a:chOff x="76200" y="2589278"/>
-            <a:chExt cx="8978081" cy="2148987"/>
-          </a:xfrm>
-        </p:grpSpPr>
-        <p:pic>
-          <p:nvPicPr>
-            <p:cNvPr id="5" name="Picture 4"/>
-            <p:cNvPicPr>
-              <a:picLocks noChangeAspect="1"/>
-            </p:cNvPicPr>
-            <p:nvPr/>
-          </p:nvPicPr>
-          <p:blipFill>
-            <a:blip r:embed="rId3"/>
-            <a:stretch>
-              <a:fillRect/>
-            </a:stretch>
-          </p:blipFill>
-          <p:spPr>
-            <a:xfrm>
-              <a:off x="4419600" y="2589278"/>
-              <a:ext cx="4634681" cy="2148987"/>
-            </a:xfrm>
-            <a:prstGeom prst="rect">
-              <a:avLst/>
-            </a:prstGeom>
-            <a:solidFill>
-              <a:schemeClr val="bg1">
-                <a:lumMod val="95000"/>
-              </a:schemeClr>
-            </a:solidFill>
-          </p:spPr>
-        </p:pic>
-        <p:pic>
-          <p:nvPicPr>
-            <p:cNvPr id="3" name="Picture 2"/>
-            <p:cNvPicPr>
-              <a:picLocks noChangeAspect="1"/>
-            </p:cNvPicPr>
-            <p:nvPr/>
-          </p:nvPicPr>
-          <p:blipFill>
-            <a:blip r:embed="rId4"/>
-            <a:stretch>
-              <a:fillRect/>
-            </a:stretch>
-          </p:blipFill>
-          <p:spPr>
-            <a:xfrm>
-              <a:off x="76200" y="2589278"/>
-              <a:ext cx="4620816" cy="2142558"/>
-            </a:xfrm>
-            <a:prstGeom prst="rect">
-              <a:avLst/>
-            </a:prstGeom>
-            <a:solidFill>
-              <a:schemeClr val="bg1">
-                <a:lumMod val="95000"/>
-              </a:schemeClr>
-            </a:solidFill>
-          </p:spPr>
-        </p:pic>
-      </p:grpSp>
+              <a:rPr lang="en-US" sz="800" dirty="0">
+                <a:latin typeface="Courier" charset="0"/>
+                <a:ea typeface="Courier" charset="0"/>
+                <a:cs typeface="Courier" charset="0"/>
+              </a:rPr>
+              <a:t>0                   1                   2                   3</a:t>
+            </a:r>
+          </a:p>
+          <a:p>
+            <a:r>
+              <a:rPr lang="en-US" sz="800" dirty="0">
+                <a:latin typeface="Courier" charset="0"/>
+                <a:ea typeface="Courier" charset="0"/>
+                <a:cs typeface="Courier" charset="0"/>
+              </a:rPr>
+              <a:t>0 1 2 3 4 5 6 7 8 9 0 1 2 3 4 5 6 7 8 9 0 1 2 3 4 5 6 7 8 9 0 1</a:t>
+            </a:r>
+          </a:p>
+          <a:p>
+            <a:pPr>
+              <a:spcAft>
+                <a:spcPts val="0"/>
+              </a:spcAft>
+            </a:pPr>
+            <a:r>
+              <a:rPr lang="en-US" sz="800" dirty="0">
+                <a:latin typeface="Courier" pitchFamily="2" charset="0"/>
+                <a:ea typeface="Courier" charset="0"/>
+                <a:cs typeface="Courier" charset="0"/>
+              </a:rPr>
+              <a:t>+---------------------------------------------------------------+</a:t>
+            </a:r>
+          </a:p>
+          <a:p>
+            <a:pPr>
+              <a:spcAft>
+                <a:spcPts val="0"/>
+              </a:spcAft>
+            </a:pPr>
+            <a:r>
+              <a:rPr lang="en-US" sz="800" dirty="0">
+                <a:latin typeface="Courier" pitchFamily="2" charset="0"/>
+                <a:ea typeface="Courier" charset="0"/>
+                <a:cs typeface="Courier" charset="0"/>
+              </a:rPr>
+              <a:t>| IP Header                                                     |</a:t>
+            </a:r>
+          </a:p>
+          <a:p>
+            <a:pPr>
+              <a:spcAft>
+                <a:spcPts val="0"/>
+              </a:spcAft>
+            </a:pPr>
+            <a:r>
+              <a:rPr lang="en-US" sz="800" dirty="0">
+                <a:latin typeface="Courier" pitchFamily="2" charset="0"/>
+                <a:ea typeface="Courier" charset="0"/>
+                <a:cs typeface="Courier" charset="0"/>
+              </a:rPr>
+              <a:t>.  Source IP Address = Sender IPv6 Address                      .</a:t>
+            </a:r>
+          </a:p>
+          <a:p>
+            <a:pPr>
+              <a:spcAft>
+                <a:spcPts val="0"/>
+              </a:spcAft>
+            </a:pPr>
+            <a:r>
+              <a:rPr lang="en-US" sz="800" dirty="0">
+                <a:latin typeface="Courier" pitchFamily="2" charset="0"/>
+                <a:ea typeface="Courier" charset="0"/>
+                <a:cs typeface="Courier" charset="0"/>
+              </a:rPr>
+              <a:t>.  Destination IP Address = Reflector IPv6 Address              .</a:t>
+            </a:r>
+          </a:p>
+          <a:p>
+            <a:pPr>
+              <a:spcAft>
+                <a:spcPts val="0"/>
+              </a:spcAft>
+            </a:pPr>
+            <a:r>
+              <a:rPr lang="en-US" sz="800" dirty="0">
+                <a:latin typeface="Courier" pitchFamily="2" charset="0"/>
+                <a:ea typeface="Courier" charset="0"/>
+                <a:cs typeface="Courier" charset="0"/>
+              </a:rPr>
+              <a:t>.                                                               .</a:t>
+            </a:r>
+          </a:p>
+          <a:p>
+            <a:pPr>
+              <a:spcAft>
+                <a:spcPts val="0"/>
+              </a:spcAft>
+            </a:pPr>
+            <a:r>
+              <a:rPr lang="en-US" sz="800" dirty="0">
+                <a:latin typeface="Courier" pitchFamily="2" charset="0"/>
+                <a:ea typeface="Courier" charset="0"/>
+                <a:cs typeface="Courier" charset="0"/>
+              </a:rPr>
+              <a:t>+---------------------------------------------------------------+</a:t>
+            </a:r>
+          </a:p>
+          <a:p>
+            <a:r>
+              <a:rPr lang="en-US" sz="800" dirty="0">
+                <a:latin typeface="Courier" charset="0"/>
+                <a:ea typeface="Courier" charset="0"/>
+                <a:cs typeface="Courier" charset="0"/>
+              </a:rPr>
+              <a:t>| SRH                                                           |</a:t>
+            </a:r>
+          </a:p>
+          <a:p>
+            <a:r>
+              <a:rPr lang="en-US" sz="800" dirty="0">
+                <a:latin typeface="Courier" charset="0"/>
+                <a:ea typeface="Courier" charset="0"/>
+                <a:cs typeface="Courier" charset="0"/>
+              </a:rPr>
+              <a:t>. &lt;SID List&gt;                                                    .</a:t>
+            </a:r>
+          </a:p>
+          <a:p>
+            <a:r>
+              <a:rPr lang="en-US" sz="800" dirty="0">
+                <a:latin typeface="Courier" charset="0"/>
+                <a:ea typeface="Courier" charset="0"/>
+                <a:cs typeface="Courier" charset="0"/>
+              </a:rPr>
+              <a:t>.                                                               .</a:t>
+            </a:r>
+          </a:p>
+          <a:p>
+            <a:pPr>
+              <a:spcAft>
+                <a:spcPts val="0"/>
+              </a:spcAft>
+            </a:pPr>
+            <a:r>
+              <a:rPr lang="en-US" sz="800" dirty="0">
+                <a:latin typeface="Courier" pitchFamily="2" charset="0"/>
+                <a:ea typeface="Courier" charset="0"/>
+                <a:cs typeface="Courier" charset="0"/>
+              </a:rPr>
+              <a:t>+---------------------------------------------------------------+</a:t>
+            </a:r>
+          </a:p>
+          <a:p>
+            <a:pPr>
+              <a:spcAft>
+                <a:spcPts val="0"/>
+              </a:spcAft>
+            </a:pPr>
+            <a:r>
+              <a:rPr lang="en-US" sz="800" dirty="0">
+                <a:latin typeface="Courier" pitchFamily="2" charset="0"/>
+                <a:ea typeface="Courier" charset="0"/>
+                <a:cs typeface="Courier" charset="0"/>
+              </a:rPr>
+              <a:t>| UDP Header                                                    |</a:t>
+            </a:r>
+          </a:p>
+          <a:p>
+            <a:pPr>
+              <a:spcAft>
+                <a:spcPts val="0"/>
+              </a:spcAft>
+            </a:pPr>
+            <a:r>
+              <a:rPr lang="en-US" sz="800" dirty="0">
+                <a:latin typeface="Courier" pitchFamily="2" charset="0"/>
+                <a:ea typeface="Courier" charset="0"/>
+                <a:cs typeface="Courier" charset="0"/>
+              </a:rPr>
+              <a:t>.  Source Port = As chosen by Sender                            .</a:t>
+            </a:r>
+          </a:p>
+          <a:p>
+            <a:pPr>
+              <a:spcAft>
+                <a:spcPts val="0"/>
+              </a:spcAft>
+            </a:pPr>
+            <a:r>
+              <a:rPr lang="en-US" sz="800" dirty="0">
+                <a:latin typeface="Courier" pitchFamily="2" charset="0"/>
+                <a:ea typeface="Courier" charset="0"/>
+                <a:cs typeface="Courier" charset="0"/>
+              </a:rPr>
+              <a:t>.  Destination Port = </a:t>
+            </a:r>
+            <a:r>
+              <a:rPr lang="en-US" sz="800" dirty="0">
+                <a:solidFill>
+                  <a:srgbClr val="0070C0"/>
+                </a:solidFill>
+                <a:latin typeface="Courier" pitchFamily="2" charset="0"/>
+                <a:ea typeface="Courier" charset="0"/>
+                <a:cs typeface="Courier" charset="0"/>
+              </a:rPr>
+              <a:t>User-configured Port                      </a:t>
+            </a:r>
+            <a:r>
+              <a:rPr lang="en-US" sz="800" dirty="0">
+                <a:latin typeface="Courier" pitchFamily="2" charset="0"/>
+                <a:ea typeface="Courier" charset="0"/>
+                <a:cs typeface="Courier" charset="0"/>
+              </a:rPr>
+              <a:t>.</a:t>
+            </a:r>
+          </a:p>
+          <a:p>
+            <a:pPr>
+              <a:spcAft>
+                <a:spcPts val="0"/>
+              </a:spcAft>
+            </a:pPr>
+            <a:r>
+              <a:rPr lang="en-US" sz="800" dirty="0">
+                <a:latin typeface="Courier" pitchFamily="2" charset="0"/>
+                <a:ea typeface="Courier" charset="0"/>
+                <a:cs typeface="Courier" charset="0"/>
+              </a:rPr>
+              <a:t>.                                                               .</a:t>
+            </a:r>
+          </a:p>
+          <a:p>
+            <a:r>
+              <a:rPr lang="en-US" sz="800" dirty="0">
+                <a:latin typeface="Courier" charset="0"/>
+                <a:ea typeface="Courier" charset="0"/>
+                <a:cs typeface="Courier" charset="0"/>
+              </a:rPr>
+              <a:t>+-+-+-+-+-+-+-+-+-+-+-+-+-+-+-+-+-+-+-+-+-+-+-+-+-+-+-+-+-+-+-+-+</a:t>
+            </a:r>
+          </a:p>
+          <a:p>
+            <a:r>
+              <a:rPr lang="en-US" sz="800" dirty="0">
+                <a:latin typeface="Courier" charset="0"/>
+                <a:ea typeface="Courier" charset="0"/>
+                <a:cs typeface="Courier" charset="0"/>
+              </a:rPr>
+              <a:t>|   Message for DM or LM Query                                  |</a:t>
+            </a:r>
+          </a:p>
+          <a:p>
+            <a:r>
+              <a:rPr lang="en-US" sz="800" dirty="0">
+                <a:latin typeface="Courier" charset="0"/>
+                <a:ea typeface="Courier" charset="0"/>
+                <a:cs typeface="Courier" charset="0"/>
+              </a:rPr>
+              <a:t>.                                                               .</a:t>
+            </a:r>
+          </a:p>
+          <a:p>
+            <a:r>
+              <a:rPr lang="en-US" sz="800" dirty="0">
+                <a:latin typeface="Courier" charset="0"/>
+                <a:ea typeface="Courier" charset="0"/>
+                <a:cs typeface="Courier" charset="0"/>
+              </a:rPr>
+              <a:t>+---------------------------------------------------------------+</a:t>
+            </a:r>
+          </a:p>
+          <a:p>
+            <a:r>
+              <a:rPr lang="en-US" sz="800" dirty="0">
+                <a:latin typeface="Courier" charset="0"/>
+                <a:ea typeface="Courier" charset="0"/>
+                <a:cs typeface="Courier" charset="0"/>
+              </a:rPr>
+              <a:t> </a:t>
+            </a:r>
+          </a:p>
+          <a:p>
+            <a:r>
+              <a:rPr lang="en-US" sz="800" dirty="0">
+                <a:latin typeface="Courier" charset="0"/>
+                <a:ea typeface="Courier" charset="0"/>
+                <a:cs typeface="Courier" charset="0"/>
+              </a:rPr>
+              <a:t>          Figure: Probe Query Message for SRv6 Policy</a:t>
+            </a:r>
+          </a:p>
+        </p:txBody>
+      </p:sp>
     </p:spTree>
     <p:extLst>
       <p:ext uri="{BB962C8B-B14F-4D97-AF65-F5344CB8AC3E}">
-        <p14:creationId xmlns:p14="http://schemas.microsoft.com/office/powerpoint/2010/main" val="295166020"/>
+        <p14:creationId xmlns:p14="http://schemas.microsoft.com/office/powerpoint/2010/main" val="972829033"/>
       </p:ext>
     </p:extLst>
   </p:cSld>
@@ -5662,8 +6319,8 @@
         </p:nvSpPr>
         <p:spPr>
           <a:xfrm>
-            <a:off x="457200" y="-26666"/>
-            <a:ext cx="8229600" cy="751969"/>
+            <a:off x="304800" y="0"/>
+            <a:ext cx="8686800" cy="857250"/>
           </a:xfrm>
         </p:spPr>
         <p:txBody>
@@ -5678,7 +6335,7 @@
                 <a:latin typeface="Calibri Light" panose="020F0302020204030204" pitchFamily="34" charset="0"/>
                 <a:cs typeface="Calibri Light" panose="020F0302020204030204" pitchFamily="34" charset="0"/>
               </a:rPr>
-              <a:t>Authenticated Mode</a:t>
+              <a:t>Probe Response Messages</a:t>
             </a:r>
           </a:p>
         </p:txBody>
@@ -5695,7 +6352,7 @@
         </p:nvSpPr>
         <p:spPr>
           <a:xfrm>
-            <a:off x="3124200" y="4805098"/>
+            <a:off x="3124200" y="4786312"/>
             <a:ext cx="2895600" cy="357188"/>
           </a:xfrm>
         </p:spPr>
@@ -5723,563 +6380,2021 @@
       </p:sp>
       <p:sp>
         <p:nvSpPr>
-          <p:cNvPr id="5" name="Rectangle 4"/>
-          <p:cNvSpPr/>
-          <p:nvPr/>
+          <p:cNvPr id="6" name="Content Placeholder 2">
+            <a:extLst>
+              <a:ext uri="{FF2B5EF4-FFF2-40B4-BE49-F238E27FC236}">
+                <a16:creationId xmlns:a16="http://schemas.microsoft.com/office/drawing/2014/main" id="{A9EC3BBA-698E-40F2-901A-9534A79EFEDF}"/>
+              </a:ext>
+            </a:extLst>
+          </p:cNvPr>
+          <p:cNvSpPr>
+            <a:spLocks noGrp="1"/>
+          </p:cNvSpPr>
+          <p:nvPr>
+            <p:ph idx="1"/>
+          </p:nvPr>
         </p:nvSpPr>
         <p:spPr>
           <a:xfrm>
-            <a:off x="4229100" y="2267017"/>
-            <a:ext cx="4648200" cy="2446824"/>
+            <a:off x="377588" y="754910"/>
+            <a:ext cx="8236424" cy="1202461"/>
+          </a:xfrm>
+        </p:spPr>
+        <p:txBody>
+          <a:bodyPr/>
+          <a:lstStyle/>
+          <a:p>
+            <a:r>
+              <a:rPr lang="en-US" sz="1400" dirty="0"/>
+              <a:t>Probe response messages can be sent in-band (two-way measurement) or out-of-band (one-way measurement) for SR links and SR Policies.</a:t>
+            </a:r>
+          </a:p>
+          <a:p>
+            <a:r>
+              <a:rPr lang="en-US" sz="1400" dirty="0"/>
+              <a:t>Use the information from the UDP Return Object (URO) TLV [RFC7876] from the received Probe query message payload, otherwise use the IP/UDP information (Source IP Address and Source UDP port) from the received Probe query message header.</a:t>
+            </a:r>
+          </a:p>
+        </p:txBody>
+      </p:sp>
+      <p:sp>
+        <p:nvSpPr>
+          <p:cNvPr id="8" name="Rectangle 1">
+            <a:extLst>
+              <a:ext uri="{FF2B5EF4-FFF2-40B4-BE49-F238E27FC236}">
+                <a16:creationId xmlns:a16="http://schemas.microsoft.com/office/drawing/2014/main" id="{69E1226C-1526-2047-B2DC-04D9FFC21E31}"/>
+              </a:ext>
+            </a:extLst>
+          </p:cNvPr>
+          <p:cNvSpPr>
+            <a:spLocks noChangeArrowheads="1"/>
+          </p:cNvSpPr>
+          <p:nvPr/>
+        </p:nvSpPr>
+        <p:spPr bwMode="auto">
+          <a:xfrm>
+            <a:off x="76200" y="2328505"/>
+            <a:ext cx="4419600" cy="2262158"/>
           </a:xfrm>
           <a:prstGeom prst="rect">
             <a:avLst/>
           </a:prstGeom>
           <a:solidFill>
-            <a:schemeClr val="accent6">
-              <a:lumMod val="20000"/>
-              <a:lumOff val="80000"/>
+            <a:schemeClr val="bg1">
+              <a:lumMod val="95000"/>
             </a:schemeClr>
           </a:solidFill>
+          <a:ln>
+            <a:noFill/>
+          </a:ln>
+          <a:effectLst/>
         </p:spPr>
         <p:txBody>
-          <a:bodyPr wrap="square">
+          <a:bodyPr vert="horz" wrap="square" lIns="91440" tIns="45720" rIns="91440" bIns="0" numCol="1" anchor="ctr" anchorCtr="0" compatLnSpc="1">
+            <a:prstTxWarp prst="textNoShape">
+              <a:avLst/>
+            </a:prstTxWarp>
             <a:spAutoFit/>
           </a:bodyPr>
-          <a:lstStyle/>
-          <a:p>
-            <a:pPr>
-              <a:spcAft>
-                <a:spcPts val="0"/>
-              </a:spcAft>
-            </a:pPr>
-            <a:r>
-              <a:rPr lang="en-US" sz="900" dirty="0">
+          <a:lstStyle>
+            <a:lvl1pPr eaLnBrk="0" hangingPunct="0">
+              <a:tabLst>
+                <a:tab pos="581025" algn="l"/>
+                <a:tab pos="1163638" algn="l"/>
+                <a:tab pos="1744663" algn="l"/>
+                <a:tab pos="2327275" algn="l"/>
+                <a:tab pos="2908300" algn="l"/>
+                <a:tab pos="3489325" algn="l"/>
+                <a:tab pos="4071938" algn="l"/>
+                <a:tab pos="4652963" algn="l"/>
+                <a:tab pos="5235575" algn="l"/>
+                <a:tab pos="5816600" algn="l"/>
+                <a:tab pos="6397625" algn="l"/>
+                <a:tab pos="6980238" algn="l"/>
+                <a:tab pos="7561263" algn="l"/>
+                <a:tab pos="8143875" algn="l"/>
+                <a:tab pos="8724900" algn="l"/>
+                <a:tab pos="9305925" algn="l"/>
+              </a:tabLst>
+              <a:defRPr>
+                <a:solidFill>
+                  <a:schemeClr val="tx1"/>
+                </a:solidFill>
+                <a:latin typeface="Arial" panose="020B0604020202020204" pitchFamily="34" charset="0"/>
+              </a:defRPr>
+            </a:lvl1pPr>
+            <a:lvl2pPr eaLnBrk="0" hangingPunct="0">
+              <a:tabLst>
+                <a:tab pos="581025" algn="l"/>
+                <a:tab pos="1163638" algn="l"/>
+                <a:tab pos="1744663" algn="l"/>
+                <a:tab pos="2327275" algn="l"/>
+                <a:tab pos="2908300" algn="l"/>
+                <a:tab pos="3489325" algn="l"/>
+                <a:tab pos="4071938" algn="l"/>
+                <a:tab pos="4652963" algn="l"/>
+                <a:tab pos="5235575" algn="l"/>
+                <a:tab pos="5816600" algn="l"/>
+                <a:tab pos="6397625" algn="l"/>
+                <a:tab pos="6980238" algn="l"/>
+                <a:tab pos="7561263" algn="l"/>
+                <a:tab pos="8143875" algn="l"/>
+                <a:tab pos="8724900" algn="l"/>
+                <a:tab pos="9305925" algn="l"/>
+              </a:tabLst>
+              <a:defRPr>
+                <a:solidFill>
+                  <a:schemeClr val="tx1"/>
+                </a:solidFill>
+                <a:latin typeface="Arial" panose="020B0604020202020204" pitchFamily="34" charset="0"/>
+              </a:defRPr>
+            </a:lvl2pPr>
+            <a:lvl3pPr eaLnBrk="0" hangingPunct="0">
+              <a:tabLst>
+                <a:tab pos="581025" algn="l"/>
+                <a:tab pos="1163638" algn="l"/>
+                <a:tab pos="1744663" algn="l"/>
+                <a:tab pos="2327275" algn="l"/>
+                <a:tab pos="2908300" algn="l"/>
+                <a:tab pos="3489325" algn="l"/>
+                <a:tab pos="4071938" algn="l"/>
+                <a:tab pos="4652963" algn="l"/>
+                <a:tab pos="5235575" algn="l"/>
+                <a:tab pos="5816600" algn="l"/>
+                <a:tab pos="6397625" algn="l"/>
+                <a:tab pos="6980238" algn="l"/>
+                <a:tab pos="7561263" algn="l"/>
+                <a:tab pos="8143875" algn="l"/>
+                <a:tab pos="8724900" algn="l"/>
+                <a:tab pos="9305925" algn="l"/>
+              </a:tabLst>
+              <a:defRPr>
+                <a:solidFill>
+                  <a:schemeClr val="tx1"/>
+                </a:solidFill>
+                <a:latin typeface="Arial" panose="020B0604020202020204" pitchFamily="34" charset="0"/>
+              </a:defRPr>
+            </a:lvl3pPr>
+            <a:lvl4pPr eaLnBrk="0" hangingPunct="0">
+              <a:tabLst>
+                <a:tab pos="581025" algn="l"/>
+                <a:tab pos="1163638" algn="l"/>
+                <a:tab pos="1744663" algn="l"/>
+                <a:tab pos="2327275" algn="l"/>
+                <a:tab pos="2908300" algn="l"/>
+                <a:tab pos="3489325" algn="l"/>
+                <a:tab pos="4071938" algn="l"/>
+                <a:tab pos="4652963" algn="l"/>
+                <a:tab pos="5235575" algn="l"/>
+                <a:tab pos="5816600" algn="l"/>
+                <a:tab pos="6397625" algn="l"/>
+                <a:tab pos="6980238" algn="l"/>
+                <a:tab pos="7561263" algn="l"/>
+                <a:tab pos="8143875" algn="l"/>
+                <a:tab pos="8724900" algn="l"/>
+                <a:tab pos="9305925" algn="l"/>
+              </a:tabLst>
+              <a:defRPr>
+                <a:solidFill>
+                  <a:schemeClr val="tx1"/>
+                </a:solidFill>
+                <a:latin typeface="Arial" panose="020B0604020202020204" pitchFamily="34" charset="0"/>
+              </a:defRPr>
+            </a:lvl4pPr>
+            <a:lvl5pPr eaLnBrk="0" hangingPunct="0">
+              <a:tabLst>
+                <a:tab pos="581025" algn="l"/>
+                <a:tab pos="1163638" algn="l"/>
+                <a:tab pos="1744663" algn="l"/>
+                <a:tab pos="2327275" algn="l"/>
+                <a:tab pos="2908300" algn="l"/>
+                <a:tab pos="3489325" algn="l"/>
+                <a:tab pos="4071938" algn="l"/>
+                <a:tab pos="4652963" algn="l"/>
+                <a:tab pos="5235575" algn="l"/>
+                <a:tab pos="5816600" algn="l"/>
+                <a:tab pos="6397625" algn="l"/>
+                <a:tab pos="6980238" algn="l"/>
+                <a:tab pos="7561263" algn="l"/>
+                <a:tab pos="8143875" algn="l"/>
+                <a:tab pos="8724900" algn="l"/>
+                <a:tab pos="9305925" algn="l"/>
+              </a:tabLst>
+              <a:defRPr>
+                <a:solidFill>
+                  <a:schemeClr val="tx1"/>
+                </a:solidFill>
+                <a:latin typeface="Arial" panose="020B0604020202020204" pitchFamily="34" charset="0"/>
+              </a:defRPr>
+            </a:lvl5pPr>
+            <a:lvl6pPr eaLnBrk="0" fontAlgn="base" hangingPunct="0">
+              <a:spcBef>
+                <a:spcPct val="0"/>
+              </a:spcBef>
+              <a:spcAft>
+                <a:spcPct val="0"/>
+              </a:spcAft>
+              <a:tabLst>
+                <a:tab pos="581025" algn="l"/>
+                <a:tab pos="1163638" algn="l"/>
+                <a:tab pos="1744663" algn="l"/>
+                <a:tab pos="2327275" algn="l"/>
+                <a:tab pos="2908300" algn="l"/>
+                <a:tab pos="3489325" algn="l"/>
+                <a:tab pos="4071938" algn="l"/>
+                <a:tab pos="4652963" algn="l"/>
+                <a:tab pos="5235575" algn="l"/>
+                <a:tab pos="5816600" algn="l"/>
+                <a:tab pos="6397625" algn="l"/>
+                <a:tab pos="6980238" algn="l"/>
+                <a:tab pos="7561263" algn="l"/>
+                <a:tab pos="8143875" algn="l"/>
+                <a:tab pos="8724900" algn="l"/>
+                <a:tab pos="9305925" algn="l"/>
+              </a:tabLst>
+              <a:defRPr>
+                <a:solidFill>
+                  <a:schemeClr val="tx1"/>
+                </a:solidFill>
+                <a:latin typeface="Arial" panose="020B0604020202020204" pitchFamily="34" charset="0"/>
+              </a:defRPr>
+            </a:lvl6pPr>
+            <a:lvl7pPr eaLnBrk="0" fontAlgn="base" hangingPunct="0">
+              <a:spcBef>
+                <a:spcPct val="0"/>
+              </a:spcBef>
+              <a:spcAft>
+                <a:spcPct val="0"/>
+              </a:spcAft>
+              <a:tabLst>
+                <a:tab pos="581025" algn="l"/>
+                <a:tab pos="1163638" algn="l"/>
+                <a:tab pos="1744663" algn="l"/>
+                <a:tab pos="2327275" algn="l"/>
+                <a:tab pos="2908300" algn="l"/>
+                <a:tab pos="3489325" algn="l"/>
+                <a:tab pos="4071938" algn="l"/>
+                <a:tab pos="4652963" algn="l"/>
+                <a:tab pos="5235575" algn="l"/>
+                <a:tab pos="5816600" algn="l"/>
+                <a:tab pos="6397625" algn="l"/>
+                <a:tab pos="6980238" algn="l"/>
+                <a:tab pos="7561263" algn="l"/>
+                <a:tab pos="8143875" algn="l"/>
+                <a:tab pos="8724900" algn="l"/>
+                <a:tab pos="9305925" algn="l"/>
+              </a:tabLst>
+              <a:defRPr>
+                <a:solidFill>
+                  <a:schemeClr val="tx1"/>
+                </a:solidFill>
+                <a:latin typeface="Arial" panose="020B0604020202020204" pitchFamily="34" charset="0"/>
+              </a:defRPr>
+            </a:lvl7pPr>
+            <a:lvl8pPr eaLnBrk="0" fontAlgn="base" hangingPunct="0">
+              <a:spcBef>
+                <a:spcPct val="0"/>
+              </a:spcBef>
+              <a:spcAft>
+                <a:spcPct val="0"/>
+              </a:spcAft>
+              <a:tabLst>
+                <a:tab pos="581025" algn="l"/>
+                <a:tab pos="1163638" algn="l"/>
+                <a:tab pos="1744663" algn="l"/>
+                <a:tab pos="2327275" algn="l"/>
+                <a:tab pos="2908300" algn="l"/>
+                <a:tab pos="3489325" algn="l"/>
+                <a:tab pos="4071938" algn="l"/>
+                <a:tab pos="4652963" algn="l"/>
+                <a:tab pos="5235575" algn="l"/>
+                <a:tab pos="5816600" algn="l"/>
+                <a:tab pos="6397625" algn="l"/>
+                <a:tab pos="6980238" algn="l"/>
+                <a:tab pos="7561263" algn="l"/>
+                <a:tab pos="8143875" algn="l"/>
+                <a:tab pos="8724900" algn="l"/>
+                <a:tab pos="9305925" algn="l"/>
+              </a:tabLst>
+              <a:defRPr>
+                <a:solidFill>
+                  <a:schemeClr val="tx1"/>
+                </a:solidFill>
+                <a:latin typeface="Arial" panose="020B0604020202020204" pitchFamily="34" charset="0"/>
+              </a:defRPr>
+            </a:lvl8pPr>
+            <a:lvl9pPr eaLnBrk="0" fontAlgn="base" hangingPunct="0">
+              <a:spcBef>
+                <a:spcPct val="0"/>
+              </a:spcBef>
+              <a:spcAft>
+                <a:spcPct val="0"/>
+              </a:spcAft>
+              <a:tabLst>
+                <a:tab pos="581025" algn="l"/>
+                <a:tab pos="1163638" algn="l"/>
+                <a:tab pos="1744663" algn="l"/>
+                <a:tab pos="2327275" algn="l"/>
+                <a:tab pos="2908300" algn="l"/>
+                <a:tab pos="3489325" algn="l"/>
+                <a:tab pos="4071938" algn="l"/>
+                <a:tab pos="4652963" algn="l"/>
+                <a:tab pos="5235575" algn="l"/>
+                <a:tab pos="5816600" algn="l"/>
+                <a:tab pos="6397625" algn="l"/>
+                <a:tab pos="6980238" algn="l"/>
+                <a:tab pos="7561263" algn="l"/>
+                <a:tab pos="8143875" algn="l"/>
+                <a:tab pos="8724900" algn="l"/>
+                <a:tab pos="9305925" algn="l"/>
+              </a:tabLst>
+              <a:defRPr>
+                <a:solidFill>
+                  <a:schemeClr val="tx1"/>
+                </a:solidFill>
+                <a:latin typeface="Arial" panose="020B0604020202020204" pitchFamily="34" charset="0"/>
+              </a:defRPr>
+            </a:lvl9pPr>
+          </a:lstStyle>
+          <a:p>
+            <a:pPr marR="0" lvl="0" algn="l" defTabSz="914400" rtl="0" eaLnBrk="0" fontAlgn="base" latinLnBrk="0" hangingPunct="0">
+              <a:lnSpc>
+                <a:spcPct val="100000"/>
+              </a:lnSpc>
+              <a:spcBef>
+                <a:spcPct val="0"/>
+              </a:spcBef>
+              <a:spcAft>
+                <a:spcPct val="0"/>
+              </a:spcAft>
+              <a:buClrTx/>
+              <a:buSzTx/>
+              <a:tabLst>
+                <a:tab pos="581025" algn="l"/>
+                <a:tab pos="1163638" algn="l"/>
+                <a:tab pos="1744663" algn="l"/>
+                <a:tab pos="2327275" algn="l"/>
+                <a:tab pos="2908300" algn="l"/>
+                <a:tab pos="3489325" algn="l"/>
+                <a:tab pos="4071938" algn="l"/>
+                <a:tab pos="4652963" algn="l"/>
+                <a:tab pos="5235575" algn="l"/>
+                <a:tab pos="5816600" algn="l"/>
+                <a:tab pos="6397625" algn="l"/>
+                <a:tab pos="6980238" algn="l"/>
+                <a:tab pos="7561263" algn="l"/>
+                <a:tab pos="8143875" algn="l"/>
+                <a:tab pos="8724900" algn="l"/>
+                <a:tab pos="9305925" algn="l"/>
+              </a:tabLst>
+            </a:pPr>
+            <a:r>
+              <a:rPr kumimoji="0" lang="en-US" altLang="en-US" sz="800" u="none" strike="noStrike" cap="none" normalizeH="0" baseline="0" dirty="0">
+                <a:ln>
+                  <a:noFill/>
+                </a:ln>
+                <a:solidFill>
+                  <a:schemeClr val="tx1"/>
+                </a:solidFill>
+                <a:effectLst/>
                 <a:latin typeface="Courier" pitchFamily="2" charset="0"/>
-                <a:ea typeface="Courier" charset="0"/>
-                <a:cs typeface="Courier" charset="0"/>
-              </a:rPr>
-              <a:t>0                   1                   2                   3</a:t>
-            </a:r>
-          </a:p>
-          <a:p>
-            <a:pPr>
-              <a:spcAft>
-                <a:spcPts val="0"/>
-              </a:spcAft>
-            </a:pPr>
-            <a:r>
-              <a:rPr lang="en-US" sz="900" dirty="0">
-                <a:latin typeface="Courier" pitchFamily="2" charset="0"/>
-                <a:ea typeface="Courier" charset="0"/>
-                <a:cs typeface="Courier" charset="0"/>
-              </a:rPr>
-              <a:t>0 1 2 3 4 5 6 7 8 9 0 1 2 3 4 5 6 7 8 9 0 1 2 3 4 5 6 7 8 9 0 1</a:t>
-            </a:r>
-          </a:p>
-          <a:p>
-            <a:pPr>
-              <a:spcAft>
-                <a:spcPts val="0"/>
-              </a:spcAft>
-            </a:pPr>
-            <a:r>
-              <a:rPr lang="en-US" sz="900" dirty="0">
-                <a:latin typeface="Courier" pitchFamily="2" charset="0"/>
-                <a:ea typeface="Courier" charset="0"/>
-                <a:cs typeface="Courier" charset="0"/>
-              </a:rPr>
-              <a:t>+-+-+-+-+-+-+-+-+-+-+-+-+-+-+-+-+-+-+-+-+-+-+-+-+-+-+-+-+-+-+-+-+</a:t>
-            </a:r>
-          </a:p>
-          <a:p>
-            <a:pPr>
-              <a:spcAft>
-                <a:spcPts val="0"/>
-              </a:spcAft>
-            </a:pPr>
-            <a:r>
-              <a:rPr lang="en-US" sz="900" dirty="0">
-                <a:latin typeface="Courier" pitchFamily="2" charset="0"/>
-                <a:ea typeface="Courier" charset="0"/>
-                <a:cs typeface="Courier" charset="0"/>
-              </a:rPr>
-              <a:t>|   Type TBA4   |    Length     |      Reserved                 |</a:t>
-            </a:r>
-          </a:p>
-          <a:p>
-            <a:pPr>
-              <a:spcAft>
-                <a:spcPts val="0"/>
-              </a:spcAft>
-            </a:pPr>
-            <a:r>
-              <a:rPr lang="en-US" sz="900" dirty="0">
-                <a:latin typeface="Courier" pitchFamily="2" charset="0"/>
-                <a:ea typeface="Courier" charset="0"/>
-                <a:cs typeface="Courier" charset="0"/>
-              </a:rPr>
-              <a:t>+-+-+-+-+-+-+-+-+-+-+-+-+-+-+-+-+-+-+-+-+-+-+-+-+-+-+-+-+-+-+-+-+</a:t>
-            </a:r>
-          </a:p>
-          <a:p>
-            <a:pPr>
-              <a:spcAft>
-                <a:spcPts val="0"/>
-              </a:spcAft>
-            </a:pPr>
-            <a:r>
-              <a:rPr lang="en-US" sz="900" dirty="0">
-                <a:latin typeface="Courier" pitchFamily="2" charset="0"/>
-                <a:ea typeface="Courier" charset="0"/>
-                <a:cs typeface="Courier" charset="0"/>
-              </a:rPr>
-              <a:t>|                    Sequence Number                            |</a:t>
-            </a:r>
-          </a:p>
-          <a:p>
-            <a:pPr>
-              <a:spcAft>
-                <a:spcPts val="0"/>
-              </a:spcAft>
-            </a:pPr>
-            <a:r>
-              <a:rPr lang="en-US" sz="900" dirty="0">
-                <a:latin typeface="Courier" pitchFamily="2" charset="0"/>
-                <a:ea typeface="Courier" charset="0"/>
-                <a:cs typeface="Courier" charset="0"/>
-              </a:rPr>
-              <a:t>~                                                               ~</a:t>
-            </a:r>
-          </a:p>
-          <a:p>
-            <a:pPr>
-              <a:spcAft>
-                <a:spcPts val="0"/>
-              </a:spcAft>
-            </a:pPr>
-            <a:r>
-              <a:rPr lang="en-US" sz="900" dirty="0">
-                <a:latin typeface="Courier" pitchFamily="2" charset="0"/>
-                <a:ea typeface="Courier" charset="0"/>
-                <a:cs typeface="Courier" charset="0"/>
-              </a:rPr>
-              <a:t>+-+-+-+-+-+-+-+-+-+-+-+-+-+-+-+-+-+-+-+-+-+-+-+-+-+-+-+-+-+-+-+-+</a:t>
-            </a:r>
-          </a:p>
-          <a:p>
-            <a:pPr>
-              <a:spcAft>
-                <a:spcPts val="0"/>
-              </a:spcAft>
-            </a:pPr>
-            <a:r>
-              <a:rPr lang="en-US" sz="900" dirty="0">
-                <a:latin typeface="Courier" pitchFamily="2" charset="0"/>
-                <a:ea typeface="Courier" charset="0"/>
-                <a:cs typeface="Courier" charset="0"/>
-              </a:rPr>
-              <a:t>~                    </a:t>
-            </a:r>
-            <a:r>
-              <a:rPr lang="en-US" sz="900" dirty="0" err="1">
-                <a:latin typeface="Courier" pitchFamily="2" charset="0"/>
-                <a:ea typeface="Courier" charset="0"/>
-                <a:cs typeface="Courier" charset="0"/>
-              </a:rPr>
-              <a:t>Comp.MBZ</a:t>
-            </a:r>
-            <a:r>
-              <a:rPr lang="en-US" sz="900" dirty="0">
-                <a:latin typeface="Courier" pitchFamily="2" charset="0"/>
-                <a:ea typeface="Courier" charset="0"/>
-                <a:cs typeface="Courier" charset="0"/>
-              </a:rPr>
-              <a:t>                                   ~</a:t>
-            </a:r>
-          </a:p>
-          <a:p>
-            <a:pPr>
-              <a:spcAft>
-                <a:spcPts val="0"/>
-              </a:spcAft>
-            </a:pPr>
-            <a:r>
-              <a:rPr lang="en-US" sz="900" dirty="0">
-                <a:latin typeface="Courier" pitchFamily="2" charset="0"/>
-                <a:ea typeface="Courier" charset="0"/>
-                <a:cs typeface="Courier" charset="0"/>
-              </a:rPr>
-              <a:t>+-+-+-+-+-+-+-+-+-+-+-+-+-+-+-+-+-+-+-+-+-+-+-+-+-+-+-+-+-+-+-+-+</a:t>
-            </a:r>
-          </a:p>
-          <a:p>
-            <a:pPr>
-              <a:spcAft>
-                <a:spcPts val="0"/>
-              </a:spcAft>
-            </a:pPr>
-            <a:r>
-              <a:rPr lang="en-US" sz="900" dirty="0">
-                <a:latin typeface="Courier" pitchFamily="2" charset="0"/>
-                <a:ea typeface="Courier" charset="0"/>
-                <a:cs typeface="Courier" charset="0"/>
-              </a:rPr>
-              <a:t>|                    HMAC (16 octets)                           |</a:t>
-            </a:r>
-          </a:p>
-          <a:p>
-            <a:pPr>
-              <a:spcAft>
-                <a:spcPts val="0"/>
-              </a:spcAft>
-            </a:pPr>
-            <a:r>
-              <a:rPr lang="en-US" sz="900" dirty="0">
-                <a:latin typeface="Courier" pitchFamily="2" charset="0"/>
-                <a:ea typeface="Courier" charset="0"/>
-                <a:cs typeface="Courier" charset="0"/>
-              </a:rPr>
-              <a:t>|                                                               |</a:t>
-            </a:r>
-          </a:p>
-          <a:p>
-            <a:pPr>
-              <a:spcAft>
-                <a:spcPts val="0"/>
-              </a:spcAft>
-            </a:pPr>
-            <a:r>
-              <a:rPr lang="en-US" sz="900" dirty="0">
-                <a:latin typeface="Courier" pitchFamily="2" charset="0"/>
-                <a:ea typeface="Courier" charset="0"/>
-                <a:cs typeface="Courier" charset="0"/>
-              </a:rPr>
-              <a:t>|                                                               |</a:t>
-            </a:r>
-          </a:p>
-          <a:p>
-            <a:pPr>
-              <a:spcAft>
-                <a:spcPts val="0"/>
-              </a:spcAft>
-            </a:pPr>
-            <a:r>
-              <a:rPr lang="en-US" sz="900" dirty="0">
-                <a:latin typeface="Courier" pitchFamily="2" charset="0"/>
-                <a:ea typeface="Courier" charset="0"/>
-                <a:cs typeface="Courier" charset="0"/>
-              </a:rPr>
-              <a:t>|                                                               |</a:t>
-            </a:r>
-          </a:p>
-          <a:p>
-            <a:pPr>
-              <a:spcAft>
-                <a:spcPts val="0"/>
-              </a:spcAft>
-            </a:pPr>
-            <a:r>
-              <a:rPr lang="en-US" sz="900" dirty="0">
-                <a:latin typeface="Courier" pitchFamily="2" charset="0"/>
-                <a:ea typeface="Courier" charset="0"/>
-                <a:cs typeface="Courier" charset="0"/>
-              </a:rPr>
-              <a:t>+-+-+-+-+-+-+-+-+-+-+-+-+-+-+-+-+-+-+-+-+-+-+-+-+-+-+-+-+-+-+-+-+</a:t>
-            </a:r>
-          </a:p>
-          <a:p>
-            <a:pPr>
-              <a:spcAft>
-                <a:spcPts val="0"/>
-              </a:spcAft>
-            </a:pPr>
-            <a:r>
-              <a:rPr lang="en-US" sz="900" dirty="0">
-                <a:latin typeface="Courier" pitchFamily="2" charset="0"/>
-                <a:ea typeface="Courier" charset="0"/>
-                <a:cs typeface="Courier" charset="0"/>
-              </a:rPr>
-              <a:t> </a:t>
-            </a:r>
-          </a:p>
-          <a:p>
-            <a:pPr>
-              <a:spcAft>
-                <a:spcPts val="0"/>
-              </a:spcAft>
-            </a:pPr>
-            <a:r>
-              <a:rPr lang="en-US" sz="900" dirty="0">
-                <a:latin typeface="Courier" pitchFamily="2" charset="0"/>
-                <a:ea typeface="Courier" charset="0"/>
-                <a:cs typeface="Courier" charset="0"/>
-              </a:rPr>
-              <a:t>     Figure 11: Sequence Number TLV - Authenticated Mode</a:t>
-            </a:r>
-            <a:endParaRPr lang="en-US" sz="900" dirty="0">
+                <a:ea typeface="Times New Roman" panose="02020603050405020304" pitchFamily="18" charset="0"/>
+                <a:cs typeface="Times New Roman" panose="02020603050405020304" pitchFamily="18" charset="0"/>
+              </a:rPr>
+              <a:t>    +---------------------------------------------------------------+</a:t>
+            </a:r>
+            <a:endParaRPr kumimoji="0" lang="en-US" altLang="en-US" sz="800" u="none" strike="noStrike" cap="none" normalizeH="0" baseline="0" dirty="0">
+              <a:ln>
+                <a:noFill/>
+              </a:ln>
+              <a:solidFill>
+                <a:schemeClr val="tx1"/>
+              </a:solidFill>
               <a:effectLst/>
               <a:latin typeface="Courier" pitchFamily="2" charset="0"/>
-              <a:ea typeface="Courier" charset="0"/>
-              <a:cs typeface="Courier" charset="0"/>
             </a:endParaRPr>
           </a:p>
-        </p:txBody>
-      </p:sp>
-      <p:sp>
-        <p:nvSpPr>
-          <p:cNvPr id="6" name="Rectangle 5"/>
-          <p:cNvSpPr/>
+          <a:p>
+            <a:pPr marR="0" lvl="0" algn="l" defTabSz="914400" rtl="0" eaLnBrk="0" fontAlgn="base" latinLnBrk="0" hangingPunct="0">
+              <a:lnSpc>
+                <a:spcPct val="100000"/>
+              </a:lnSpc>
+              <a:spcBef>
+                <a:spcPct val="0"/>
+              </a:spcBef>
+              <a:spcAft>
+                <a:spcPct val="0"/>
+              </a:spcAft>
+              <a:buClrTx/>
+              <a:buSzTx/>
+              <a:tabLst>
+                <a:tab pos="581025" algn="l"/>
+                <a:tab pos="1163638" algn="l"/>
+                <a:tab pos="1744663" algn="l"/>
+                <a:tab pos="2327275" algn="l"/>
+                <a:tab pos="2908300" algn="l"/>
+                <a:tab pos="3489325" algn="l"/>
+                <a:tab pos="4071938" algn="l"/>
+                <a:tab pos="4652963" algn="l"/>
+                <a:tab pos="5235575" algn="l"/>
+                <a:tab pos="5816600" algn="l"/>
+                <a:tab pos="6397625" algn="l"/>
+                <a:tab pos="6980238" algn="l"/>
+                <a:tab pos="7561263" algn="l"/>
+                <a:tab pos="8143875" algn="l"/>
+                <a:tab pos="8724900" algn="l"/>
+                <a:tab pos="9305925" algn="l"/>
+              </a:tabLst>
+            </a:pPr>
+            <a:r>
+              <a:rPr kumimoji="0" lang="en-US" altLang="en-US" sz="800" u="none" strike="noStrike" cap="none" normalizeH="0" baseline="0" dirty="0">
+                <a:ln>
+                  <a:noFill/>
+                </a:ln>
+                <a:solidFill>
+                  <a:schemeClr val="tx1"/>
+                </a:solidFill>
+                <a:effectLst/>
+                <a:latin typeface="Courier" pitchFamily="2" charset="0"/>
+                <a:ea typeface="Times New Roman" panose="02020603050405020304" pitchFamily="18" charset="0"/>
+                <a:cs typeface="Times New Roman" panose="02020603050405020304" pitchFamily="18" charset="0"/>
+              </a:rPr>
+              <a:t>    | IP Header                                                     |</a:t>
+            </a:r>
+            <a:endParaRPr kumimoji="0" lang="en-US" altLang="en-US" sz="800" u="none" strike="noStrike" cap="none" normalizeH="0" baseline="0" dirty="0">
+              <a:ln>
+                <a:noFill/>
+              </a:ln>
+              <a:solidFill>
+                <a:schemeClr val="tx1"/>
+              </a:solidFill>
+              <a:effectLst/>
+              <a:latin typeface="Courier" pitchFamily="2" charset="0"/>
+            </a:endParaRPr>
+          </a:p>
+          <a:p>
+            <a:pPr marR="0" lvl="0" algn="l" defTabSz="914400" rtl="0" eaLnBrk="0" fontAlgn="base" latinLnBrk="0" hangingPunct="0">
+              <a:lnSpc>
+                <a:spcPct val="100000"/>
+              </a:lnSpc>
+              <a:spcBef>
+                <a:spcPct val="0"/>
+              </a:spcBef>
+              <a:spcAft>
+                <a:spcPct val="0"/>
+              </a:spcAft>
+              <a:buClrTx/>
+              <a:buSzTx/>
+              <a:tabLst>
+                <a:tab pos="581025" algn="l"/>
+                <a:tab pos="1163638" algn="l"/>
+                <a:tab pos="1744663" algn="l"/>
+                <a:tab pos="2327275" algn="l"/>
+                <a:tab pos="2908300" algn="l"/>
+                <a:tab pos="3489325" algn="l"/>
+                <a:tab pos="4071938" algn="l"/>
+                <a:tab pos="4652963" algn="l"/>
+                <a:tab pos="5235575" algn="l"/>
+                <a:tab pos="5816600" algn="l"/>
+                <a:tab pos="6397625" algn="l"/>
+                <a:tab pos="6980238" algn="l"/>
+                <a:tab pos="7561263" algn="l"/>
+                <a:tab pos="8143875" algn="l"/>
+                <a:tab pos="8724900" algn="l"/>
+                <a:tab pos="9305925" algn="l"/>
+              </a:tabLst>
+            </a:pPr>
+            <a:r>
+              <a:rPr kumimoji="0" lang="en-US" altLang="en-US" sz="800" u="none" strike="noStrike" cap="none" normalizeH="0" baseline="0" dirty="0">
+                <a:ln>
+                  <a:noFill/>
+                </a:ln>
+                <a:solidFill>
+                  <a:schemeClr val="tx1"/>
+                </a:solidFill>
+                <a:effectLst/>
+                <a:latin typeface="Courier" pitchFamily="2" charset="0"/>
+                <a:ea typeface="Times New Roman" panose="02020603050405020304" pitchFamily="18" charset="0"/>
+                <a:cs typeface="Times New Roman" panose="02020603050405020304" pitchFamily="18" charset="0"/>
+              </a:rPr>
+              <a:t>    .  Source IP Address = Responder IPv4 or IPv6 Address           .</a:t>
+            </a:r>
+            <a:endParaRPr kumimoji="0" lang="en-US" altLang="en-US" sz="800" u="none" strike="noStrike" cap="none" normalizeH="0" baseline="0" dirty="0">
+              <a:ln>
+                <a:noFill/>
+              </a:ln>
+              <a:solidFill>
+                <a:schemeClr val="tx1"/>
+              </a:solidFill>
+              <a:effectLst/>
+              <a:latin typeface="Courier" pitchFamily="2" charset="0"/>
+            </a:endParaRPr>
+          </a:p>
+          <a:p>
+            <a:pPr marR="0" lvl="0" algn="l" defTabSz="914400" rtl="0" eaLnBrk="0" fontAlgn="base" latinLnBrk="0" hangingPunct="0">
+              <a:lnSpc>
+                <a:spcPct val="100000"/>
+              </a:lnSpc>
+              <a:spcBef>
+                <a:spcPct val="0"/>
+              </a:spcBef>
+              <a:spcAft>
+                <a:spcPct val="0"/>
+              </a:spcAft>
+              <a:buClrTx/>
+              <a:buSzTx/>
+              <a:tabLst>
+                <a:tab pos="581025" algn="l"/>
+                <a:tab pos="1163638" algn="l"/>
+                <a:tab pos="1744663" algn="l"/>
+                <a:tab pos="2327275" algn="l"/>
+                <a:tab pos="2908300" algn="l"/>
+                <a:tab pos="3489325" algn="l"/>
+                <a:tab pos="4071938" algn="l"/>
+                <a:tab pos="4652963" algn="l"/>
+                <a:tab pos="5235575" algn="l"/>
+                <a:tab pos="5816600" algn="l"/>
+                <a:tab pos="6397625" algn="l"/>
+                <a:tab pos="6980238" algn="l"/>
+                <a:tab pos="7561263" algn="l"/>
+                <a:tab pos="8143875" algn="l"/>
+                <a:tab pos="8724900" algn="l"/>
+                <a:tab pos="9305925" algn="l"/>
+              </a:tabLst>
+            </a:pPr>
+            <a:r>
+              <a:rPr kumimoji="0" lang="en-US" altLang="en-US" sz="800" u="none" strike="noStrike" cap="none" normalizeH="0" baseline="0" dirty="0">
+                <a:ln>
+                  <a:noFill/>
+                </a:ln>
+                <a:solidFill>
+                  <a:schemeClr val="tx1"/>
+                </a:solidFill>
+                <a:effectLst/>
+                <a:latin typeface="Courier" pitchFamily="2" charset="0"/>
+                <a:ea typeface="Times New Roman" panose="02020603050405020304" pitchFamily="18" charset="0"/>
+                <a:cs typeface="Times New Roman" panose="02020603050405020304" pitchFamily="18" charset="0"/>
+              </a:rPr>
+              <a:t>    .  Destination IP Address = Source IP Address from Query        .</a:t>
+            </a:r>
+            <a:endParaRPr kumimoji="0" lang="en-US" altLang="en-US" sz="800" u="none" strike="noStrike" cap="none" normalizeH="0" baseline="0" dirty="0">
+              <a:ln>
+                <a:noFill/>
+              </a:ln>
+              <a:solidFill>
+                <a:schemeClr val="tx1"/>
+              </a:solidFill>
+              <a:effectLst/>
+              <a:latin typeface="Courier" pitchFamily="2" charset="0"/>
+            </a:endParaRPr>
+          </a:p>
+          <a:p>
+            <a:pPr marR="0" lvl="0" algn="l" defTabSz="914400" rtl="0" eaLnBrk="0" fontAlgn="base" latinLnBrk="0" hangingPunct="0">
+              <a:lnSpc>
+                <a:spcPct val="100000"/>
+              </a:lnSpc>
+              <a:spcBef>
+                <a:spcPct val="0"/>
+              </a:spcBef>
+              <a:spcAft>
+                <a:spcPct val="0"/>
+              </a:spcAft>
+              <a:buClrTx/>
+              <a:buSzTx/>
+              <a:tabLst>
+                <a:tab pos="581025" algn="l"/>
+                <a:tab pos="1163638" algn="l"/>
+                <a:tab pos="1744663" algn="l"/>
+                <a:tab pos="2327275" algn="l"/>
+                <a:tab pos="2908300" algn="l"/>
+                <a:tab pos="3489325" algn="l"/>
+                <a:tab pos="4071938" algn="l"/>
+                <a:tab pos="4652963" algn="l"/>
+                <a:tab pos="5235575" algn="l"/>
+                <a:tab pos="5816600" algn="l"/>
+                <a:tab pos="6397625" algn="l"/>
+                <a:tab pos="6980238" algn="l"/>
+                <a:tab pos="7561263" algn="l"/>
+                <a:tab pos="8143875" algn="l"/>
+                <a:tab pos="8724900" algn="l"/>
+                <a:tab pos="9305925" algn="l"/>
+              </a:tabLst>
+            </a:pPr>
+            <a:r>
+              <a:rPr kumimoji="0" lang="en-US" altLang="en-US" sz="800" u="none" strike="noStrike" cap="none" normalizeH="0" baseline="0" dirty="0">
+                <a:ln>
+                  <a:noFill/>
+                </a:ln>
+                <a:solidFill>
+                  <a:schemeClr val="tx1"/>
+                </a:solidFill>
+                <a:effectLst/>
+                <a:latin typeface="Courier" pitchFamily="2" charset="0"/>
+                <a:ea typeface="Times New Roman" panose="02020603050405020304" pitchFamily="18" charset="0"/>
+                <a:cs typeface="Times New Roman" panose="02020603050405020304" pitchFamily="18" charset="0"/>
+              </a:rPr>
+              <a:t>    .  Protocol = UDP                                               .</a:t>
+            </a:r>
+            <a:endParaRPr kumimoji="0" lang="en-US" altLang="en-US" sz="800" u="none" strike="noStrike" cap="none" normalizeH="0" baseline="0" dirty="0">
+              <a:ln>
+                <a:noFill/>
+              </a:ln>
+              <a:solidFill>
+                <a:schemeClr val="tx1"/>
+              </a:solidFill>
+              <a:effectLst/>
+              <a:latin typeface="Courier" pitchFamily="2" charset="0"/>
+            </a:endParaRPr>
+          </a:p>
+          <a:p>
+            <a:pPr marR="0" lvl="0" algn="l" defTabSz="914400" rtl="0" eaLnBrk="0" fontAlgn="base" latinLnBrk="0" hangingPunct="0">
+              <a:lnSpc>
+                <a:spcPct val="100000"/>
+              </a:lnSpc>
+              <a:spcBef>
+                <a:spcPct val="0"/>
+              </a:spcBef>
+              <a:spcAft>
+                <a:spcPct val="0"/>
+              </a:spcAft>
+              <a:buClrTx/>
+              <a:buSzTx/>
+              <a:tabLst>
+                <a:tab pos="581025" algn="l"/>
+                <a:tab pos="1163638" algn="l"/>
+                <a:tab pos="1744663" algn="l"/>
+                <a:tab pos="2327275" algn="l"/>
+                <a:tab pos="2908300" algn="l"/>
+                <a:tab pos="3489325" algn="l"/>
+                <a:tab pos="4071938" algn="l"/>
+                <a:tab pos="4652963" algn="l"/>
+                <a:tab pos="5235575" algn="l"/>
+                <a:tab pos="5816600" algn="l"/>
+                <a:tab pos="6397625" algn="l"/>
+                <a:tab pos="6980238" algn="l"/>
+                <a:tab pos="7561263" algn="l"/>
+                <a:tab pos="8143875" algn="l"/>
+                <a:tab pos="8724900" algn="l"/>
+                <a:tab pos="9305925" algn="l"/>
+              </a:tabLst>
+            </a:pPr>
+            <a:r>
+              <a:rPr kumimoji="0" lang="en-US" altLang="en-US" sz="800" u="none" strike="noStrike" cap="none" normalizeH="0" baseline="0" dirty="0">
+                <a:ln>
+                  <a:noFill/>
+                </a:ln>
+                <a:solidFill>
+                  <a:schemeClr val="tx1"/>
+                </a:solidFill>
+                <a:effectLst/>
+                <a:latin typeface="Courier" pitchFamily="2" charset="0"/>
+                <a:ea typeface="Times New Roman" panose="02020603050405020304" pitchFamily="18" charset="0"/>
+                <a:cs typeface="Times New Roman" panose="02020603050405020304" pitchFamily="18" charset="0"/>
+              </a:rPr>
+              <a:t>.                                                               .</a:t>
+            </a:r>
+            <a:endParaRPr kumimoji="0" lang="en-US" altLang="en-US" sz="800" u="none" strike="noStrike" cap="none" normalizeH="0" baseline="0" dirty="0">
+              <a:ln>
+                <a:noFill/>
+              </a:ln>
+              <a:solidFill>
+                <a:schemeClr val="tx1"/>
+              </a:solidFill>
+              <a:effectLst/>
+              <a:latin typeface="Courier" pitchFamily="2" charset="0"/>
+            </a:endParaRPr>
+          </a:p>
+          <a:p>
+            <a:pPr marR="0" lvl="0" algn="l" defTabSz="914400" rtl="0" eaLnBrk="0" fontAlgn="base" latinLnBrk="0" hangingPunct="0">
+              <a:lnSpc>
+                <a:spcPct val="100000"/>
+              </a:lnSpc>
+              <a:spcBef>
+                <a:spcPct val="0"/>
+              </a:spcBef>
+              <a:spcAft>
+                <a:spcPct val="0"/>
+              </a:spcAft>
+              <a:buClrTx/>
+              <a:buSzTx/>
+              <a:tabLst>
+                <a:tab pos="581025" algn="l"/>
+                <a:tab pos="1163638" algn="l"/>
+                <a:tab pos="1744663" algn="l"/>
+                <a:tab pos="2327275" algn="l"/>
+                <a:tab pos="2908300" algn="l"/>
+                <a:tab pos="3489325" algn="l"/>
+                <a:tab pos="4071938" algn="l"/>
+                <a:tab pos="4652963" algn="l"/>
+                <a:tab pos="5235575" algn="l"/>
+                <a:tab pos="5816600" algn="l"/>
+                <a:tab pos="6397625" algn="l"/>
+                <a:tab pos="6980238" algn="l"/>
+                <a:tab pos="7561263" algn="l"/>
+                <a:tab pos="8143875" algn="l"/>
+                <a:tab pos="8724900" algn="l"/>
+                <a:tab pos="9305925" algn="l"/>
+              </a:tabLst>
+            </a:pPr>
+            <a:r>
+              <a:rPr kumimoji="0" lang="en-US" altLang="en-US" sz="800" u="none" strike="noStrike" cap="none" normalizeH="0" baseline="0" dirty="0">
+                <a:ln>
+                  <a:noFill/>
+                </a:ln>
+                <a:solidFill>
+                  <a:schemeClr val="tx1"/>
+                </a:solidFill>
+                <a:effectLst/>
+                <a:latin typeface="Courier" pitchFamily="2" charset="0"/>
+                <a:ea typeface="Times New Roman" panose="02020603050405020304" pitchFamily="18" charset="0"/>
+                <a:cs typeface="Times New Roman" panose="02020603050405020304" pitchFamily="18" charset="0"/>
+              </a:rPr>
+              <a:t>    +---------------------------------------------------------------+</a:t>
+            </a:r>
+            <a:endParaRPr kumimoji="0" lang="en-US" altLang="en-US" sz="800" u="none" strike="noStrike" cap="none" normalizeH="0" baseline="0" dirty="0">
+              <a:ln>
+                <a:noFill/>
+              </a:ln>
+              <a:solidFill>
+                <a:schemeClr val="tx1"/>
+              </a:solidFill>
+              <a:effectLst/>
+              <a:latin typeface="Courier" pitchFamily="2" charset="0"/>
+            </a:endParaRPr>
+          </a:p>
+          <a:p>
+            <a:pPr marR="0" lvl="0" algn="l" defTabSz="914400" rtl="0" eaLnBrk="0" fontAlgn="base" latinLnBrk="0" hangingPunct="0">
+              <a:lnSpc>
+                <a:spcPct val="100000"/>
+              </a:lnSpc>
+              <a:spcBef>
+                <a:spcPct val="0"/>
+              </a:spcBef>
+              <a:spcAft>
+                <a:spcPct val="0"/>
+              </a:spcAft>
+              <a:buClrTx/>
+              <a:buSzTx/>
+              <a:tabLst>
+                <a:tab pos="581025" algn="l"/>
+                <a:tab pos="1163638" algn="l"/>
+                <a:tab pos="1744663" algn="l"/>
+                <a:tab pos="2327275" algn="l"/>
+                <a:tab pos="2908300" algn="l"/>
+                <a:tab pos="3489325" algn="l"/>
+                <a:tab pos="4071938" algn="l"/>
+                <a:tab pos="4652963" algn="l"/>
+                <a:tab pos="5235575" algn="l"/>
+                <a:tab pos="5816600" algn="l"/>
+                <a:tab pos="6397625" algn="l"/>
+                <a:tab pos="6980238" algn="l"/>
+                <a:tab pos="7561263" algn="l"/>
+                <a:tab pos="8143875" algn="l"/>
+                <a:tab pos="8724900" algn="l"/>
+                <a:tab pos="9305925" algn="l"/>
+              </a:tabLst>
+            </a:pPr>
+            <a:r>
+              <a:rPr kumimoji="0" lang="en-US" altLang="en-US" sz="800" u="none" strike="noStrike" cap="none" normalizeH="0" baseline="0" dirty="0">
+                <a:ln>
+                  <a:noFill/>
+                </a:ln>
+                <a:solidFill>
+                  <a:schemeClr val="tx1"/>
+                </a:solidFill>
+                <a:effectLst/>
+                <a:latin typeface="Courier" pitchFamily="2" charset="0"/>
+                <a:ea typeface="Times New Roman" panose="02020603050405020304" pitchFamily="18" charset="0"/>
+                <a:cs typeface="Times New Roman" panose="02020603050405020304" pitchFamily="18" charset="0"/>
+              </a:rPr>
+              <a:t>    | UDP Header                                                    |</a:t>
+            </a:r>
+            <a:endParaRPr kumimoji="0" lang="en-US" altLang="en-US" sz="800" u="none" strike="noStrike" cap="none" normalizeH="0" baseline="0" dirty="0">
+              <a:ln>
+                <a:noFill/>
+              </a:ln>
+              <a:solidFill>
+                <a:schemeClr val="tx1"/>
+              </a:solidFill>
+              <a:effectLst/>
+              <a:latin typeface="Courier" pitchFamily="2" charset="0"/>
+            </a:endParaRPr>
+          </a:p>
+          <a:p>
+            <a:pPr marR="0" lvl="0" algn="l" defTabSz="914400" rtl="0" eaLnBrk="0" fontAlgn="base" latinLnBrk="0" hangingPunct="0">
+              <a:lnSpc>
+                <a:spcPct val="100000"/>
+              </a:lnSpc>
+              <a:spcBef>
+                <a:spcPct val="0"/>
+              </a:spcBef>
+              <a:spcAft>
+                <a:spcPct val="0"/>
+              </a:spcAft>
+              <a:buClrTx/>
+              <a:buSzTx/>
+              <a:tabLst>
+                <a:tab pos="581025" algn="l"/>
+                <a:tab pos="1163638" algn="l"/>
+                <a:tab pos="1744663" algn="l"/>
+                <a:tab pos="2327275" algn="l"/>
+                <a:tab pos="2908300" algn="l"/>
+                <a:tab pos="3489325" algn="l"/>
+                <a:tab pos="4071938" algn="l"/>
+                <a:tab pos="4652963" algn="l"/>
+                <a:tab pos="5235575" algn="l"/>
+                <a:tab pos="5816600" algn="l"/>
+                <a:tab pos="6397625" algn="l"/>
+                <a:tab pos="6980238" algn="l"/>
+                <a:tab pos="7561263" algn="l"/>
+                <a:tab pos="8143875" algn="l"/>
+                <a:tab pos="8724900" algn="l"/>
+                <a:tab pos="9305925" algn="l"/>
+              </a:tabLst>
+            </a:pPr>
+            <a:r>
+              <a:rPr kumimoji="0" lang="en-US" altLang="en-US" sz="800" u="none" strike="noStrike" cap="none" normalizeH="0" baseline="0" dirty="0">
+                <a:ln>
+                  <a:noFill/>
+                </a:ln>
+                <a:solidFill>
+                  <a:schemeClr val="tx1"/>
+                </a:solidFill>
+                <a:effectLst/>
+                <a:latin typeface="Courier" pitchFamily="2" charset="0"/>
+                <a:ea typeface="Times New Roman" panose="02020603050405020304" pitchFamily="18" charset="0"/>
+                <a:cs typeface="Times New Roman" panose="02020603050405020304" pitchFamily="18" charset="0"/>
+              </a:rPr>
+              <a:t>    .  Source Port = As chosen by Responder                         .</a:t>
+            </a:r>
+            <a:endParaRPr kumimoji="0" lang="en-US" altLang="en-US" sz="800" u="none" strike="noStrike" cap="none" normalizeH="0" baseline="0" dirty="0">
+              <a:ln>
+                <a:noFill/>
+              </a:ln>
+              <a:solidFill>
+                <a:schemeClr val="tx1"/>
+              </a:solidFill>
+              <a:effectLst/>
+              <a:latin typeface="Courier" pitchFamily="2" charset="0"/>
+            </a:endParaRPr>
+          </a:p>
+          <a:p>
+            <a:pPr marR="0" lvl="0" algn="l" defTabSz="914400" rtl="0" eaLnBrk="0" fontAlgn="base" latinLnBrk="0" hangingPunct="0">
+              <a:lnSpc>
+                <a:spcPct val="100000"/>
+              </a:lnSpc>
+              <a:spcBef>
+                <a:spcPct val="0"/>
+              </a:spcBef>
+              <a:spcAft>
+                <a:spcPct val="0"/>
+              </a:spcAft>
+              <a:buClrTx/>
+              <a:buSzTx/>
+              <a:tabLst>
+                <a:tab pos="581025" algn="l"/>
+                <a:tab pos="1163638" algn="l"/>
+                <a:tab pos="1744663" algn="l"/>
+                <a:tab pos="2327275" algn="l"/>
+                <a:tab pos="2908300" algn="l"/>
+                <a:tab pos="3489325" algn="l"/>
+                <a:tab pos="4071938" algn="l"/>
+                <a:tab pos="4652963" algn="l"/>
+                <a:tab pos="5235575" algn="l"/>
+                <a:tab pos="5816600" algn="l"/>
+                <a:tab pos="6397625" algn="l"/>
+                <a:tab pos="6980238" algn="l"/>
+                <a:tab pos="7561263" algn="l"/>
+                <a:tab pos="8143875" algn="l"/>
+                <a:tab pos="8724900" algn="l"/>
+                <a:tab pos="9305925" algn="l"/>
+              </a:tabLst>
+            </a:pPr>
+            <a:r>
+              <a:rPr kumimoji="0" lang="en-US" altLang="en-US" sz="800" u="none" strike="noStrike" cap="none" normalizeH="0" baseline="0" dirty="0">
+                <a:ln>
+                  <a:noFill/>
+                </a:ln>
+                <a:solidFill>
+                  <a:schemeClr val="tx1"/>
+                </a:solidFill>
+                <a:effectLst/>
+                <a:latin typeface="Courier" pitchFamily="2" charset="0"/>
+                <a:ea typeface="Times New Roman" panose="02020603050405020304" pitchFamily="18" charset="0"/>
+                <a:cs typeface="Times New Roman" panose="02020603050405020304" pitchFamily="18" charset="0"/>
+              </a:rPr>
+              <a:t>    .  Destination Port = Source Port from Query                    .</a:t>
+            </a:r>
+            <a:endParaRPr kumimoji="0" lang="en-US" altLang="en-US" sz="800" u="none" strike="noStrike" cap="none" normalizeH="0" baseline="0" dirty="0">
+              <a:ln>
+                <a:noFill/>
+              </a:ln>
+              <a:solidFill>
+                <a:schemeClr val="tx1"/>
+              </a:solidFill>
+              <a:effectLst/>
+              <a:latin typeface="Courier" pitchFamily="2" charset="0"/>
+            </a:endParaRPr>
+          </a:p>
+          <a:p>
+            <a:pPr marR="0" lvl="0" algn="l" defTabSz="914400" rtl="0" eaLnBrk="0" fontAlgn="base" latinLnBrk="0" hangingPunct="0">
+              <a:lnSpc>
+                <a:spcPct val="100000"/>
+              </a:lnSpc>
+              <a:spcBef>
+                <a:spcPct val="0"/>
+              </a:spcBef>
+              <a:spcAft>
+                <a:spcPct val="0"/>
+              </a:spcAft>
+              <a:buClrTx/>
+              <a:buSzTx/>
+              <a:tabLst>
+                <a:tab pos="581025" algn="l"/>
+                <a:tab pos="1163638" algn="l"/>
+                <a:tab pos="1744663" algn="l"/>
+                <a:tab pos="2327275" algn="l"/>
+                <a:tab pos="2908300" algn="l"/>
+                <a:tab pos="3489325" algn="l"/>
+                <a:tab pos="4071938" algn="l"/>
+                <a:tab pos="4652963" algn="l"/>
+                <a:tab pos="5235575" algn="l"/>
+                <a:tab pos="5816600" algn="l"/>
+                <a:tab pos="6397625" algn="l"/>
+                <a:tab pos="6980238" algn="l"/>
+                <a:tab pos="7561263" algn="l"/>
+                <a:tab pos="8143875" algn="l"/>
+                <a:tab pos="8724900" algn="l"/>
+                <a:tab pos="9305925" algn="l"/>
+              </a:tabLst>
+            </a:pPr>
+            <a:r>
+              <a:rPr kumimoji="0" lang="en-US" altLang="en-US" sz="800" u="none" strike="noStrike" cap="none" normalizeH="0" baseline="0" dirty="0">
+                <a:ln>
+                  <a:noFill/>
+                </a:ln>
+                <a:solidFill>
+                  <a:schemeClr val="tx1"/>
+                </a:solidFill>
+                <a:effectLst/>
+                <a:latin typeface="Courier" pitchFamily="2" charset="0"/>
+                <a:ea typeface="Times New Roman" panose="02020603050405020304" pitchFamily="18" charset="0"/>
+                <a:cs typeface="Times New Roman" panose="02020603050405020304" pitchFamily="18" charset="0"/>
+              </a:rPr>
+              <a:t>    .                                                               .</a:t>
+            </a:r>
+            <a:endParaRPr kumimoji="0" lang="en-US" altLang="en-US" sz="800" u="none" strike="noStrike" cap="none" normalizeH="0" baseline="0" dirty="0">
+              <a:ln>
+                <a:noFill/>
+              </a:ln>
+              <a:solidFill>
+                <a:schemeClr val="tx1"/>
+              </a:solidFill>
+              <a:effectLst/>
+              <a:latin typeface="Courier" pitchFamily="2" charset="0"/>
+            </a:endParaRPr>
+          </a:p>
+          <a:p>
+            <a:pPr marR="0" lvl="0" algn="l" defTabSz="914400" rtl="0" eaLnBrk="0" fontAlgn="base" latinLnBrk="0" hangingPunct="0">
+              <a:lnSpc>
+                <a:spcPct val="100000"/>
+              </a:lnSpc>
+              <a:spcBef>
+                <a:spcPct val="0"/>
+              </a:spcBef>
+              <a:spcAft>
+                <a:spcPct val="0"/>
+              </a:spcAft>
+              <a:buClrTx/>
+              <a:buSzTx/>
+              <a:tabLst>
+                <a:tab pos="581025" algn="l"/>
+                <a:tab pos="1163638" algn="l"/>
+                <a:tab pos="1744663" algn="l"/>
+                <a:tab pos="2327275" algn="l"/>
+                <a:tab pos="2908300" algn="l"/>
+                <a:tab pos="3489325" algn="l"/>
+                <a:tab pos="4071938" algn="l"/>
+                <a:tab pos="4652963" algn="l"/>
+                <a:tab pos="5235575" algn="l"/>
+                <a:tab pos="5816600" algn="l"/>
+                <a:tab pos="6397625" algn="l"/>
+                <a:tab pos="6980238" algn="l"/>
+                <a:tab pos="7561263" algn="l"/>
+                <a:tab pos="8143875" algn="l"/>
+                <a:tab pos="8724900" algn="l"/>
+                <a:tab pos="9305925" algn="l"/>
+              </a:tabLst>
+            </a:pPr>
+            <a:r>
+              <a:rPr kumimoji="0" lang="en-US" altLang="en-US" sz="800" u="none" strike="noStrike" cap="none" normalizeH="0" baseline="0" dirty="0">
+                <a:ln>
+                  <a:noFill/>
+                </a:ln>
+                <a:solidFill>
+                  <a:schemeClr val="tx1"/>
+                </a:solidFill>
+                <a:effectLst/>
+                <a:latin typeface="Courier" pitchFamily="2" charset="0"/>
+                <a:ea typeface="Times New Roman" panose="02020603050405020304" pitchFamily="18" charset="0"/>
+                <a:cs typeface="Times New Roman" panose="02020603050405020304" pitchFamily="18" charset="0"/>
+              </a:rPr>
+              <a:t>    +---------------------------------------------------------------+</a:t>
+            </a:r>
+            <a:endParaRPr kumimoji="0" lang="en-US" altLang="en-US" sz="800" u="none" strike="noStrike" cap="none" normalizeH="0" baseline="0" dirty="0">
+              <a:ln>
+                <a:noFill/>
+              </a:ln>
+              <a:solidFill>
+                <a:schemeClr val="tx1"/>
+              </a:solidFill>
+              <a:effectLst/>
+              <a:latin typeface="Courier" pitchFamily="2" charset="0"/>
+            </a:endParaRPr>
+          </a:p>
+          <a:p>
+            <a:pPr marR="0" lvl="0" algn="l" defTabSz="914400" rtl="0" eaLnBrk="0" fontAlgn="base" latinLnBrk="0" hangingPunct="0">
+              <a:lnSpc>
+                <a:spcPct val="100000"/>
+              </a:lnSpc>
+              <a:spcBef>
+                <a:spcPct val="0"/>
+              </a:spcBef>
+              <a:spcAft>
+                <a:spcPct val="0"/>
+              </a:spcAft>
+              <a:buClrTx/>
+              <a:buSzTx/>
+              <a:tabLst>
+                <a:tab pos="581025" algn="l"/>
+                <a:tab pos="1163638" algn="l"/>
+                <a:tab pos="1744663" algn="l"/>
+                <a:tab pos="2327275" algn="l"/>
+                <a:tab pos="2908300" algn="l"/>
+                <a:tab pos="3489325" algn="l"/>
+                <a:tab pos="4071938" algn="l"/>
+                <a:tab pos="4652963" algn="l"/>
+                <a:tab pos="5235575" algn="l"/>
+                <a:tab pos="5816600" algn="l"/>
+                <a:tab pos="6397625" algn="l"/>
+                <a:tab pos="6980238" algn="l"/>
+                <a:tab pos="7561263" algn="l"/>
+                <a:tab pos="8143875" algn="l"/>
+                <a:tab pos="8724900" algn="l"/>
+                <a:tab pos="9305925" algn="l"/>
+              </a:tabLst>
+            </a:pPr>
+            <a:r>
+              <a:rPr kumimoji="0" lang="en-US" altLang="en-US" sz="800" u="none" strike="noStrike" cap="none" normalizeH="0" baseline="0" dirty="0">
+                <a:ln>
+                  <a:noFill/>
+                </a:ln>
+                <a:solidFill>
+                  <a:schemeClr val="tx1"/>
+                </a:solidFill>
+                <a:effectLst/>
+                <a:latin typeface="Courier" pitchFamily="2" charset="0"/>
+                <a:ea typeface="Times New Roman" panose="02020603050405020304" pitchFamily="18" charset="0"/>
+                <a:cs typeface="Times New Roman" panose="02020603050405020304" pitchFamily="18" charset="0"/>
+              </a:rPr>
+              <a:t>    | Message as specified in Section 3.2 of RFC 6374 for DM, or    |</a:t>
+            </a:r>
+            <a:endParaRPr kumimoji="0" lang="en-US" altLang="en-US" sz="800" u="none" strike="noStrike" cap="none" normalizeH="0" baseline="0" dirty="0">
+              <a:ln>
+                <a:noFill/>
+              </a:ln>
+              <a:solidFill>
+                <a:schemeClr val="tx1"/>
+              </a:solidFill>
+              <a:effectLst/>
+              <a:latin typeface="Courier" pitchFamily="2" charset="0"/>
+            </a:endParaRPr>
+          </a:p>
+          <a:p>
+            <a:pPr marR="0" lvl="0" algn="l" defTabSz="914400" rtl="0" eaLnBrk="0" fontAlgn="base" latinLnBrk="0" hangingPunct="0">
+              <a:lnSpc>
+                <a:spcPct val="100000"/>
+              </a:lnSpc>
+              <a:spcBef>
+                <a:spcPct val="0"/>
+              </a:spcBef>
+              <a:spcAft>
+                <a:spcPct val="0"/>
+              </a:spcAft>
+              <a:buClrTx/>
+              <a:buSzTx/>
+              <a:tabLst>
+                <a:tab pos="581025" algn="l"/>
+                <a:tab pos="1163638" algn="l"/>
+                <a:tab pos="1744663" algn="l"/>
+                <a:tab pos="2327275" algn="l"/>
+                <a:tab pos="2908300" algn="l"/>
+                <a:tab pos="3489325" algn="l"/>
+                <a:tab pos="4071938" algn="l"/>
+                <a:tab pos="4652963" algn="l"/>
+                <a:tab pos="5235575" algn="l"/>
+                <a:tab pos="5816600" algn="l"/>
+                <a:tab pos="6397625" algn="l"/>
+                <a:tab pos="6980238" algn="l"/>
+                <a:tab pos="7561263" algn="l"/>
+                <a:tab pos="8143875" algn="l"/>
+                <a:tab pos="8724900" algn="l"/>
+                <a:tab pos="9305925" algn="l"/>
+              </a:tabLst>
+            </a:pPr>
+            <a:r>
+              <a:rPr kumimoji="0" lang="en-US" altLang="en-US" sz="800" u="none" strike="noStrike" cap="none" normalizeH="0" baseline="0" dirty="0">
+                <a:ln>
+                  <a:noFill/>
+                </a:ln>
+                <a:solidFill>
+                  <a:schemeClr val="tx1"/>
+                </a:solidFill>
+                <a:effectLst/>
+                <a:latin typeface="Courier" pitchFamily="2" charset="0"/>
+                <a:ea typeface="Times New Roman" panose="02020603050405020304" pitchFamily="18" charset="0"/>
+                <a:cs typeface="Times New Roman" panose="02020603050405020304" pitchFamily="18" charset="0"/>
+              </a:rPr>
+              <a:t>    . Message as specified in Section 3.1 of RFC 6374 for LM        .</a:t>
+            </a:r>
+            <a:endParaRPr kumimoji="0" lang="en-US" altLang="en-US" sz="800" u="none" strike="noStrike" cap="none" normalizeH="0" baseline="0" dirty="0">
+              <a:ln>
+                <a:noFill/>
+              </a:ln>
+              <a:solidFill>
+                <a:schemeClr val="tx1"/>
+              </a:solidFill>
+              <a:effectLst/>
+              <a:latin typeface="Courier" pitchFamily="2" charset="0"/>
+            </a:endParaRPr>
+          </a:p>
+          <a:p>
+            <a:pPr marR="0" lvl="0" algn="l" defTabSz="914400" rtl="0" eaLnBrk="0" fontAlgn="base" latinLnBrk="0" hangingPunct="0">
+              <a:lnSpc>
+                <a:spcPct val="100000"/>
+              </a:lnSpc>
+              <a:spcBef>
+                <a:spcPct val="0"/>
+              </a:spcBef>
+              <a:spcAft>
+                <a:spcPct val="0"/>
+              </a:spcAft>
+              <a:buClrTx/>
+              <a:buSzTx/>
+              <a:tabLst>
+                <a:tab pos="581025" algn="l"/>
+                <a:tab pos="1163638" algn="l"/>
+                <a:tab pos="1744663" algn="l"/>
+                <a:tab pos="2327275" algn="l"/>
+                <a:tab pos="2908300" algn="l"/>
+                <a:tab pos="3489325" algn="l"/>
+                <a:tab pos="4071938" algn="l"/>
+                <a:tab pos="4652963" algn="l"/>
+                <a:tab pos="5235575" algn="l"/>
+                <a:tab pos="5816600" algn="l"/>
+                <a:tab pos="6397625" algn="l"/>
+                <a:tab pos="6980238" algn="l"/>
+                <a:tab pos="7561263" algn="l"/>
+                <a:tab pos="8143875" algn="l"/>
+                <a:tab pos="8724900" algn="l"/>
+                <a:tab pos="9305925" algn="l"/>
+              </a:tabLst>
+            </a:pPr>
+            <a:r>
+              <a:rPr kumimoji="0" lang="en-US" altLang="en-US" sz="800" u="none" strike="noStrike" cap="none" normalizeH="0" baseline="0" dirty="0">
+                <a:ln>
+                  <a:noFill/>
+                </a:ln>
+                <a:solidFill>
+                  <a:schemeClr val="tx1"/>
+                </a:solidFill>
+                <a:effectLst/>
+                <a:latin typeface="Courier" pitchFamily="2" charset="0"/>
+                <a:ea typeface="Times New Roman" panose="02020603050405020304" pitchFamily="18" charset="0"/>
+                <a:cs typeface="Times New Roman" panose="02020603050405020304" pitchFamily="18" charset="0"/>
+              </a:rPr>
+              <a:t>    .                                                               .</a:t>
+            </a:r>
+            <a:endParaRPr kumimoji="0" lang="en-US" altLang="en-US" sz="800" u="none" strike="noStrike" cap="none" normalizeH="0" baseline="0" dirty="0">
+              <a:ln>
+                <a:noFill/>
+              </a:ln>
+              <a:solidFill>
+                <a:schemeClr val="tx1"/>
+              </a:solidFill>
+              <a:effectLst/>
+              <a:latin typeface="Courier" pitchFamily="2" charset="0"/>
+            </a:endParaRPr>
+          </a:p>
+          <a:p>
+            <a:pPr marR="0" lvl="0" algn="l" defTabSz="914400" rtl="0" eaLnBrk="0" fontAlgn="base" latinLnBrk="0" hangingPunct="0">
+              <a:lnSpc>
+                <a:spcPct val="100000"/>
+              </a:lnSpc>
+              <a:spcBef>
+                <a:spcPct val="0"/>
+              </a:spcBef>
+              <a:spcAft>
+                <a:spcPct val="0"/>
+              </a:spcAft>
+              <a:buClrTx/>
+              <a:buSzTx/>
+              <a:tabLst>
+                <a:tab pos="581025" algn="l"/>
+                <a:tab pos="1163638" algn="l"/>
+                <a:tab pos="1744663" algn="l"/>
+                <a:tab pos="2327275" algn="l"/>
+                <a:tab pos="2908300" algn="l"/>
+                <a:tab pos="3489325" algn="l"/>
+                <a:tab pos="4071938" algn="l"/>
+                <a:tab pos="4652963" algn="l"/>
+                <a:tab pos="5235575" algn="l"/>
+                <a:tab pos="5816600" algn="l"/>
+                <a:tab pos="6397625" algn="l"/>
+                <a:tab pos="6980238" algn="l"/>
+                <a:tab pos="7561263" algn="l"/>
+                <a:tab pos="8143875" algn="l"/>
+                <a:tab pos="8724900" algn="l"/>
+                <a:tab pos="9305925" algn="l"/>
+              </a:tabLst>
+            </a:pPr>
+            <a:r>
+              <a:rPr kumimoji="0" lang="en-US" altLang="en-US" sz="800" u="none" strike="noStrike" cap="none" normalizeH="0" baseline="0" dirty="0">
+                <a:ln>
+                  <a:noFill/>
+                </a:ln>
+                <a:solidFill>
+                  <a:schemeClr val="tx1"/>
+                </a:solidFill>
+                <a:effectLst/>
+                <a:latin typeface="Courier" pitchFamily="2" charset="0"/>
+                <a:ea typeface="Times New Roman" panose="02020603050405020304" pitchFamily="18" charset="0"/>
+                <a:cs typeface="Times New Roman" panose="02020603050405020304" pitchFamily="18" charset="0"/>
+              </a:rPr>
+              <a:t>    +---------------------------------------------------------------+</a:t>
+            </a:r>
+            <a:endParaRPr kumimoji="0" lang="en-US" altLang="en-US" sz="800" u="none" strike="noStrike" cap="none" normalizeH="0" baseline="0" dirty="0">
+              <a:ln>
+                <a:noFill/>
+              </a:ln>
+              <a:solidFill>
+                <a:schemeClr val="tx1"/>
+              </a:solidFill>
+              <a:effectLst/>
+              <a:latin typeface="Courier" pitchFamily="2" charset="0"/>
+            </a:endParaRPr>
+          </a:p>
+          <a:p>
+            <a:pPr marR="0" lvl="0" algn="l" defTabSz="914400" rtl="0" eaLnBrk="0" fontAlgn="base" latinLnBrk="0" hangingPunct="0">
+              <a:lnSpc>
+                <a:spcPct val="100000"/>
+              </a:lnSpc>
+              <a:spcBef>
+                <a:spcPct val="0"/>
+              </a:spcBef>
+              <a:spcAft>
+                <a:spcPct val="0"/>
+              </a:spcAft>
+              <a:buClrTx/>
+              <a:buSzTx/>
+              <a:tabLst>
+                <a:tab pos="581025" algn="l"/>
+                <a:tab pos="1163638" algn="l"/>
+                <a:tab pos="1744663" algn="l"/>
+                <a:tab pos="2327275" algn="l"/>
+                <a:tab pos="2908300" algn="l"/>
+                <a:tab pos="3489325" algn="l"/>
+                <a:tab pos="4071938" algn="l"/>
+                <a:tab pos="4652963" algn="l"/>
+                <a:tab pos="5235575" algn="l"/>
+                <a:tab pos="5816600" algn="l"/>
+                <a:tab pos="6397625" algn="l"/>
+                <a:tab pos="6980238" algn="l"/>
+                <a:tab pos="7561263" algn="l"/>
+                <a:tab pos="8143875" algn="l"/>
+                <a:tab pos="8724900" algn="l"/>
+                <a:tab pos="9305925" algn="l"/>
+              </a:tabLst>
+            </a:pPr>
+            <a:r>
+              <a:rPr kumimoji="0" lang="en-US" altLang="en-US" sz="800" u="none" strike="noStrike" cap="none" normalizeH="0" baseline="0" dirty="0">
+                <a:ln>
+                  <a:noFill/>
+                </a:ln>
+                <a:solidFill>
+                  <a:schemeClr val="tx1"/>
+                </a:solidFill>
+                <a:effectLst/>
+                <a:latin typeface="Courier" pitchFamily="2" charset="0"/>
+                <a:ea typeface="Times New Roman" panose="02020603050405020304" pitchFamily="18" charset="0"/>
+                <a:cs typeface="Times New Roman" panose="02020603050405020304" pitchFamily="18" charset="0"/>
+              </a:rPr>
+              <a:t>                    </a:t>
+            </a:r>
+          </a:p>
+          <a:p>
+            <a:pPr marR="0" lvl="0" algn="l" defTabSz="914400" rtl="0" eaLnBrk="0" fontAlgn="base" latinLnBrk="0" hangingPunct="0">
+              <a:lnSpc>
+                <a:spcPct val="100000"/>
+              </a:lnSpc>
+              <a:spcBef>
+                <a:spcPct val="0"/>
+              </a:spcBef>
+              <a:spcAft>
+                <a:spcPct val="0"/>
+              </a:spcAft>
+              <a:buClrTx/>
+              <a:buSzTx/>
+              <a:tabLst>
+                <a:tab pos="581025" algn="l"/>
+                <a:tab pos="1163638" algn="l"/>
+                <a:tab pos="1744663" algn="l"/>
+                <a:tab pos="2327275" algn="l"/>
+                <a:tab pos="2908300" algn="l"/>
+                <a:tab pos="3489325" algn="l"/>
+                <a:tab pos="4071938" algn="l"/>
+                <a:tab pos="4652963" algn="l"/>
+                <a:tab pos="5235575" algn="l"/>
+                <a:tab pos="5816600" algn="l"/>
+                <a:tab pos="6397625" algn="l"/>
+                <a:tab pos="6980238" algn="l"/>
+                <a:tab pos="7561263" algn="l"/>
+                <a:tab pos="8143875" algn="l"/>
+                <a:tab pos="8724900" algn="l"/>
+                <a:tab pos="9305925" algn="l"/>
+              </a:tabLst>
+            </a:pPr>
+            <a:r>
+              <a:rPr lang="en-US" altLang="en-US" sz="800" dirty="0">
+                <a:latin typeface="Courier" pitchFamily="2" charset="0"/>
+                <a:ea typeface="Times New Roman" panose="02020603050405020304" pitchFamily="18" charset="0"/>
+                <a:cs typeface="Times New Roman" panose="02020603050405020304" pitchFamily="18" charset="0"/>
+              </a:rPr>
+              <a:t>                     </a:t>
+            </a:r>
+            <a:r>
+              <a:rPr kumimoji="0" lang="en-US" altLang="en-US" sz="800" u="none" strike="noStrike" cap="none" normalizeH="0" baseline="0" dirty="0">
+                <a:ln>
+                  <a:noFill/>
+                </a:ln>
+                <a:solidFill>
+                  <a:schemeClr val="tx1"/>
+                </a:solidFill>
+                <a:effectLst/>
+                <a:latin typeface="Courier" pitchFamily="2" charset="0"/>
+                <a:ea typeface="Times New Roman" panose="02020603050405020304" pitchFamily="18" charset="0"/>
+                <a:cs typeface="Times New Roman" panose="02020603050405020304" pitchFamily="18" charset="0"/>
+              </a:rPr>
+              <a:t>Figure: Probe Response Message</a:t>
+            </a:r>
+          </a:p>
+        </p:txBody>
+      </p:sp>
+      <p:sp>
+        <p:nvSpPr>
+          <p:cNvPr id="10" name="Rectangle 3">
+            <a:extLst>
+              <a:ext uri="{FF2B5EF4-FFF2-40B4-BE49-F238E27FC236}">
+                <a16:creationId xmlns:a16="http://schemas.microsoft.com/office/drawing/2014/main" id="{F931A306-5560-9B46-9F5D-9AB7AB639DA4}"/>
+              </a:ext>
+            </a:extLst>
+          </p:cNvPr>
+          <p:cNvSpPr>
+            <a:spLocks noChangeArrowheads="1"/>
+          </p:cNvSpPr>
           <p:nvPr/>
         </p:nvSpPr>
-        <p:spPr>
+        <p:spPr bwMode="auto">
           <a:xfrm>
-            <a:off x="4229100" y="736222"/>
-            <a:ext cx="4648200" cy="1477328"/>
+            <a:off x="4724400" y="2328505"/>
+            <a:ext cx="4191000" cy="2262158"/>
           </a:xfrm>
           <a:prstGeom prst="rect">
             <a:avLst/>
           </a:prstGeom>
           <a:solidFill>
-            <a:schemeClr val="accent6">
-              <a:lumMod val="20000"/>
-              <a:lumOff val="80000"/>
+            <a:schemeClr val="bg1">
+              <a:lumMod val="95000"/>
             </a:schemeClr>
           </a:solidFill>
+          <a:ln>
+            <a:noFill/>
+          </a:ln>
+          <a:effectLst/>
         </p:spPr>
         <p:txBody>
-          <a:bodyPr wrap="square">
+          <a:bodyPr vert="horz" wrap="square" lIns="91440" tIns="45720" rIns="91440" bIns="0" numCol="1" anchor="ctr" anchorCtr="0" compatLnSpc="1">
+            <a:prstTxWarp prst="textNoShape">
+              <a:avLst/>
+            </a:prstTxWarp>
             <a:spAutoFit/>
           </a:bodyPr>
           <a:lstStyle/>
           <a:p>
-            <a:pPr>
-              <a:spcAft>
-                <a:spcPts val="0"/>
-              </a:spcAft>
-            </a:pPr>
-            <a:r>
-              <a:rPr lang="en-US" sz="900" dirty="0">
+            <a:pPr marL="0" marR="0" lvl="0" indent="0" algn="l" defTabSz="914400" rtl="0" eaLnBrk="0" fontAlgn="base" latinLnBrk="0" hangingPunct="0">
+              <a:lnSpc>
+                <a:spcPct val="100000"/>
+              </a:lnSpc>
+              <a:spcBef>
+                <a:spcPct val="0"/>
+              </a:spcBef>
+              <a:spcAft>
+                <a:spcPct val="0"/>
+              </a:spcAft>
+              <a:buClrTx/>
+              <a:buSzTx/>
+              <a:buFontTx/>
+              <a:buNone/>
+              <a:tabLst/>
+            </a:pPr>
+            <a:r>
+              <a:rPr kumimoji="0" lang="en-US" altLang="en-US" sz="800" u="none" strike="noStrike" cap="none" normalizeH="0" baseline="0" dirty="0">
+                <a:ln>
+                  <a:noFill/>
+                </a:ln>
+                <a:solidFill>
+                  <a:schemeClr val="tx1"/>
+                </a:solidFill>
+                <a:effectLst/>
                 <a:latin typeface="Courier" pitchFamily="2" charset="0"/>
-                <a:ea typeface="Courier" charset="0"/>
-                <a:cs typeface="Courier" charset="0"/>
-              </a:rPr>
-              <a:t>0                   1                   2                   3</a:t>
-            </a:r>
-          </a:p>
-          <a:p>
-            <a:pPr>
-              <a:spcAft>
-                <a:spcPts val="0"/>
-              </a:spcAft>
-            </a:pPr>
-            <a:r>
-              <a:rPr lang="en-US" sz="900" dirty="0">
+                <a:ea typeface="Times New Roman" panose="02020603050405020304" pitchFamily="18" charset="0"/>
+              </a:rPr>
+              <a:t>+---------------------------------------------------------------+    </a:t>
+            </a:r>
+          </a:p>
+          <a:p>
+            <a:pPr marL="0" marR="0" lvl="0" indent="0" algn="l" defTabSz="914400" rtl="0" eaLnBrk="0" fontAlgn="base" latinLnBrk="0" hangingPunct="0">
+              <a:lnSpc>
+                <a:spcPct val="100000"/>
+              </a:lnSpc>
+              <a:spcBef>
+                <a:spcPct val="0"/>
+              </a:spcBef>
+              <a:spcAft>
+                <a:spcPct val="0"/>
+              </a:spcAft>
+              <a:buClrTx/>
+              <a:buSzTx/>
+              <a:buFontTx/>
+              <a:buNone/>
+              <a:tabLst/>
+            </a:pPr>
+            <a:r>
+              <a:rPr kumimoji="0" lang="en-US" altLang="en-US" sz="800" u="none" strike="noStrike" cap="none" normalizeH="0" baseline="0" dirty="0">
+                <a:ln>
+                  <a:noFill/>
+                </a:ln>
+                <a:solidFill>
+                  <a:schemeClr val="tx1"/>
+                </a:solidFill>
+                <a:effectLst/>
                 <a:latin typeface="Courier" pitchFamily="2" charset="0"/>
-                <a:ea typeface="Courier" charset="0"/>
-                <a:cs typeface="Courier" charset="0"/>
-              </a:rPr>
-              <a:t>0 1 2 3 4 5 6 7 8 9 0 1 2 3 4 5 6 7 8 9 0 1 2 3 4 5 6 7 8 9 0 1</a:t>
-            </a:r>
-          </a:p>
-          <a:p>
-            <a:pPr>
-              <a:spcAft>
-                <a:spcPts val="0"/>
-              </a:spcAft>
-            </a:pPr>
-            <a:r>
-              <a:rPr lang="en-US" sz="900" dirty="0">
+                <a:ea typeface="Times New Roman" panose="02020603050405020304" pitchFamily="18" charset="0"/>
+              </a:rPr>
+              <a:t>| IP Header                                                     |    </a:t>
+            </a:r>
+          </a:p>
+          <a:p>
+            <a:pPr marL="0" marR="0" lvl="0" indent="0" algn="l" defTabSz="914400" rtl="0" eaLnBrk="0" fontAlgn="base" latinLnBrk="0" hangingPunct="0">
+              <a:lnSpc>
+                <a:spcPct val="100000"/>
+              </a:lnSpc>
+              <a:spcBef>
+                <a:spcPct val="0"/>
+              </a:spcBef>
+              <a:spcAft>
+                <a:spcPct val="0"/>
+              </a:spcAft>
+              <a:buClrTx/>
+              <a:buSzTx/>
+              <a:buFontTx/>
+              <a:buNone/>
+              <a:tabLst/>
+            </a:pPr>
+            <a:r>
+              <a:rPr kumimoji="0" lang="en-US" altLang="en-US" sz="800" u="none" strike="noStrike" cap="none" normalizeH="0" baseline="0" dirty="0">
+                <a:ln>
+                  <a:noFill/>
+                </a:ln>
+                <a:solidFill>
+                  <a:schemeClr val="tx1"/>
+                </a:solidFill>
+                <a:effectLst/>
                 <a:latin typeface="Courier" pitchFamily="2" charset="0"/>
-                <a:ea typeface="Courier" charset="0"/>
-                <a:cs typeface="Courier" charset="0"/>
-              </a:rPr>
-              <a:t>+-+-+-+-+-+-+-+-+-+-+-+-+-+-+-+-+-+-+-+-+-+-+-+-+-+-+-+-+-+-+-+-+</a:t>
-            </a:r>
-          </a:p>
-          <a:p>
-            <a:pPr>
-              <a:spcAft>
-                <a:spcPts val="0"/>
-              </a:spcAft>
-            </a:pPr>
-            <a:r>
-              <a:rPr lang="en-US" sz="900" dirty="0">
+                <a:ea typeface="Times New Roman" panose="02020603050405020304" pitchFamily="18" charset="0"/>
+              </a:rPr>
+              <a:t>.  Source IP Address = Responder IPv4 or IPv6 Address           .</a:t>
+            </a:r>
+          </a:p>
+          <a:p>
+            <a:pPr marL="0" marR="0" lvl="0" indent="0" algn="l" defTabSz="914400" rtl="0" eaLnBrk="0" fontAlgn="base" latinLnBrk="0" hangingPunct="0">
+              <a:lnSpc>
+                <a:spcPct val="100000"/>
+              </a:lnSpc>
+              <a:spcBef>
+                <a:spcPct val="0"/>
+              </a:spcBef>
+              <a:spcAft>
+                <a:spcPct val="0"/>
+              </a:spcAft>
+              <a:buClrTx/>
+              <a:buSzTx/>
+              <a:buFontTx/>
+              <a:buNone/>
+              <a:tabLst/>
+            </a:pPr>
+            <a:r>
+              <a:rPr kumimoji="0" lang="en-US" altLang="en-US" sz="800" u="none" strike="noStrike" cap="none" normalizeH="0" baseline="0" dirty="0">
+                <a:ln>
+                  <a:noFill/>
+                </a:ln>
+                <a:solidFill>
+                  <a:schemeClr val="tx1"/>
+                </a:solidFill>
+                <a:effectLst/>
                 <a:latin typeface="Courier" pitchFamily="2" charset="0"/>
-                <a:ea typeface="Courier" charset="0"/>
-                <a:cs typeface="Courier" charset="0"/>
-              </a:rPr>
-              <a:t>|   Type TBA3   |    Length     |      Reserved                 |</a:t>
-            </a:r>
-          </a:p>
-          <a:p>
-            <a:pPr>
-              <a:spcAft>
-                <a:spcPts val="0"/>
-              </a:spcAft>
-            </a:pPr>
-            <a:r>
-              <a:rPr lang="en-US" sz="900" dirty="0">
+                <a:ea typeface="Times New Roman" panose="02020603050405020304" pitchFamily="18" charset="0"/>
+              </a:rPr>
+              <a:t>.  Destination IP Address = </a:t>
+            </a:r>
+            <a:r>
+              <a:rPr kumimoji="0" lang="en-US" altLang="en-US" sz="800" u="none" strike="noStrike" cap="none" normalizeH="0" baseline="0" dirty="0" err="1">
+                <a:ln>
+                  <a:noFill/>
+                </a:ln>
+                <a:solidFill>
+                  <a:schemeClr val="tx1"/>
+                </a:solidFill>
+                <a:effectLst/>
                 <a:latin typeface="Courier" pitchFamily="2" charset="0"/>
-                <a:ea typeface="Courier" charset="0"/>
-                <a:cs typeface="Courier" charset="0"/>
-              </a:rPr>
-              <a:t>+-+-+-+-+-+-+-+-+-+-+-+-+-+-+-+-+-+-+-+-+-+-+-+-+-+-+-+-+-+-+-+-+</a:t>
-            </a:r>
-          </a:p>
-          <a:p>
-            <a:pPr>
-              <a:spcAft>
-                <a:spcPts val="0"/>
-              </a:spcAft>
-            </a:pPr>
-            <a:r>
-              <a:rPr lang="en-US" sz="900" dirty="0">
+                <a:ea typeface="Times New Roman" panose="02020603050405020304" pitchFamily="18" charset="0"/>
+              </a:rPr>
+              <a:t>URO.Address</a:t>
+            </a:r>
+            <a:r>
+              <a:rPr kumimoji="0" lang="en-US" altLang="en-US" sz="800" u="none" strike="noStrike" cap="none" normalizeH="0" baseline="0" dirty="0">
+                <a:ln>
+                  <a:noFill/>
+                </a:ln>
+                <a:solidFill>
+                  <a:schemeClr val="tx1"/>
+                </a:solidFill>
+                <a:effectLst/>
                 <a:latin typeface="Courier" pitchFamily="2" charset="0"/>
-                <a:ea typeface="Courier" charset="0"/>
-                <a:cs typeface="Courier" charset="0"/>
-              </a:rPr>
-              <a:t>|                    Sequence Number                            |</a:t>
-            </a:r>
-          </a:p>
-          <a:p>
-            <a:pPr>
-              <a:spcAft>
-                <a:spcPts val="0"/>
-              </a:spcAft>
-            </a:pPr>
-            <a:r>
-              <a:rPr lang="en-US" sz="900" dirty="0">
+                <a:ea typeface="Times New Roman" panose="02020603050405020304" pitchFamily="18" charset="0"/>
+              </a:rPr>
+              <a:t>                         .    </a:t>
+            </a:r>
+          </a:p>
+          <a:p>
+            <a:pPr marL="0" marR="0" lvl="0" indent="0" algn="l" defTabSz="914400" rtl="0" eaLnBrk="0" fontAlgn="base" latinLnBrk="0" hangingPunct="0">
+              <a:lnSpc>
+                <a:spcPct val="100000"/>
+              </a:lnSpc>
+              <a:spcBef>
+                <a:spcPct val="0"/>
+              </a:spcBef>
+              <a:spcAft>
+                <a:spcPct val="0"/>
+              </a:spcAft>
+              <a:buClrTx/>
+              <a:buSzTx/>
+              <a:buFontTx/>
+              <a:buNone/>
+              <a:tabLst/>
+            </a:pPr>
+            <a:r>
+              <a:rPr kumimoji="0" lang="en-US" altLang="en-US" sz="800" u="none" strike="noStrike" cap="none" normalizeH="0" baseline="0" dirty="0">
+                <a:ln>
+                  <a:noFill/>
+                </a:ln>
+                <a:solidFill>
+                  <a:schemeClr val="tx1"/>
+                </a:solidFill>
+                <a:effectLst/>
                 <a:latin typeface="Courier" pitchFamily="2" charset="0"/>
-                <a:ea typeface="Courier" charset="0"/>
-                <a:cs typeface="Courier" charset="0"/>
-              </a:rPr>
-              <a:t>~                                                               ~</a:t>
-            </a:r>
-          </a:p>
-          <a:p>
-            <a:pPr>
-              <a:spcAft>
-                <a:spcPts val="0"/>
-              </a:spcAft>
-            </a:pPr>
-            <a:r>
-              <a:rPr lang="en-US" sz="900" dirty="0">
+                <a:ea typeface="Times New Roman" panose="02020603050405020304" pitchFamily="18" charset="0"/>
+              </a:rPr>
+              <a:t>.  Protocol = UDP                                               .    </a:t>
+            </a:r>
+          </a:p>
+          <a:p>
+            <a:pPr marL="0" marR="0" lvl="0" indent="0" algn="l" defTabSz="914400" rtl="0" eaLnBrk="0" fontAlgn="base" latinLnBrk="0" hangingPunct="0">
+              <a:lnSpc>
+                <a:spcPct val="100000"/>
+              </a:lnSpc>
+              <a:spcBef>
+                <a:spcPct val="0"/>
+              </a:spcBef>
+              <a:spcAft>
+                <a:spcPct val="0"/>
+              </a:spcAft>
+              <a:buClrTx/>
+              <a:buSzTx/>
+              <a:buFontTx/>
+              <a:buNone/>
+              <a:tabLst/>
+            </a:pPr>
+            <a:r>
+              <a:rPr kumimoji="0" lang="en-US" altLang="en-US" sz="800" u="none" strike="noStrike" cap="none" normalizeH="0" baseline="0" dirty="0">
+                <a:ln>
+                  <a:noFill/>
+                </a:ln>
+                <a:solidFill>
+                  <a:schemeClr val="tx1"/>
+                </a:solidFill>
+                <a:effectLst/>
                 <a:latin typeface="Courier" pitchFamily="2" charset="0"/>
-                <a:ea typeface="Courier" charset="0"/>
-                <a:cs typeface="Courier" charset="0"/>
-              </a:rPr>
-              <a:t>+-+-+-+-+-+-+-+-+-+-+-+-+-+-+-+-+-+-+-+-+-+-+-+-+-+-+-+-+-+-+-+-+</a:t>
-            </a:r>
-          </a:p>
-          <a:p>
-            <a:pPr>
-              <a:spcAft>
-                <a:spcPts val="0"/>
-              </a:spcAft>
-            </a:pPr>
-            <a:r>
-              <a:rPr lang="en-US" sz="900" dirty="0">
+                <a:ea typeface="Times New Roman" panose="02020603050405020304" pitchFamily="18" charset="0"/>
+              </a:rPr>
+              <a:t>.                                                               .    </a:t>
+            </a:r>
+          </a:p>
+          <a:p>
+            <a:pPr marL="0" marR="0" lvl="0" indent="0" algn="l" defTabSz="914400" rtl="0" eaLnBrk="0" fontAlgn="base" latinLnBrk="0" hangingPunct="0">
+              <a:lnSpc>
+                <a:spcPct val="100000"/>
+              </a:lnSpc>
+              <a:spcBef>
+                <a:spcPct val="0"/>
+              </a:spcBef>
+              <a:spcAft>
+                <a:spcPct val="0"/>
+              </a:spcAft>
+              <a:buClrTx/>
+              <a:buSzTx/>
+              <a:buFontTx/>
+              <a:buNone/>
+              <a:tabLst/>
+            </a:pPr>
+            <a:r>
+              <a:rPr kumimoji="0" lang="en-US" altLang="en-US" sz="800" u="none" strike="noStrike" cap="none" normalizeH="0" baseline="0" dirty="0">
+                <a:ln>
+                  <a:noFill/>
+                </a:ln>
+                <a:solidFill>
+                  <a:schemeClr val="tx1"/>
+                </a:solidFill>
+                <a:effectLst/>
                 <a:latin typeface="Courier" pitchFamily="2" charset="0"/>
-                <a:ea typeface="Courier" charset="0"/>
-                <a:cs typeface="Courier" charset="0"/>
-              </a:rPr>
-              <a:t> </a:t>
-            </a:r>
-          </a:p>
-          <a:p>
-            <a:pPr>
-              <a:spcAft>
-                <a:spcPts val="0"/>
-              </a:spcAft>
-            </a:pPr>
-            <a:r>
-              <a:rPr lang="en-US" sz="900" dirty="0">
+                <a:ea typeface="Times New Roman" panose="02020603050405020304" pitchFamily="18" charset="0"/>
+              </a:rPr>
+              <a:t>+---------------------------------------------------------------+ </a:t>
+            </a:r>
+          </a:p>
+          <a:p>
+            <a:pPr marL="0" marR="0" lvl="0" indent="0" algn="l" defTabSz="914400" rtl="0" eaLnBrk="0" fontAlgn="base" latinLnBrk="0" hangingPunct="0">
+              <a:lnSpc>
+                <a:spcPct val="100000"/>
+              </a:lnSpc>
+              <a:spcBef>
+                <a:spcPct val="0"/>
+              </a:spcBef>
+              <a:spcAft>
+                <a:spcPct val="0"/>
+              </a:spcAft>
+              <a:buClrTx/>
+              <a:buSzTx/>
+              <a:buFontTx/>
+              <a:buNone/>
+              <a:tabLst/>
+            </a:pPr>
+            <a:r>
+              <a:rPr lang="en-US" altLang="en-US" sz="800" dirty="0">
                 <a:latin typeface="Courier" pitchFamily="2" charset="0"/>
-                <a:ea typeface="Courier" charset="0"/>
-                <a:cs typeface="Courier" charset="0"/>
-              </a:rPr>
-              <a:t>     Figure 10: Sequence Number TLV - Unauthenticated Mode</a:t>
-            </a:r>
-            <a:endParaRPr lang="en-US" sz="900" dirty="0">
-              <a:effectLst/>
+                <a:ea typeface="Times New Roman" panose="02020603050405020304" pitchFamily="18" charset="0"/>
+              </a:rPr>
+              <a:t>| UDP Header                                                    |    </a:t>
+            </a:r>
+          </a:p>
+          <a:p>
+            <a:pPr marL="0" marR="0" lvl="0" indent="0" algn="l" defTabSz="914400" rtl="0" eaLnBrk="0" fontAlgn="base" latinLnBrk="0" hangingPunct="0">
+              <a:lnSpc>
+                <a:spcPct val="100000"/>
+              </a:lnSpc>
+              <a:spcBef>
+                <a:spcPct val="0"/>
+              </a:spcBef>
+              <a:spcAft>
+                <a:spcPct val="0"/>
+              </a:spcAft>
+              <a:buClrTx/>
+              <a:buSzTx/>
+              <a:buFontTx/>
+              <a:buNone/>
+              <a:tabLst/>
+            </a:pPr>
+            <a:r>
+              <a:rPr lang="en-US" altLang="en-US" sz="800" dirty="0">
+                <a:latin typeface="Courier" pitchFamily="2" charset="0"/>
+                <a:ea typeface="Times New Roman" panose="02020603050405020304" pitchFamily="18" charset="0"/>
+              </a:rPr>
+              <a:t>. </a:t>
+            </a:r>
+            <a:r>
+              <a:rPr kumimoji="0" lang="en-US" altLang="en-US" sz="800" u="none" strike="noStrike" cap="none" normalizeH="0" baseline="0" dirty="0">
+                <a:ln>
+                  <a:noFill/>
+                </a:ln>
+                <a:solidFill>
+                  <a:schemeClr val="tx1"/>
+                </a:solidFill>
+                <a:effectLst/>
+                <a:latin typeface="Courier" pitchFamily="2" charset="0"/>
+                <a:ea typeface="Times New Roman" panose="02020603050405020304" pitchFamily="18" charset="0"/>
+              </a:rPr>
+              <a:t>Source Port = As chosen by Responder                          .    </a:t>
+            </a:r>
+          </a:p>
+          <a:p>
+            <a:pPr marL="0" marR="0" lvl="0" indent="0" algn="l" defTabSz="914400" rtl="0" eaLnBrk="0" fontAlgn="base" latinLnBrk="0" hangingPunct="0">
+              <a:lnSpc>
+                <a:spcPct val="100000"/>
+              </a:lnSpc>
+              <a:spcBef>
+                <a:spcPct val="0"/>
+              </a:spcBef>
+              <a:spcAft>
+                <a:spcPct val="0"/>
+              </a:spcAft>
+              <a:buClrTx/>
+              <a:buSzTx/>
+              <a:buFontTx/>
+              <a:buNone/>
+              <a:tabLst/>
+            </a:pPr>
+            <a:r>
+              <a:rPr kumimoji="0" lang="en-US" altLang="en-US" sz="800" u="none" strike="noStrike" cap="none" normalizeH="0" baseline="0" dirty="0">
+                <a:ln>
+                  <a:noFill/>
+                </a:ln>
+                <a:solidFill>
+                  <a:schemeClr val="tx1"/>
+                </a:solidFill>
+                <a:effectLst/>
+                <a:latin typeface="Courier" pitchFamily="2" charset="0"/>
+                <a:ea typeface="Times New Roman" panose="02020603050405020304" pitchFamily="18" charset="0"/>
+              </a:rPr>
+              <a:t>.  Destination Port = URO.UDP-Destination-Port                  .    </a:t>
+            </a:r>
+          </a:p>
+          <a:p>
+            <a:pPr marL="0" marR="0" lvl="0" indent="0" algn="l" defTabSz="914400" rtl="0" eaLnBrk="0" fontAlgn="base" latinLnBrk="0" hangingPunct="0">
+              <a:lnSpc>
+                <a:spcPct val="100000"/>
+              </a:lnSpc>
+              <a:spcBef>
+                <a:spcPct val="0"/>
+              </a:spcBef>
+              <a:spcAft>
+                <a:spcPct val="0"/>
+              </a:spcAft>
+              <a:buClrTx/>
+              <a:buSzTx/>
+              <a:buFontTx/>
+              <a:buNone/>
+              <a:tabLst/>
+            </a:pPr>
+            <a:r>
+              <a:rPr kumimoji="0" lang="en-US" altLang="en-US" sz="800" u="none" strike="noStrike" cap="none" normalizeH="0" baseline="0" dirty="0">
+                <a:ln>
+                  <a:noFill/>
+                </a:ln>
+                <a:solidFill>
+                  <a:schemeClr val="tx1"/>
+                </a:solidFill>
+                <a:effectLst/>
+                <a:latin typeface="Courier" pitchFamily="2" charset="0"/>
+                <a:ea typeface="Times New Roman" panose="02020603050405020304" pitchFamily="18" charset="0"/>
+              </a:rPr>
+              <a:t>.                                                               .    </a:t>
+            </a:r>
+          </a:p>
+          <a:p>
+            <a:pPr marL="0" marR="0" lvl="0" indent="0" algn="l" defTabSz="914400" rtl="0" eaLnBrk="0" fontAlgn="base" latinLnBrk="0" hangingPunct="0">
+              <a:lnSpc>
+                <a:spcPct val="100000"/>
+              </a:lnSpc>
+              <a:spcBef>
+                <a:spcPct val="0"/>
+              </a:spcBef>
+              <a:spcAft>
+                <a:spcPct val="0"/>
+              </a:spcAft>
+              <a:buClrTx/>
+              <a:buSzTx/>
+              <a:buFontTx/>
+              <a:buNone/>
+              <a:tabLst/>
+            </a:pPr>
+            <a:r>
+              <a:rPr kumimoji="0" lang="en-US" altLang="en-US" sz="800" u="none" strike="noStrike" cap="none" normalizeH="0" baseline="0" dirty="0">
+                <a:ln>
+                  <a:noFill/>
+                </a:ln>
+                <a:solidFill>
+                  <a:schemeClr val="tx1"/>
+                </a:solidFill>
+                <a:effectLst/>
+                <a:latin typeface="Courier" pitchFamily="2" charset="0"/>
+                <a:ea typeface="Times New Roman" panose="02020603050405020304" pitchFamily="18" charset="0"/>
+              </a:rPr>
+              <a:t>+---------------------------------------------------------------+    </a:t>
+            </a:r>
+          </a:p>
+          <a:p>
+            <a:pPr marL="0" marR="0" lvl="0" indent="0" algn="l" defTabSz="914400" rtl="0" eaLnBrk="0" fontAlgn="base" latinLnBrk="0" hangingPunct="0">
+              <a:lnSpc>
+                <a:spcPct val="100000"/>
+              </a:lnSpc>
+              <a:spcBef>
+                <a:spcPct val="0"/>
+              </a:spcBef>
+              <a:spcAft>
+                <a:spcPct val="0"/>
+              </a:spcAft>
+              <a:buClrTx/>
+              <a:buSzTx/>
+              <a:buFontTx/>
+              <a:buNone/>
+              <a:tabLst/>
+            </a:pPr>
+            <a:r>
+              <a:rPr kumimoji="0" lang="en-US" altLang="en-US" sz="800" u="none" strike="noStrike" cap="none" normalizeH="0" baseline="0" dirty="0">
+                <a:ln>
+                  <a:noFill/>
+                </a:ln>
+                <a:solidFill>
+                  <a:schemeClr val="tx1"/>
+                </a:solidFill>
+                <a:effectLst/>
+                <a:latin typeface="Courier" pitchFamily="2" charset="0"/>
+                <a:ea typeface="Times New Roman" panose="02020603050405020304" pitchFamily="18" charset="0"/>
+              </a:rPr>
+              <a:t>| Message as specified in Section 3.2 of RFC 6374 for DM, or    |    </a:t>
+            </a:r>
+          </a:p>
+          <a:p>
+            <a:pPr marL="0" marR="0" lvl="0" indent="0" algn="l" defTabSz="914400" rtl="0" eaLnBrk="0" fontAlgn="base" latinLnBrk="0" hangingPunct="0">
+              <a:lnSpc>
+                <a:spcPct val="100000"/>
+              </a:lnSpc>
+              <a:spcBef>
+                <a:spcPct val="0"/>
+              </a:spcBef>
+              <a:spcAft>
+                <a:spcPct val="0"/>
+              </a:spcAft>
+              <a:buClrTx/>
+              <a:buSzTx/>
+              <a:buFontTx/>
+              <a:buNone/>
+              <a:tabLst/>
+            </a:pPr>
+            <a:r>
+              <a:rPr kumimoji="0" lang="en-US" altLang="en-US" sz="800" u="none" strike="noStrike" cap="none" normalizeH="0" baseline="0" dirty="0">
+                <a:ln>
+                  <a:noFill/>
+                </a:ln>
+                <a:solidFill>
+                  <a:schemeClr val="tx1"/>
+                </a:solidFill>
+                <a:effectLst/>
+                <a:latin typeface="Courier" pitchFamily="2" charset="0"/>
+                <a:ea typeface="Times New Roman" panose="02020603050405020304" pitchFamily="18" charset="0"/>
+              </a:rPr>
+              <a:t>. Message as specified in Section 3.1 of RFC 6374 for LM        .    </a:t>
+            </a:r>
+          </a:p>
+          <a:p>
+            <a:pPr marL="0" marR="0" lvl="0" indent="0" algn="l" defTabSz="914400" rtl="0" eaLnBrk="0" fontAlgn="base" latinLnBrk="0" hangingPunct="0">
+              <a:lnSpc>
+                <a:spcPct val="100000"/>
+              </a:lnSpc>
+              <a:spcBef>
+                <a:spcPct val="0"/>
+              </a:spcBef>
+              <a:spcAft>
+                <a:spcPct val="0"/>
+              </a:spcAft>
+              <a:buClrTx/>
+              <a:buSzTx/>
+              <a:buFontTx/>
+              <a:buNone/>
+              <a:tabLst/>
+            </a:pPr>
+            <a:r>
+              <a:rPr kumimoji="0" lang="en-US" altLang="en-US" sz="800" u="none" strike="noStrike" cap="none" normalizeH="0" baseline="0" dirty="0">
+                <a:ln>
+                  <a:noFill/>
+                </a:ln>
+                <a:solidFill>
+                  <a:schemeClr val="tx1"/>
+                </a:solidFill>
+                <a:effectLst/>
+                <a:latin typeface="Courier" pitchFamily="2" charset="0"/>
+                <a:ea typeface="Times New Roman" panose="02020603050405020304" pitchFamily="18" charset="0"/>
+              </a:rPr>
+              <a:t>.                                                               .    </a:t>
+            </a:r>
+          </a:p>
+          <a:p>
+            <a:pPr marL="0" marR="0" lvl="0" indent="0" algn="l" defTabSz="914400" rtl="0" eaLnBrk="0" fontAlgn="base" latinLnBrk="0" hangingPunct="0">
+              <a:lnSpc>
+                <a:spcPct val="100000"/>
+              </a:lnSpc>
+              <a:spcBef>
+                <a:spcPct val="0"/>
+              </a:spcBef>
+              <a:spcAft>
+                <a:spcPct val="0"/>
+              </a:spcAft>
+              <a:buClrTx/>
+              <a:buSzTx/>
+              <a:buFontTx/>
+              <a:buNone/>
+              <a:tabLst/>
+            </a:pPr>
+            <a:r>
+              <a:rPr kumimoji="0" lang="en-US" altLang="en-US" sz="800" u="none" strike="noStrike" cap="none" normalizeH="0" baseline="0" dirty="0">
+                <a:ln>
+                  <a:noFill/>
+                </a:ln>
+                <a:solidFill>
+                  <a:schemeClr val="tx1"/>
+                </a:solidFill>
+                <a:effectLst/>
+                <a:latin typeface="Courier" pitchFamily="2" charset="0"/>
+                <a:ea typeface="Times New Roman" panose="02020603050405020304" pitchFamily="18" charset="0"/>
+              </a:rPr>
+              <a:t>+---------------------------------------------------------------+          </a:t>
+            </a:r>
+          </a:p>
+          <a:p>
+            <a:pPr marL="0" marR="0" lvl="0" indent="0" algn="l" defTabSz="914400" rtl="0" eaLnBrk="0" fontAlgn="base" latinLnBrk="0" hangingPunct="0">
+              <a:lnSpc>
+                <a:spcPct val="100000"/>
+              </a:lnSpc>
+              <a:spcBef>
+                <a:spcPct val="0"/>
+              </a:spcBef>
+              <a:spcAft>
+                <a:spcPct val="0"/>
+              </a:spcAft>
+              <a:buClrTx/>
+              <a:buSzTx/>
+              <a:buFontTx/>
+              <a:buNone/>
+              <a:tabLst/>
+            </a:pPr>
+            <a:endParaRPr lang="en-US" altLang="en-US" sz="800" dirty="0">
               <a:latin typeface="Courier" pitchFamily="2" charset="0"/>
-              <a:ea typeface="Courier" charset="0"/>
-              <a:cs typeface="Courier" charset="0"/>
+              <a:ea typeface="Times New Roman" panose="02020603050405020304" pitchFamily="18" charset="0"/>
             </a:endParaRPr>
           </a:p>
-        </p:txBody>
-      </p:sp>
-      <p:sp>
-        <p:nvSpPr>
-          <p:cNvPr id="3" name="Slide Number Placeholder 2"/>
-          <p:cNvSpPr>
-            <a:spLocks noGrp="1"/>
-          </p:cNvSpPr>
-          <p:nvPr>
-            <p:ph type="sldNum" sz="quarter" idx="12"/>
-          </p:nvPr>
-        </p:nvSpPr>
-        <p:spPr/>
-        <p:txBody>
-          <a:bodyPr/>
-          <a:lstStyle/>
-          <a:p>
-            <a:pPr>
-              <a:defRPr/>
-            </a:pPr>
-            <a:fld id="{BD6E0F59-1DD8-40FC-9C92-B6295CBA6CCA}" type="slidenum">
-              <a:rPr lang="en-US" altLang="zh-CN" smtClean="0"/>
-              <a:pPr>
-                <a:defRPr/>
-              </a:pPr>
-              <a:t>11</a:t>
-            </a:fld>
-            <a:endParaRPr lang="en-US" altLang="zh-CN"/>
-          </a:p>
-        </p:txBody>
-      </p:sp>
-      <p:sp>
-        <p:nvSpPr>
-          <p:cNvPr id="7" name="Content Placeholder 2">
-            <a:extLst>
-              <a:ext uri="{FF2B5EF4-FFF2-40B4-BE49-F238E27FC236}">
-                <a16:creationId xmlns:a16="http://schemas.microsoft.com/office/drawing/2014/main" id="{BFD3D47D-3713-8D41-9FE2-BA3F812357E7}"/>
-              </a:ext>
-            </a:extLst>
-          </p:cNvPr>
-          <p:cNvSpPr>
-            <a:spLocks noGrp="1"/>
-          </p:cNvSpPr>
-          <p:nvPr>
-            <p:ph idx="1"/>
-          </p:nvPr>
-        </p:nvSpPr>
-        <p:spPr>
-          <a:xfrm>
-            <a:off x="304800" y="1026792"/>
-            <a:ext cx="3886200" cy="2446824"/>
-          </a:xfrm>
-        </p:spPr>
-        <p:txBody>
-          <a:bodyPr/>
-          <a:lstStyle/>
-          <a:p>
-            <a:r>
-              <a:rPr lang="en-US" sz="1800" dirty="0"/>
-              <a:t>Define Sequence Number TLV for Probe Query and Response messages.</a:t>
-            </a:r>
-          </a:p>
-          <a:p>
-            <a:r>
-              <a:rPr lang="en-US" sz="1800" dirty="0"/>
-              <a:t>Useful when some probe query messages are lost, or they arrive out of order.</a:t>
-            </a:r>
-          </a:p>
-          <a:p>
-            <a:r>
-              <a:rPr lang="en-US" sz="1800" dirty="0"/>
-              <a:t>Used for authentication of probe messages.</a:t>
+          <a:p>
+            <a:pPr marL="0" marR="0" lvl="0" indent="0" algn="l" defTabSz="914400" rtl="0" eaLnBrk="0" fontAlgn="base" latinLnBrk="0" hangingPunct="0">
+              <a:lnSpc>
+                <a:spcPct val="100000"/>
+              </a:lnSpc>
+              <a:spcBef>
+                <a:spcPct val="0"/>
+              </a:spcBef>
+              <a:spcAft>
+                <a:spcPct val="0"/>
+              </a:spcAft>
+              <a:buClrTx/>
+              <a:buSzTx/>
+              <a:buFontTx/>
+              <a:buNone/>
+              <a:tabLst/>
+            </a:pPr>
+            <a:r>
+              <a:rPr kumimoji="0" lang="en-US" altLang="en-US" sz="800" u="none" strike="noStrike" cap="none" normalizeH="0" baseline="0" dirty="0">
+                <a:ln>
+                  <a:noFill/>
+                </a:ln>
+                <a:solidFill>
+                  <a:schemeClr val="tx1"/>
+                </a:solidFill>
+                <a:effectLst/>
+                <a:latin typeface="Courier" pitchFamily="2" charset="0"/>
+                <a:ea typeface="Times New Roman" panose="02020603050405020304" pitchFamily="18" charset="0"/>
+              </a:rPr>
+              <a:t>      Figure: Probe Response Message Using URO from Probe Query</a:t>
+            </a:r>
+            <a:r>
+              <a:rPr kumimoji="0" lang="en-US" altLang="en-US" sz="800" u="none" strike="noStrike" cap="none" normalizeH="0" baseline="0" dirty="0">
+                <a:ln>
+                  <a:noFill/>
+                </a:ln>
+                <a:solidFill>
+                  <a:schemeClr val="tx1"/>
+                </a:solidFill>
+                <a:effectLst/>
+                <a:latin typeface="Courier" pitchFamily="2" charset="0"/>
+              </a:rPr>
+              <a:t> </a:t>
             </a:r>
           </a:p>
         </p:txBody>
@@ -6287,7 +8402,7 @@
     </p:spTree>
     <p:extLst>
       <p:ext uri="{BB962C8B-B14F-4D97-AF65-F5344CB8AC3E}">
-        <p14:creationId xmlns:p14="http://schemas.microsoft.com/office/powerpoint/2010/main" val="822806869"/>
+        <p14:creationId xmlns:p14="http://schemas.microsoft.com/office/powerpoint/2010/main" val="295166020"/>
       </p:ext>
     </p:extLst>
   </p:cSld>
@@ -6326,6 +8441,668 @@
         </p:nvSpPr>
         <p:spPr>
           <a:xfrm>
+            <a:off x="457200" y="-26666"/>
+            <a:ext cx="8229600" cy="751969"/>
+          </a:xfrm>
+        </p:spPr>
+        <p:txBody>
+          <a:bodyPr/>
+          <a:lstStyle/>
+          <a:p>
+            <a:r>
+              <a:rPr lang="en-US" sz="3600" dirty="0">
+                <a:solidFill>
+                  <a:srgbClr val="0070C0"/>
+                </a:solidFill>
+                <a:latin typeface="Calibri Light" panose="020F0302020204030204" pitchFamily="34" charset="0"/>
+                <a:cs typeface="Calibri Light" panose="020F0302020204030204" pitchFamily="34" charset="0"/>
+              </a:rPr>
+              <a:t>Authenticated Mode</a:t>
+            </a:r>
+          </a:p>
+        </p:txBody>
+      </p:sp>
+      <p:sp>
+        <p:nvSpPr>
+          <p:cNvPr id="4" name="Footer Placeholder 3"/>
+          <p:cNvSpPr>
+            <a:spLocks noGrp="1"/>
+          </p:cNvSpPr>
+          <p:nvPr>
+            <p:ph type="ftr" sz="quarter" idx="11"/>
+          </p:nvPr>
+        </p:nvSpPr>
+        <p:spPr>
+          <a:xfrm>
+            <a:off x="3124200" y="4805098"/>
+            <a:ext cx="2895600" cy="357188"/>
+          </a:xfrm>
+        </p:spPr>
+        <p:txBody>
+          <a:bodyPr/>
+          <a:lstStyle/>
+          <a:p>
+            <a:pPr>
+              <a:defRPr/>
+            </a:pPr>
+            <a:r>
+              <a:rPr lang="en-US" altLang="zh-CN" dirty="0"/>
+              <a:t>108</a:t>
+            </a:r>
+            <a:r>
+              <a:rPr lang="en-US" altLang="zh-CN" baseline="30000" dirty="0"/>
+              <a:t>th</a:t>
+            </a:r>
+            <a:r>
+              <a:rPr lang="en-US" altLang="zh-CN" dirty="0"/>
+              <a:t> IETF @ Madrid</a:t>
+            </a:r>
+          </a:p>
+        </p:txBody>
+      </p:sp>
+      <p:sp>
+        <p:nvSpPr>
+          <p:cNvPr id="5" name="Rectangle 4"/>
+          <p:cNvSpPr/>
+          <p:nvPr/>
+        </p:nvSpPr>
+        <p:spPr>
+          <a:xfrm>
+            <a:off x="4229100" y="2267017"/>
+            <a:ext cx="4648200" cy="2446824"/>
+          </a:xfrm>
+          <a:prstGeom prst="rect">
+            <a:avLst/>
+          </a:prstGeom>
+          <a:solidFill>
+            <a:schemeClr val="bg1">
+              <a:lumMod val="95000"/>
+            </a:schemeClr>
+          </a:solidFill>
+        </p:spPr>
+        <p:txBody>
+          <a:bodyPr wrap="square">
+            <a:spAutoFit/>
+          </a:bodyPr>
+          <a:lstStyle/>
+          <a:p>
+            <a:pPr>
+              <a:spcAft>
+                <a:spcPts val="0"/>
+              </a:spcAft>
+            </a:pPr>
+            <a:r>
+              <a:rPr lang="en-US" sz="900" dirty="0">
+                <a:latin typeface="Courier" pitchFamily="2" charset="0"/>
+                <a:ea typeface="Courier" charset="0"/>
+                <a:cs typeface="Courier" charset="0"/>
+              </a:rPr>
+              <a:t>0                   1                   2                   3</a:t>
+            </a:r>
+          </a:p>
+          <a:p>
+            <a:pPr>
+              <a:spcAft>
+                <a:spcPts val="0"/>
+              </a:spcAft>
+            </a:pPr>
+            <a:r>
+              <a:rPr lang="en-US" sz="900" dirty="0">
+                <a:latin typeface="Courier" pitchFamily="2" charset="0"/>
+                <a:ea typeface="Courier" charset="0"/>
+                <a:cs typeface="Courier" charset="0"/>
+              </a:rPr>
+              <a:t>0 1 2 3 4 5 6 7 8 9 0 1 2 3 4 5 6 7 8 9 0 1 2 3 4 5 6 7 8 9 0 1</a:t>
+            </a:r>
+          </a:p>
+          <a:p>
+            <a:pPr>
+              <a:spcAft>
+                <a:spcPts val="0"/>
+              </a:spcAft>
+            </a:pPr>
+            <a:r>
+              <a:rPr lang="en-US" sz="900" dirty="0">
+                <a:latin typeface="Courier" pitchFamily="2" charset="0"/>
+                <a:ea typeface="Courier" charset="0"/>
+                <a:cs typeface="Courier" charset="0"/>
+              </a:rPr>
+              <a:t>+-+-+-+-+-+-+-+-+-+-+-+-+-+-+-+-+-+-+-+-+-+-+-+-+-+-+-+-+-+-+-+-+</a:t>
+            </a:r>
+          </a:p>
+          <a:p>
+            <a:pPr>
+              <a:spcAft>
+                <a:spcPts val="0"/>
+              </a:spcAft>
+            </a:pPr>
+            <a:r>
+              <a:rPr lang="en-US" sz="900" dirty="0">
+                <a:latin typeface="Courier" pitchFamily="2" charset="0"/>
+                <a:ea typeface="Courier" charset="0"/>
+                <a:cs typeface="Courier" charset="0"/>
+              </a:rPr>
+              <a:t>|   Type TBA4   |    Length     |      Reserved                 |</a:t>
+            </a:r>
+          </a:p>
+          <a:p>
+            <a:pPr>
+              <a:spcAft>
+                <a:spcPts val="0"/>
+              </a:spcAft>
+            </a:pPr>
+            <a:r>
+              <a:rPr lang="en-US" sz="900" dirty="0">
+                <a:latin typeface="Courier" pitchFamily="2" charset="0"/>
+                <a:ea typeface="Courier" charset="0"/>
+                <a:cs typeface="Courier" charset="0"/>
+              </a:rPr>
+              <a:t>+-+-+-+-+-+-+-+-+-+-+-+-+-+-+-+-+-+-+-+-+-+-+-+-+-+-+-+-+-+-+-+-+</a:t>
+            </a:r>
+          </a:p>
+          <a:p>
+            <a:pPr>
+              <a:spcAft>
+                <a:spcPts val="0"/>
+              </a:spcAft>
+            </a:pPr>
+            <a:r>
+              <a:rPr lang="en-US" sz="900" dirty="0">
+                <a:latin typeface="Courier" pitchFamily="2" charset="0"/>
+                <a:ea typeface="Courier" charset="0"/>
+                <a:cs typeface="Courier" charset="0"/>
+              </a:rPr>
+              <a:t>|                    Sequence Number                            |</a:t>
+            </a:r>
+          </a:p>
+          <a:p>
+            <a:pPr>
+              <a:spcAft>
+                <a:spcPts val="0"/>
+              </a:spcAft>
+            </a:pPr>
+            <a:r>
+              <a:rPr lang="en-US" sz="900" dirty="0">
+                <a:latin typeface="Courier" pitchFamily="2" charset="0"/>
+                <a:ea typeface="Courier" charset="0"/>
+                <a:cs typeface="Courier" charset="0"/>
+              </a:rPr>
+              <a:t>~                                                               ~</a:t>
+            </a:r>
+          </a:p>
+          <a:p>
+            <a:pPr>
+              <a:spcAft>
+                <a:spcPts val="0"/>
+              </a:spcAft>
+            </a:pPr>
+            <a:r>
+              <a:rPr lang="en-US" sz="900" dirty="0">
+                <a:latin typeface="Courier" pitchFamily="2" charset="0"/>
+                <a:ea typeface="Courier" charset="0"/>
+                <a:cs typeface="Courier" charset="0"/>
+              </a:rPr>
+              <a:t>+-+-+-+-+-+-+-+-+-+-+-+-+-+-+-+-+-+-+-+-+-+-+-+-+-+-+-+-+-+-+-+-+</a:t>
+            </a:r>
+          </a:p>
+          <a:p>
+            <a:pPr>
+              <a:spcAft>
+                <a:spcPts val="0"/>
+              </a:spcAft>
+            </a:pPr>
+            <a:r>
+              <a:rPr lang="en-US" sz="900" dirty="0">
+                <a:latin typeface="Courier" pitchFamily="2" charset="0"/>
+                <a:ea typeface="Courier" charset="0"/>
+                <a:cs typeface="Courier" charset="0"/>
+              </a:rPr>
+              <a:t>~                    </a:t>
+            </a:r>
+            <a:r>
+              <a:rPr lang="en-US" sz="900" dirty="0" err="1">
+                <a:latin typeface="Courier" pitchFamily="2" charset="0"/>
+                <a:ea typeface="Courier" charset="0"/>
+                <a:cs typeface="Courier" charset="0"/>
+              </a:rPr>
+              <a:t>Comp.MBZ</a:t>
+            </a:r>
+            <a:r>
+              <a:rPr lang="en-US" sz="900" dirty="0">
+                <a:latin typeface="Courier" pitchFamily="2" charset="0"/>
+                <a:ea typeface="Courier" charset="0"/>
+                <a:cs typeface="Courier" charset="0"/>
+              </a:rPr>
+              <a:t>                                   ~</a:t>
+            </a:r>
+          </a:p>
+          <a:p>
+            <a:pPr>
+              <a:spcAft>
+                <a:spcPts val="0"/>
+              </a:spcAft>
+            </a:pPr>
+            <a:r>
+              <a:rPr lang="en-US" sz="900" dirty="0">
+                <a:latin typeface="Courier" pitchFamily="2" charset="0"/>
+                <a:ea typeface="Courier" charset="0"/>
+                <a:cs typeface="Courier" charset="0"/>
+              </a:rPr>
+              <a:t>+-+-+-+-+-+-+-+-+-+-+-+-+-+-+-+-+-+-+-+-+-+-+-+-+-+-+-+-+-+-+-+-+</a:t>
+            </a:r>
+          </a:p>
+          <a:p>
+            <a:pPr>
+              <a:spcAft>
+                <a:spcPts val="0"/>
+              </a:spcAft>
+            </a:pPr>
+            <a:r>
+              <a:rPr lang="en-US" sz="900" dirty="0">
+                <a:latin typeface="Courier" pitchFamily="2" charset="0"/>
+                <a:ea typeface="Courier" charset="0"/>
+                <a:cs typeface="Courier" charset="0"/>
+              </a:rPr>
+              <a:t>|                    HMAC (16 octets)                           |</a:t>
+            </a:r>
+          </a:p>
+          <a:p>
+            <a:pPr>
+              <a:spcAft>
+                <a:spcPts val="0"/>
+              </a:spcAft>
+            </a:pPr>
+            <a:r>
+              <a:rPr lang="en-US" sz="900" dirty="0">
+                <a:latin typeface="Courier" pitchFamily="2" charset="0"/>
+                <a:ea typeface="Courier" charset="0"/>
+                <a:cs typeface="Courier" charset="0"/>
+              </a:rPr>
+              <a:t>|                                                               |</a:t>
+            </a:r>
+          </a:p>
+          <a:p>
+            <a:pPr>
+              <a:spcAft>
+                <a:spcPts val="0"/>
+              </a:spcAft>
+            </a:pPr>
+            <a:r>
+              <a:rPr lang="en-US" sz="900" dirty="0">
+                <a:latin typeface="Courier" pitchFamily="2" charset="0"/>
+                <a:ea typeface="Courier" charset="0"/>
+                <a:cs typeface="Courier" charset="0"/>
+              </a:rPr>
+              <a:t>|                                                               |</a:t>
+            </a:r>
+          </a:p>
+          <a:p>
+            <a:pPr>
+              <a:spcAft>
+                <a:spcPts val="0"/>
+              </a:spcAft>
+            </a:pPr>
+            <a:r>
+              <a:rPr lang="en-US" sz="900" dirty="0">
+                <a:latin typeface="Courier" pitchFamily="2" charset="0"/>
+                <a:ea typeface="Courier" charset="0"/>
+                <a:cs typeface="Courier" charset="0"/>
+              </a:rPr>
+              <a:t>|                                                               |</a:t>
+            </a:r>
+          </a:p>
+          <a:p>
+            <a:pPr>
+              <a:spcAft>
+                <a:spcPts val="0"/>
+              </a:spcAft>
+            </a:pPr>
+            <a:r>
+              <a:rPr lang="en-US" sz="900" dirty="0">
+                <a:latin typeface="Courier" pitchFamily="2" charset="0"/>
+                <a:ea typeface="Courier" charset="0"/>
+                <a:cs typeface="Courier" charset="0"/>
+              </a:rPr>
+              <a:t>+-+-+-+-+-+-+-+-+-+-+-+-+-+-+-+-+-+-+-+-+-+-+-+-+-+-+-+-+-+-+-+-+</a:t>
+            </a:r>
+          </a:p>
+          <a:p>
+            <a:pPr>
+              <a:spcAft>
+                <a:spcPts val="0"/>
+              </a:spcAft>
+            </a:pPr>
+            <a:r>
+              <a:rPr lang="en-US" sz="900" dirty="0">
+                <a:latin typeface="Courier" pitchFamily="2" charset="0"/>
+                <a:ea typeface="Courier" charset="0"/>
+                <a:cs typeface="Courier" charset="0"/>
+              </a:rPr>
+              <a:t> </a:t>
+            </a:r>
+          </a:p>
+          <a:p>
+            <a:pPr>
+              <a:spcAft>
+                <a:spcPts val="0"/>
+              </a:spcAft>
+            </a:pPr>
+            <a:r>
+              <a:rPr lang="en-US" sz="900" dirty="0">
+                <a:latin typeface="Courier" pitchFamily="2" charset="0"/>
+                <a:ea typeface="Courier" charset="0"/>
+                <a:cs typeface="Courier" charset="0"/>
+              </a:rPr>
+              <a:t>     Figure: Sequence Number TLV - Authenticated Mode</a:t>
+            </a:r>
+            <a:endParaRPr lang="en-US" sz="900" dirty="0">
+              <a:effectLst/>
+              <a:latin typeface="Courier" pitchFamily="2" charset="0"/>
+              <a:ea typeface="Courier" charset="0"/>
+              <a:cs typeface="Courier" charset="0"/>
+            </a:endParaRPr>
+          </a:p>
+        </p:txBody>
+      </p:sp>
+      <p:sp>
+        <p:nvSpPr>
+          <p:cNvPr id="6" name="Rectangle 5"/>
+          <p:cNvSpPr/>
+          <p:nvPr/>
+        </p:nvSpPr>
+        <p:spPr>
+          <a:xfrm>
+            <a:off x="4229100" y="736222"/>
+            <a:ext cx="4648200" cy="1477328"/>
+          </a:xfrm>
+          <a:prstGeom prst="rect">
+            <a:avLst/>
+          </a:prstGeom>
+          <a:solidFill>
+            <a:schemeClr val="bg1">
+              <a:lumMod val="95000"/>
+            </a:schemeClr>
+          </a:solidFill>
+        </p:spPr>
+        <p:txBody>
+          <a:bodyPr wrap="square">
+            <a:spAutoFit/>
+          </a:bodyPr>
+          <a:lstStyle/>
+          <a:p>
+            <a:pPr>
+              <a:spcAft>
+                <a:spcPts val="0"/>
+              </a:spcAft>
+            </a:pPr>
+            <a:r>
+              <a:rPr lang="en-US" sz="900" dirty="0">
+                <a:latin typeface="Courier" pitchFamily="2" charset="0"/>
+                <a:ea typeface="Courier" charset="0"/>
+                <a:cs typeface="Courier" charset="0"/>
+              </a:rPr>
+              <a:t>0                   1                   2                   3</a:t>
+            </a:r>
+          </a:p>
+          <a:p>
+            <a:pPr>
+              <a:spcAft>
+                <a:spcPts val="0"/>
+              </a:spcAft>
+            </a:pPr>
+            <a:r>
+              <a:rPr lang="en-US" sz="900" dirty="0">
+                <a:latin typeface="Courier" pitchFamily="2" charset="0"/>
+                <a:ea typeface="Courier" charset="0"/>
+                <a:cs typeface="Courier" charset="0"/>
+              </a:rPr>
+              <a:t>0 1 2 3 4 5 6 7 8 9 0 1 2 3 4 5 6 7 8 9 0 1 2 3 4 5 6 7 8 9 0 1</a:t>
+            </a:r>
+          </a:p>
+          <a:p>
+            <a:pPr>
+              <a:spcAft>
+                <a:spcPts val="0"/>
+              </a:spcAft>
+            </a:pPr>
+            <a:r>
+              <a:rPr lang="en-US" sz="900" dirty="0">
+                <a:latin typeface="Courier" pitchFamily="2" charset="0"/>
+                <a:ea typeface="Courier" charset="0"/>
+                <a:cs typeface="Courier" charset="0"/>
+              </a:rPr>
+              <a:t>+-+-+-+-+-+-+-+-+-+-+-+-+-+-+-+-+-+-+-+-+-+-+-+-+-+-+-+-+-+-+-+-+</a:t>
+            </a:r>
+          </a:p>
+          <a:p>
+            <a:pPr>
+              <a:spcAft>
+                <a:spcPts val="0"/>
+              </a:spcAft>
+            </a:pPr>
+            <a:r>
+              <a:rPr lang="en-US" sz="900" dirty="0">
+                <a:latin typeface="Courier" pitchFamily="2" charset="0"/>
+                <a:ea typeface="Courier" charset="0"/>
+                <a:cs typeface="Courier" charset="0"/>
+              </a:rPr>
+              <a:t>|   Type TBA3   |    Length     |      Reserved                 |</a:t>
+            </a:r>
+          </a:p>
+          <a:p>
+            <a:pPr>
+              <a:spcAft>
+                <a:spcPts val="0"/>
+              </a:spcAft>
+            </a:pPr>
+            <a:r>
+              <a:rPr lang="en-US" sz="900" dirty="0">
+                <a:latin typeface="Courier" pitchFamily="2" charset="0"/>
+                <a:ea typeface="Courier" charset="0"/>
+                <a:cs typeface="Courier" charset="0"/>
+              </a:rPr>
+              <a:t>+-+-+-+-+-+-+-+-+-+-+-+-+-+-+-+-+-+-+-+-+-+-+-+-+-+-+-+-+-+-+-+-+</a:t>
+            </a:r>
+          </a:p>
+          <a:p>
+            <a:pPr>
+              <a:spcAft>
+                <a:spcPts val="0"/>
+              </a:spcAft>
+            </a:pPr>
+            <a:r>
+              <a:rPr lang="en-US" sz="900" dirty="0">
+                <a:latin typeface="Courier" pitchFamily="2" charset="0"/>
+                <a:ea typeface="Courier" charset="0"/>
+                <a:cs typeface="Courier" charset="0"/>
+              </a:rPr>
+              <a:t>|                    Sequence Number                            |</a:t>
+            </a:r>
+          </a:p>
+          <a:p>
+            <a:pPr>
+              <a:spcAft>
+                <a:spcPts val="0"/>
+              </a:spcAft>
+            </a:pPr>
+            <a:r>
+              <a:rPr lang="en-US" sz="900" dirty="0">
+                <a:latin typeface="Courier" pitchFamily="2" charset="0"/>
+                <a:ea typeface="Courier" charset="0"/>
+                <a:cs typeface="Courier" charset="0"/>
+              </a:rPr>
+              <a:t>~                                                               ~</a:t>
+            </a:r>
+          </a:p>
+          <a:p>
+            <a:pPr>
+              <a:spcAft>
+                <a:spcPts val="0"/>
+              </a:spcAft>
+            </a:pPr>
+            <a:r>
+              <a:rPr lang="en-US" sz="900" dirty="0">
+                <a:latin typeface="Courier" pitchFamily="2" charset="0"/>
+                <a:ea typeface="Courier" charset="0"/>
+                <a:cs typeface="Courier" charset="0"/>
+              </a:rPr>
+              <a:t>+-+-+-+-+-+-+-+-+-+-+-+-+-+-+-+-+-+-+-+-+-+-+-+-+-+-+-+-+-+-+-+-+</a:t>
+            </a:r>
+          </a:p>
+          <a:p>
+            <a:pPr>
+              <a:spcAft>
+                <a:spcPts val="0"/>
+              </a:spcAft>
+            </a:pPr>
+            <a:r>
+              <a:rPr lang="en-US" sz="900" dirty="0">
+                <a:latin typeface="Courier" pitchFamily="2" charset="0"/>
+                <a:ea typeface="Courier" charset="0"/>
+                <a:cs typeface="Courier" charset="0"/>
+              </a:rPr>
+              <a:t> </a:t>
+            </a:r>
+          </a:p>
+          <a:p>
+            <a:pPr>
+              <a:spcAft>
+                <a:spcPts val="0"/>
+              </a:spcAft>
+            </a:pPr>
+            <a:r>
+              <a:rPr lang="en-US" sz="900" dirty="0">
+                <a:latin typeface="Courier" pitchFamily="2" charset="0"/>
+                <a:ea typeface="Courier" charset="0"/>
+                <a:cs typeface="Courier" charset="0"/>
+              </a:rPr>
+              <a:t>     Figure: Sequence Number TLV - Unauthenticated Mode</a:t>
+            </a:r>
+            <a:endParaRPr lang="en-US" sz="900" dirty="0">
+              <a:effectLst/>
+              <a:latin typeface="Courier" pitchFamily="2" charset="0"/>
+              <a:ea typeface="Courier" charset="0"/>
+              <a:cs typeface="Courier" charset="0"/>
+            </a:endParaRPr>
+          </a:p>
+        </p:txBody>
+      </p:sp>
+      <p:sp>
+        <p:nvSpPr>
+          <p:cNvPr id="3" name="Slide Number Placeholder 2"/>
+          <p:cNvSpPr>
+            <a:spLocks noGrp="1"/>
+          </p:cNvSpPr>
+          <p:nvPr>
+            <p:ph type="sldNum" sz="quarter" idx="12"/>
+          </p:nvPr>
+        </p:nvSpPr>
+        <p:spPr/>
+        <p:txBody>
+          <a:bodyPr/>
+          <a:lstStyle/>
+          <a:p>
+            <a:pPr>
+              <a:defRPr/>
+            </a:pPr>
+            <a:fld id="{BD6E0F59-1DD8-40FC-9C92-B6295CBA6CCA}" type="slidenum">
+              <a:rPr lang="en-US" altLang="zh-CN" smtClean="0"/>
+              <a:pPr>
+                <a:defRPr/>
+              </a:pPr>
+              <a:t>12</a:t>
+            </a:fld>
+            <a:endParaRPr lang="en-US" altLang="zh-CN"/>
+          </a:p>
+        </p:txBody>
+      </p:sp>
+      <p:sp>
+        <p:nvSpPr>
+          <p:cNvPr id="7" name="Content Placeholder 2">
+            <a:extLst>
+              <a:ext uri="{FF2B5EF4-FFF2-40B4-BE49-F238E27FC236}">
+                <a16:creationId xmlns:a16="http://schemas.microsoft.com/office/drawing/2014/main" id="{BFD3D47D-3713-8D41-9FE2-BA3F812357E7}"/>
+              </a:ext>
+            </a:extLst>
+          </p:cNvPr>
+          <p:cNvSpPr>
+            <a:spLocks noGrp="1"/>
+          </p:cNvSpPr>
+          <p:nvPr>
+            <p:ph idx="1"/>
+          </p:nvPr>
+        </p:nvSpPr>
+        <p:spPr>
+          <a:xfrm>
+            <a:off x="304800" y="1026792"/>
+            <a:ext cx="3886200" cy="2446824"/>
+          </a:xfrm>
+        </p:spPr>
+        <p:txBody>
+          <a:bodyPr/>
+          <a:lstStyle/>
+          <a:p>
+            <a:r>
+              <a:rPr lang="en-US" sz="1800" dirty="0"/>
+              <a:t>Define Sequence Number TLV for Probe Query and Response messages.</a:t>
+            </a:r>
+          </a:p>
+          <a:p>
+            <a:r>
+              <a:rPr lang="en-US" sz="1800" dirty="0"/>
+              <a:t>Useful when some probe query messages are lost, or they arrive out of order.</a:t>
+            </a:r>
+          </a:p>
+          <a:p>
+            <a:r>
+              <a:rPr lang="en-US" sz="1800" dirty="0"/>
+              <a:t>Used for authentication of probe messages.</a:t>
+            </a:r>
+          </a:p>
+        </p:txBody>
+      </p:sp>
+    </p:spTree>
+    <p:extLst>
+      <p:ext uri="{BB962C8B-B14F-4D97-AF65-F5344CB8AC3E}">
+        <p14:creationId xmlns:p14="http://schemas.microsoft.com/office/powerpoint/2010/main" val="822806869"/>
+      </p:ext>
+    </p:extLst>
+  </p:cSld>
+  <p:clrMapOvr>
+    <a:masterClrMapping/>
+  </p:clrMapOvr>
+</p:sld>
+</file>
+
+<file path=ppt/slides/slide13.xml><?xml version="1.0" encoding="utf-8"?>
+<p:sld xmlns:a="http://schemas.openxmlformats.org/drawingml/2006/main" xmlns:r="http://schemas.openxmlformats.org/officeDocument/2006/relationships" xmlns:p="http://schemas.openxmlformats.org/presentationml/2006/main">
+  <p:cSld>
+    <p:spTree>
+      <p:nvGrpSpPr>
+        <p:cNvPr id="1" name=""/>
+        <p:cNvGrpSpPr/>
+        <p:nvPr/>
+      </p:nvGrpSpPr>
+      <p:grpSpPr>
+        <a:xfrm>
+          <a:off x="0" y="0"/>
+          <a:ext cx="0" cy="0"/>
+          <a:chOff x="0" y="0"/>
+          <a:chExt cx="0" cy="0"/>
+        </a:xfrm>
+      </p:grpSpPr>
+      <p:sp>
+        <p:nvSpPr>
+          <p:cNvPr id="2" name="Title 1"/>
+          <p:cNvSpPr>
+            <a:spLocks noGrp="1"/>
+          </p:cNvSpPr>
+          <p:nvPr>
+            <p:ph type="title"/>
+          </p:nvPr>
+        </p:nvSpPr>
+        <p:spPr>
+          <a:xfrm>
             <a:off x="457200" y="0"/>
             <a:ext cx="8229600" cy="857250"/>
           </a:xfrm>
@@ -6461,7 +9238,7 @@
             </a:pPr>
             <a:r>
               <a:rPr lang="en-US" sz="1800" dirty="0"/>
-              <a:t>Destination addresses in IPv6 header (e.g. FFFF:7F00/104)</a:t>
+              <a:t>Destination addresses in IPv6 header (e.g. FFFF:127/104)</a:t>
             </a:r>
           </a:p>
           <a:p>
@@ -6541,7 +9318,7 @@
               <a:pPr>
                 <a:defRPr/>
               </a:pPr>
-              <a:t>12</a:t>
+              <a:t>13</a:t>
             </a:fld>
             <a:endParaRPr lang="en-US" altLang="zh-CN"/>
           </a:p>
@@ -6560,7 +9337,7 @@
 </p:sld>
 </file>
 
-<file path=ppt/slides/slide13.xml><?xml version="1.0" encoding="utf-8"?>
+<file path=ppt/slides/slide14.xml><?xml version="1.0" encoding="utf-8"?>
 <p:sld xmlns:a="http://schemas.openxmlformats.org/drawingml/2006/main" xmlns:r="http://schemas.openxmlformats.org/officeDocument/2006/relationships" xmlns:p="http://schemas.openxmlformats.org/presentationml/2006/main">
   <p:cSld>
     <p:spTree>
@@ -7324,7 +10101,7 @@
         <p:spPr>
           <a:xfrm>
             <a:off x="533400" y="907315"/>
-            <a:ext cx="8229600" cy="3264635"/>
+            <a:ext cx="8229600" cy="3112235"/>
           </a:xfrm>
         </p:spPr>
         <p:txBody>
@@ -7340,7 +10117,7 @@
               </a:spcAft>
             </a:pPr>
             <a:r>
-              <a:rPr lang="en-US" sz="1600" dirty="0"/>
+              <a:rPr lang="en-US" sz="1400" dirty="0"/>
               <a:t>Mar 2018</a:t>
             </a:r>
           </a:p>
@@ -7354,14 +10131,14 @@
               </a:spcAft>
             </a:pPr>
             <a:r>
-              <a:rPr lang="en-US" sz="1600" dirty="0"/>
+              <a:rPr lang="en-US" sz="1400" dirty="0"/>
               <a:t>Draft was published </a:t>
             </a:r>
             <a:r>
-              <a:rPr lang="en-CA" sz="1600" i="1" dirty="0"/>
+              <a:rPr lang="en-CA" sz="1400" i="1" dirty="0"/>
               <a:t>draft-gandhi-spring-udp-pm-00</a:t>
             </a:r>
-            <a:endParaRPr lang="en-US" sz="1600" i="1" dirty="0"/>
+            <a:endParaRPr lang="en-US" sz="1400" i="1" dirty="0"/>
           </a:p>
           <a:p>
             <a:pPr>
@@ -7373,7 +10150,7 @@
               </a:spcAft>
             </a:pPr>
             <a:r>
-              <a:rPr lang="en-US" sz="1600" dirty="0"/>
+              <a:rPr lang="en-US" sz="1400" dirty="0"/>
               <a:t>July 2018</a:t>
             </a:r>
           </a:p>
@@ -7387,18 +10164,18 @@
               </a:spcAft>
             </a:pPr>
             <a:r>
-              <a:rPr lang="en-US" sz="1600" dirty="0"/>
+              <a:rPr lang="en-US" sz="1400" dirty="0"/>
               <a:t>Presented </a:t>
             </a:r>
             <a:r>
-              <a:rPr lang="en-CA" sz="1600" i="1" dirty="0"/>
+              <a:rPr lang="en-CA" sz="1400" i="1" dirty="0"/>
               <a:t>draft-gandhi-spring-udp-pm-01 </a:t>
             </a:r>
             <a:r>
-              <a:rPr lang="en-CA" sz="1600" dirty="0"/>
+              <a:rPr lang="en-CA" sz="1400" dirty="0"/>
               <a:t>at IETF 102 Montreal in SPRING WG</a:t>
             </a:r>
-            <a:endParaRPr lang="en-US" sz="1600" dirty="0"/>
+            <a:endParaRPr lang="en-US" sz="1400" dirty="0"/>
           </a:p>
           <a:p>
             <a:pPr>
@@ -7410,7 +10187,7 @@
               </a:spcAft>
             </a:pPr>
             <a:r>
-              <a:rPr lang="en-US" sz="1600" dirty="0"/>
+              <a:rPr lang="en-US" sz="1400" dirty="0"/>
               <a:t>Nov 2018</a:t>
             </a:r>
           </a:p>
@@ -7424,15 +10201,15 @@
               </a:spcAft>
             </a:pPr>
             <a:r>
-              <a:rPr lang="en-US" sz="1600" dirty="0"/>
+              <a:rPr lang="en-US" sz="1400" dirty="0"/>
               <a:t>Presented </a:t>
             </a:r>
             <a:r>
-              <a:rPr lang="en-CA" sz="1600" i="1" dirty="0"/>
+              <a:rPr lang="en-CA" sz="1400" i="1" dirty="0"/>
               <a:t>draft-gandhi-spring-udp-pm-02 </a:t>
             </a:r>
             <a:r>
-              <a:rPr lang="en-US" sz="1600" dirty="0"/>
+              <a:rPr lang="en-US" sz="1400" dirty="0"/>
               <a:t>at IETF 103 Bangkok in SPRING and IPPM WGs</a:t>
             </a:r>
           </a:p>
@@ -7446,7 +10223,7 @@
               </a:spcAft>
             </a:pPr>
             <a:r>
-              <a:rPr lang="en-US" sz="1600" dirty="0"/>
+              <a:rPr lang="en-US" sz="1400" dirty="0"/>
               <a:t>Feb 14, 2019</a:t>
             </a:r>
           </a:p>
@@ -7460,14 +10237,14 @@
               </a:spcAft>
             </a:pPr>
             <a:r>
-              <a:rPr lang="en-US" sz="1600" dirty="0"/>
+              <a:rPr lang="en-US" sz="1400" dirty="0"/>
               <a:t>Draft was renamed to </a:t>
             </a:r>
             <a:r>
-              <a:rPr lang="en-CA" sz="1600" i="1" dirty="0"/>
+              <a:rPr lang="en-CA" sz="1400" i="1" dirty="0"/>
               <a:t>draft-gandhi-spring-rfc6374-srpm-udp-00</a:t>
             </a:r>
-            <a:endParaRPr lang="en-US" sz="1600" i="1" dirty="0"/>
+            <a:endParaRPr lang="en-US" sz="1400" i="1" dirty="0"/>
           </a:p>
           <a:p>
             <a:pPr>
@@ -7479,7 +10256,7 @@
               </a:spcAft>
             </a:pPr>
             <a:r>
-              <a:rPr lang="en-US" sz="1600" dirty="0"/>
+              <a:rPr lang="en-US" sz="1400" dirty="0"/>
               <a:t>Mar 2019</a:t>
             </a:r>
           </a:p>
@@ -7493,15 +10270,15 @@
               </a:spcAft>
             </a:pPr>
             <a:r>
-              <a:rPr lang="en-US" sz="1600" dirty="0"/>
+              <a:rPr lang="en-US" sz="1400" dirty="0"/>
               <a:t>Presented </a:t>
             </a:r>
             <a:r>
-              <a:rPr lang="en-CA" sz="1600" i="1" dirty="0"/>
+              <a:rPr lang="en-CA" sz="1400" i="1" dirty="0"/>
               <a:t>draft-gandhi-spring-rfc6374-srpm-udp-00</a:t>
             </a:r>
             <a:r>
-              <a:rPr lang="en-US" sz="1600" dirty="0"/>
+              <a:rPr lang="en-US" sz="1400" dirty="0"/>
               <a:t> at IETF 104 Prague in SPRING WG</a:t>
             </a:r>
           </a:p>
@@ -7514,7 +10291,7 @@
                 <a:spcPts val="0"/>
               </a:spcAft>
             </a:pPr>
-            <a:endParaRPr lang="en-US" sz="1600" dirty="0"/>
+            <a:endParaRPr lang="en-US" sz="1400" dirty="0"/>
           </a:p>
         </p:txBody>
       </p:sp>
@@ -8789,8 +11566,8 @@
         </p:nvSpPr>
         <p:spPr>
           <a:xfrm>
-            <a:off x="304800" y="882346"/>
-            <a:ext cx="8458200" cy="1451056"/>
+            <a:off x="457200" y="897337"/>
+            <a:ext cx="8343900" cy="1451056"/>
           </a:xfrm>
         </p:spPr>
         <p:txBody>
@@ -8798,224 +11575,30 @@
           <a:lstStyle/>
           <a:p>
             <a:r>
-              <a:rPr lang="en-US" sz="1600" dirty="0"/>
+              <a:rPr lang="en-US" sz="1400" dirty="0"/>
               <a:t>IP/UDP path is defined for PM probe query messages for delay and loss measurements for SR links and end-to-end P2P and P2MP SR Paths.</a:t>
             </a:r>
           </a:p>
           <a:p>
             <a:r>
-              <a:rPr lang="en-US" sz="1600" dirty="0"/>
-              <a:t>For </a:t>
-            </a:r>
-            <a:r>
-              <a:rPr lang="en-US" sz="1600" b="1" dirty="0"/>
-              <a:t>end-to-end </a:t>
-            </a:r>
-            <a:r>
-              <a:rPr lang="en-US" sz="1600" dirty="0"/>
-              <a:t>performance measurement, the probe query messages are sent with MPLS label stack SR-MPLS Policies and SRH with SID list for SRv6 Policies.</a:t>
-            </a:r>
-          </a:p>
-        </p:txBody>
-      </p:sp>
-      <p:sp>
-        <p:nvSpPr>
-          <p:cNvPr id="8" name="Content Placeholder 2"/>
-          <p:cNvSpPr txBox="1">
-            <a:spLocks/>
-          </p:cNvSpPr>
-          <p:nvPr/>
-        </p:nvSpPr>
-        <p:spPr bwMode="auto">
-          <a:xfrm>
-            <a:off x="321072" y="2333402"/>
-            <a:ext cx="3505200" cy="2133600"/>
-          </a:xfrm>
-          <a:prstGeom prst="rect">
-            <a:avLst/>
-          </a:prstGeom>
-          <a:noFill/>
-          <a:ln w="9525">
-            <a:noFill/>
-            <a:miter lim="800000"/>
-            <a:headEnd/>
-            <a:tailEnd/>
-          </a:ln>
-        </p:spPr>
-        <p:txBody>
-          <a:bodyPr vert="horz" wrap="square" lIns="91440" tIns="45720" rIns="91440" bIns="45720" numCol="1" anchor="t" anchorCtr="0" compatLnSpc="1">
-            <a:prstTxWarp prst="textNoShape">
-              <a:avLst/>
-            </a:prstTxWarp>
-          </a:bodyPr>
-          <a:lstStyle>
-            <a:lvl1pPr marL="342900" indent="-342900" algn="l" rtl="0" eaLnBrk="0" fontAlgn="base" hangingPunct="0">
-              <a:spcBef>
-                <a:spcPct val="20000"/>
-              </a:spcBef>
-              <a:spcAft>
-                <a:spcPct val="0"/>
-              </a:spcAft>
-              <a:buChar char="•"/>
-              <a:defRPr sz="3200">
-                <a:solidFill>
-                  <a:schemeClr val="tx1"/>
-                </a:solidFill>
-                <a:latin typeface="Calibri" charset="0"/>
-                <a:ea typeface="Calibri" charset="0"/>
-                <a:cs typeface="Calibri" charset="0"/>
-              </a:defRPr>
-            </a:lvl1pPr>
-            <a:lvl2pPr marL="742950" indent="-285750" algn="l" rtl="0" eaLnBrk="0" fontAlgn="base" hangingPunct="0">
-              <a:spcBef>
-                <a:spcPct val="20000"/>
-              </a:spcBef>
-              <a:spcAft>
-                <a:spcPct val="0"/>
-              </a:spcAft>
-              <a:buChar char="–"/>
-              <a:defRPr sz="2800">
-                <a:solidFill>
-                  <a:schemeClr val="tx1"/>
-                </a:solidFill>
-                <a:latin typeface="Calibri" charset="0"/>
-                <a:ea typeface="Calibri" charset="0"/>
-                <a:cs typeface="Calibri" charset="0"/>
-              </a:defRPr>
-            </a:lvl2pPr>
-            <a:lvl3pPr marL="1143000" indent="-228600" algn="l" rtl="0" eaLnBrk="0" fontAlgn="base" hangingPunct="0">
-              <a:spcBef>
-                <a:spcPct val="20000"/>
-              </a:spcBef>
-              <a:spcAft>
-                <a:spcPct val="0"/>
-              </a:spcAft>
-              <a:buChar char="•"/>
-              <a:defRPr sz="2400">
-                <a:solidFill>
-                  <a:schemeClr val="tx1"/>
-                </a:solidFill>
-                <a:latin typeface="Calibri" charset="0"/>
-                <a:ea typeface="Calibri" charset="0"/>
-                <a:cs typeface="Calibri" charset="0"/>
-              </a:defRPr>
-            </a:lvl3pPr>
-            <a:lvl4pPr marL="1600200" indent="-228600" algn="l" rtl="0" eaLnBrk="0" fontAlgn="base" hangingPunct="0">
-              <a:spcBef>
-                <a:spcPct val="20000"/>
-              </a:spcBef>
-              <a:spcAft>
-                <a:spcPct val="0"/>
-              </a:spcAft>
-              <a:buChar char="–"/>
-              <a:defRPr sz="2000">
-                <a:solidFill>
-                  <a:schemeClr val="tx1"/>
-                </a:solidFill>
-                <a:latin typeface="Calibri" charset="0"/>
-                <a:ea typeface="Calibri" charset="0"/>
-                <a:cs typeface="Calibri" charset="0"/>
-              </a:defRPr>
-            </a:lvl4pPr>
-            <a:lvl5pPr marL="2057400" indent="-228600" algn="l" rtl="0" eaLnBrk="0" fontAlgn="base" hangingPunct="0">
-              <a:spcBef>
-                <a:spcPct val="20000"/>
-              </a:spcBef>
-              <a:spcAft>
-                <a:spcPct val="0"/>
-              </a:spcAft>
-              <a:buChar char="»"/>
-              <a:defRPr sz="2000">
-                <a:solidFill>
-                  <a:schemeClr val="tx1"/>
-                </a:solidFill>
-                <a:latin typeface="Calibri" charset="0"/>
-                <a:ea typeface="Calibri" charset="0"/>
-                <a:cs typeface="Calibri" charset="0"/>
-              </a:defRPr>
-            </a:lvl5pPr>
-            <a:lvl6pPr marL="2514600" indent="-228600" algn="l" rtl="0" fontAlgn="base">
-              <a:spcBef>
-                <a:spcPct val="20000"/>
-              </a:spcBef>
-              <a:spcAft>
-                <a:spcPct val="0"/>
-              </a:spcAft>
-              <a:buChar char="»"/>
-              <a:defRPr sz="2000">
-                <a:solidFill>
-                  <a:schemeClr val="tx1"/>
-                </a:solidFill>
-                <a:latin typeface="+mn-lt"/>
-                <a:ea typeface="+mn-ea"/>
-              </a:defRPr>
-            </a:lvl6pPr>
-            <a:lvl7pPr marL="2971800" indent="-228600" algn="l" rtl="0" fontAlgn="base">
-              <a:spcBef>
-                <a:spcPct val="20000"/>
-              </a:spcBef>
-              <a:spcAft>
-                <a:spcPct val="0"/>
-              </a:spcAft>
-              <a:buChar char="»"/>
-              <a:defRPr sz="2000">
-                <a:solidFill>
-                  <a:schemeClr val="tx1"/>
-                </a:solidFill>
-                <a:latin typeface="+mn-lt"/>
-                <a:ea typeface="+mn-ea"/>
-              </a:defRPr>
-            </a:lvl7pPr>
-            <a:lvl8pPr marL="3429000" indent="-228600" algn="l" rtl="0" fontAlgn="base">
-              <a:spcBef>
-                <a:spcPct val="20000"/>
-              </a:spcBef>
-              <a:spcAft>
-                <a:spcPct val="0"/>
-              </a:spcAft>
-              <a:buChar char="»"/>
-              <a:defRPr sz="2000">
-                <a:solidFill>
-                  <a:schemeClr val="tx1"/>
-                </a:solidFill>
-                <a:latin typeface="+mn-lt"/>
-                <a:ea typeface="+mn-ea"/>
-              </a:defRPr>
-            </a:lvl8pPr>
-            <a:lvl9pPr marL="3886200" indent="-228600" algn="l" rtl="0" fontAlgn="base">
-              <a:spcBef>
-                <a:spcPct val="20000"/>
-              </a:spcBef>
-              <a:spcAft>
-                <a:spcPct val="0"/>
-              </a:spcAft>
-              <a:buChar char="»"/>
-              <a:defRPr sz="2000">
-                <a:solidFill>
-                  <a:schemeClr val="tx1"/>
-                </a:solidFill>
-                <a:latin typeface="+mn-lt"/>
-                <a:ea typeface="+mn-ea"/>
-              </a:defRPr>
-            </a:lvl9pPr>
-          </a:lstStyle>
-          <a:p>
-            <a:r>
-              <a:rPr lang="en-US" sz="1600" kern="0" dirty="0"/>
+              <a:rPr lang="en-US" sz="1400" dirty="0"/>
               <a:t>Payload contains [RFC6374] defined message for DM or LM.</a:t>
             </a:r>
           </a:p>
           <a:p>
             <a:r>
-              <a:rPr lang="en-US" sz="1600" kern="0" dirty="0"/>
+              <a:rPr lang="en-US" sz="1400" dirty="0"/>
               <a:t>User-configured UDP port TBA1 is used for identifying DM probe packets.</a:t>
             </a:r>
           </a:p>
           <a:p>
             <a:r>
-              <a:rPr lang="en-US" sz="1600" kern="0" dirty="0"/>
+              <a:rPr lang="en-US" sz="1400" dirty="0"/>
               <a:t>User-configured UDP port IANA-TBD2 is used for identifying LM probe packets.</a:t>
             </a:r>
+          </a:p>
+          <a:p>
+            <a:endParaRPr lang="en-US" sz="1400" dirty="0"/>
           </a:p>
         </p:txBody>
       </p:sp>
@@ -9033,16 +11616,15 @@
         </p:nvSpPr>
         <p:spPr>
           <a:xfrm>
-            <a:off x="4038600" y="2203312"/>
-            <a:ext cx="4953000" cy="2308324"/>
+            <a:off x="2209800" y="2432244"/>
+            <a:ext cx="5029200" cy="2169825"/>
           </a:xfrm>
           <a:prstGeom prst="rect">
             <a:avLst/>
           </a:prstGeom>
           <a:solidFill>
-            <a:schemeClr val="accent6">
-              <a:lumMod val="20000"/>
-              <a:lumOff val="80000"/>
+            <a:schemeClr val="bg1">
+              <a:lumMod val="95000"/>
             </a:schemeClr>
           </a:solidFill>
         </p:spPr>
@@ -9537,7 +12119,7 @@
                 <a:ea typeface="Times New Roman" panose="02020603050405020304" pitchFamily="18" charset="0"/>
                 <a:cs typeface="Times New Roman" panose="02020603050405020304" pitchFamily="18" charset="0"/>
               </a:rPr>
-              <a:t>    | Payload = Message as specified in RFC 6374 for DM and LM.     |</a:t>
+              <a:t>    | Payload = Message as specified in RFC 6374 for DM and LM      |</a:t>
             </a:r>
             <a:endParaRPr lang="en-CA" sz="900" dirty="0">
               <a:latin typeface="Courier" pitchFamily="2" charset="0"/>
@@ -9619,24 +12201,6 @@
               <a:latin typeface="Courier" pitchFamily="2" charset="0"/>
               <a:ea typeface="Calibri" panose="020F0502020204030204" pitchFamily="34" charset="0"/>
               <a:cs typeface="Times New Roman" panose="02020603050405020304" pitchFamily="18" charset="0"/>
-            </a:endParaRPr>
-          </a:p>
-          <a:p>
-            <a:pPr>
-              <a:spcAft>
-                <a:spcPts val="0"/>
-              </a:spcAft>
-            </a:pPr>
-            <a:r>
-              <a:rPr lang="en-CA" sz="900" dirty="0">
-                <a:latin typeface="Courier" pitchFamily="2" charset="0"/>
-                <a:ea typeface="Calibri" panose="020F0502020204030204" pitchFamily="34" charset="0"/>
-                <a:cs typeface="Times New Roman" panose="02020603050405020304" pitchFamily="18" charset="0"/>
-              </a:rPr>
-              <a:t> </a:t>
-            </a:r>
-            <a:endParaRPr lang="en-US" sz="900" dirty="0">
-              <a:latin typeface="Courier" pitchFamily="2" charset="0"/>
             </a:endParaRPr>
           </a:p>
         </p:txBody>

--- a/draft-gandhi-spring-rfc6374-srpm-udp-3.pptx
+++ b/draft-gandhi-spring-rfc6374-srpm-udp-3.pptx
@@ -5512,7 +5512,7 @@
         </p:nvSpPr>
         <p:spPr>
           <a:xfrm>
-            <a:off x="4169569" y="102581"/>
+            <a:off x="4169569" y="57150"/>
             <a:ext cx="4136231" cy="2062103"/>
           </a:xfrm>
           <a:prstGeom prst="rect">
@@ -5687,7 +5687,7 @@
                 <a:ea typeface="Courier" charset="0"/>
                 <a:cs typeface="Courier" charset="0"/>
               </a:rPr>
-              <a:t>         Figure: Probe Query Message for SR-MPLS Policy</a:t>
+              <a:t>     Figure: Example Probe Query Message for SR-MPLS Policy</a:t>
             </a:r>
           </a:p>
         </p:txBody>
@@ -5963,8 +5963,8 @@
         </p:nvSpPr>
         <p:spPr>
           <a:xfrm>
-            <a:off x="4169568" y="2240152"/>
-            <a:ext cx="4136231" cy="2800767"/>
+            <a:off x="4169568" y="2191762"/>
+            <a:ext cx="4136231" cy="3046988"/>
           </a:xfrm>
           <a:prstGeom prst="rect">
             <a:avLst/>
@@ -6068,6 +6068,24 @@
               </a:spcAft>
             </a:pPr>
             <a:r>
+              <a:rPr lang="en-CA" sz="800" dirty="0">
+                <a:latin typeface="Courier" pitchFamily="2" charset="0"/>
+              </a:rPr>
+              <a:t>.  Next Header = 43 (Routing Header)                            .</a:t>
+            </a:r>
+            <a:endParaRPr lang="en-US" sz="800" dirty="0">
+              <a:latin typeface="Courier" pitchFamily="2" charset="0"/>
+              <a:ea typeface="Courier" charset="0"/>
+              <a:cs typeface="Courier" charset="0"/>
+            </a:endParaRPr>
+          </a:p>
+          <a:p>
+            <a:pPr>
+              <a:spcAft>
+                <a:spcPts val="0"/>
+              </a:spcAft>
+            </a:pPr>
+            <a:r>
               <a:rPr lang="en-US" sz="800" dirty="0">
                 <a:latin typeface="Courier" pitchFamily="2" charset="0"/>
                 <a:ea typeface="Courier" charset="0"/>
@@ -6108,7 +6126,15 @@
                 <a:ea typeface="Courier" charset="0"/>
                 <a:cs typeface="Courier" charset="0"/>
               </a:rPr>
-              <a:t>. &lt;SID List&gt;                                                    .</a:t>
+              <a:t>.  &lt;SID List&gt;                                                   .</a:t>
+            </a:r>
+          </a:p>
+          <a:p>
+            <a:r>
+              <a:rPr lang="en-CA" sz="800" dirty="0">
+                <a:latin typeface="Courier" pitchFamily="2" charset="0"/>
+              </a:rPr>
+              <a:t>.  Next Header = 17 (UDP)                                       .</a:t>
             </a:r>
           </a:p>
           <a:p>
@@ -6272,7 +6298,7 @@
                 <a:ea typeface="Courier" charset="0"/>
                 <a:cs typeface="Courier" charset="0"/>
               </a:rPr>
-              <a:t>          Figure: Probe Query Message for SRv6 Policy</a:t>
+              <a:t>       Figure: Example Probe Query Message for SRv6 Policy</a:t>
             </a:r>
           </a:p>
         </p:txBody>

--- a/draft-gandhi-spring-rfc6374-srpm-udp-3.pptx
+++ b/draft-gandhi-spring-rfc6374-srpm-udp-3.pptx
@@ -257,7 +257,7 @@
           <a:p>
             <a:fld id="{E8FA3DB5-7722-3F4F-947D-12B203669AD7}" type="datetimeFigureOut">
               <a:rPr lang="en-US" smtClean="0"/>
-              <a:t>4/16/20</a:t>
+              <a:t>4/21/20</a:t>
             </a:fld>
             <a:endParaRPr lang="en-US"/>
           </a:p>
@@ -9208,7 +9208,7 @@
             </a:pPr>
             <a:r>
               <a:rPr lang="en-US" sz="1800" dirty="0"/>
-              <a:t>Existing forwarding mechanisms are applicable to PM probe messages:</a:t>
+              <a:t>Existing forwarding mechanisms are applicable to PM probe messages. Examples are:</a:t>
             </a:r>
           </a:p>
           <a:p>
@@ -9251,20 +9251,6 @@
             <a:r>
               <a:rPr lang="en-US" sz="1800" dirty="0"/>
               <a:t>For IPv6</a:t>
-            </a:r>
-          </a:p>
-          <a:p>
-            <a:pPr lvl="2">
-              <a:lnSpc>
-                <a:spcPts val="2280"/>
-              </a:lnSpc>
-              <a:spcBef>
-                <a:spcPts val="0"/>
-              </a:spcBef>
-            </a:pPr>
-            <a:r>
-              <a:rPr lang="en-US" sz="1800" dirty="0"/>
-              <a:t>Destination addresses in IPv6 header (e.g. FFFF:127/104)</a:t>
             </a:r>
           </a:p>
           <a:p>

--- a/draft-gandhi-spring-rfc6374-srpm-udp-3.pptx
+++ b/draft-gandhi-spring-rfc6374-srpm-udp-3.pptx
@@ -257,7 +257,7 @@
           <a:p>
             <a:fld id="{E8FA3DB5-7722-3F4F-947D-12B203669AD7}" type="datetimeFigureOut">
               <a:rPr lang="en-US" smtClean="0"/>
-              <a:t>4/21/20</a:t>
+              <a:t>4/22/20</a:t>
             </a:fld>
             <a:endParaRPr lang="en-US"/>
           </a:p>
@@ -9236,7 +9236,7 @@
             </a:pPr>
             <a:r>
               <a:rPr lang="en-US" sz="1800" dirty="0"/>
-              <a:t>Destination addresses in IPv4 header (e.g. 127/8)</a:t>
+              <a:t>Sweeping destination address in IPv4 header (e.g. 127/8)</a:t>
             </a:r>
           </a:p>
           <a:p>
@@ -9264,7 +9264,7 @@
             </a:pPr>
             <a:r>
               <a:rPr lang="en-US" sz="1800" dirty="0"/>
-              <a:t>Flow label in IPv6 header</a:t>
+              <a:t>Sweeping flow label in IPv6 header</a:t>
             </a:r>
           </a:p>
         </p:txBody>

--- a/draft-gandhi-spring-rfc6374-srpm-udp-3.pptx
+++ b/draft-gandhi-spring-rfc6374-srpm-udp-3.pptx
@@ -257,7 +257,7 @@
           <a:p>
             <a:fld id="{E8FA3DB5-7722-3F4F-947D-12B203669AD7}" type="datetimeFigureOut">
               <a:rPr lang="en-US" smtClean="0"/>
-              <a:t>4/22/20</a:t>
+              <a:t>6/8/20</a:t>
             </a:fld>
             <a:endParaRPr lang="en-US"/>
           </a:p>
@@ -5513,7 +5513,7 @@
         <p:spPr>
           <a:xfrm>
             <a:off x="4169569" y="57150"/>
-            <a:ext cx="4136231" cy="2062103"/>
+            <a:ext cx="4136231" cy="1938992"/>
           </a:xfrm>
           <a:prstGeom prst="rect">
             <a:avLst/>
@@ -5530,16 +5530,6 @@
             <a:spAutoFit/>
           </a:bodyPr>
           <a:lstStyle/>
-          <a:p>
-            <a:r>
-              <a:rPr lang="en-US" sz="800" dirty="0">
-                <a:latin typeface="Courier" charset="0"/>
-                <a:ea typeface="Courier" charset="0"/>
-                <a:cs typeface="Courier" charset="0"/>
-              </a:rPr>
-              <a:t>0                   1                   2                   3</a:t>
-            </a:r>
-          </a:p>
           <a:p>
             <a:r>
               <a:rPr lang="en-US" sz="800" dirty="0">
@@ -5963,8 +5953,8 @@
         </p:nvSpPr>
         <p:spPr>
           <a:xfrm>
-            <a:off x="4169568" y="2191762"/>
-            <a:ext cx="4136231" cy="3046988"/>
+            <a:off x="4169568" y="2038350"/>
+            <a:ext cx="4136231" cy="3293209"/>
           </a:xfrm>
           <a:prstGeom prst="rect">
             <a:avLst/>
@@ -5988,7 +5978,97 @@
                 <a:ea typeface="Courier" charset="0"/>
                 <a:cs typeface="Courier" charset="0"/>
               </a:rPr>
-              <a:t>0                   1                   2                   3</a:t>
+              <a:t>0 1 2 3 4 5 6 7 8 9 0 1 2 3 4 5 6 7 8 9 0 1 2 3 4 5 6 7 8 9 0 1</a:t>
+            </a:r>
+          </a:p>
+          <a:p>
+            <a:pPr>
+              <a:spcAft>
+                <a:spcPts val="0"/>
+              </a:spcAft>
+            </a:pPr>
+            <a:r>
+              <a:rPr lang="en-US" sz="800" dirty="0">
+                <a:latin typeface="Courier" pitchFamily="2" charset="0"/>
+                <a:ea typeface="Courier" charset="0"/>
+                <a:cs typeface="Courier" charset="0"/>
+              </a:rPr>
+              <a:t>+---------------------------------------------------------------+</a:t>
+            </a:r>
+          </a:p>
+          <a:p>
+            <a:pPr>
+              <a:spcAft>
+                <a:spcPts val="0"/>
+              </a:spcAft>
+            </a:pPr>
+            <a:r>
+              <a:rPr lang="en-US" sz="800" dirty="0">
+                <a:latin typeface="Courier" pitchFamily="2" charset="0"/>
+                <a:ea typeface="Courier" charset="0"/>
+                <a:cs typeface="Courier" charset="0"/>
+              </a:rPr>
+              <a:t>| IP Header                                                     |</a:t>
+            </a:r>
+          </a:p>
+          <a:p>
+            <a:pPr>
+              <a:spcAft>
+                <a:spcPts val="0"/>
+              </a:spcAft>
+            </a:pPr>
+            <a:r>
+              <a:rPr lang="en-US" sz="800" dirty="0">
+                <a:latin typeface="Courier" pitchFamily="2" charset="0"/>
+                <a:ea typeface="Courier" charset="0"/>
+                <a:cs typeface="Courier" charset="0"/>
+              </a:rPr>
+              <a:t>.  Source IP Address = Sender IPv6 Address                      .</a:t>
+            </a:r>
+          </a:p>
+          <a:p>
+            <a:pPr>
+              <a:spcAft>
+                <a:spcPts val="0"/>
+              </a:spcAft>
+            </a:pPr>
+            <a:r>
+              <a:rPr lang="en-US" sz="800" dirty="0">
+                <a:latin typeface="Courier" pitchFamily="2" charset="0"/>
+                <a:ea typeface="Courier" charset="0"/>
+                <a:cs typeface="Courier" charset="0"/>
+              </a:rPr>
+              <a:t>.  Destination IP Address = Destination IPv6 Address            .</a:t>
+            </a:r>
+          </a:p>
+          <a:p>
+            <a:pPr>
+              <a:spcAft>
+                <a:spcPts val="0"/>
+              </a:spcAft>
+            </a:pPr>
+            <a:r>
+              <a:rPr lang="en-US" sz="800" dirty="0">
+                <a:latin typeface="Courier" pitchFamily="2" charset="0"/>
+                <a:ea typeface="Courier" charset="0"/>
+                <a:cs typeface="Courier" charset="0"/>
+              </a:rPr>
+              <a:t>.                                                               .</a:t>
+            </a:r>
+          </a:p>
+          <a:p>
+            <a:pPr>
+              <a:spcAft>
+                <a:spcPts val="0"/>
+              </a:spcAft>
+            </a:pPr>
+            <a:r>
+              <a:rPr lang="en-US" sz="800" dirty="0">
+                <a:latin typeface="Courier" pitchFamily="2" charset="0"/>
+                <a:ea typeface="Courier" charset="0"/>
+                <a:cs typeface="Courier" charset="0"/>
+              </a:rPr>
+              <a:t>+---------------------------------------------------------------+</a:t>
             </a:r>
           </a:p>
           <a:p>
@@ -5998,7 +6078,27 @@
                 <a:ea typeface="Courier" charset="0"/>
                 <a:cs typeface="Courier" charset="0"/>
               </a:rPr>
-              <a:t>0 1 2 3 4 5 6 7 8 9 0 1 2 3 4 5 6 7 8 9 0 1 2 3 4 5 6 7 8 9 0 1</a:t>
+              <a:t>| SRH                                                           |</a:t>
+            </a:r>
+          </a:p>
+          <a:p>
+            <a:r>
+              <a:rPr lang="en-US" sz="800" dirty="0">
+                <a:latin typeface="Courier" charset="0"/>
+                <a:ea typeface="Courier" charset="0"/>
+                <a:cs typeface="Courier" charset="0"/>
+              </a:rPr>
+              <a:t>.  &lt;SID List&gt;                                                   .</a:t>
+            </a:r>
+          </a:p>
+          <a:p>
+            <a:r>
+              <a:rPr lang="en-US" sz="800" dirty="0">
+                <a:latin typeface="Courier" charset="0"/>
+                <a:ea typeface="Courier" charset="0"/>
+                <a:cs typeface="Courier" charset="0"/>
+              </a:rPr>
+              <a:t>.                                                               .</a:t>
             </a:r>
           </a:p>
           <a:p>
@@ -6068,79 +6168,8 @@
               </a:spcAft>
             </a:pPr>
             <a:r>
-              <a:rPr lang="en-CA" sz="800" dirty="0">
-                <a:latin typeface="Courier" pitchFamily="2" charset="0"/>
-              </a:rPr>
-              <a:t>.  Next Header = 43 (Routing Header)                            .</a:t>
-            </a:r>
-            <a:endParaRPr lang="en-US" sz="800" dirty="0">
-              <a:latin typeface="Courier" pitchFamily="2" charset="0"/>
-              <a:ea typeface="Courier" charset="0"/>
-              <a:cs typeface="Courier" charset="0"/>
-            </a:endParaRPr>
-          </a:p>
-          <a:p>
-            <a:pPr>
-              <a:spcAft>
-                <a:spcPts val="0"/>
-              </a:spcAft>
-            </a:pPr>
-            <a:r>
               <a:rPr lang="en-US" sz="800" dirty="0">
                 <a:latin typeface="Courier" pitchFamily="2" charset="0"/>
-                <a:ea typeface="Courier" charset="0"/>
-                <a:cs typeface="Courier" charset="0"/>
-              </a:rPr>
-              <a:t>.                                                               .</a:t>
-            </a:r>
-          </a:p>
-          <a:p>
-            <a:pPr>
-              <a:spcAft>
-                <a:spcPts val="0"/>
-              </a:spcAft>
-            </a:pPr>
-            <a:r>
-              <a:rPr lang="en-US" sz="800" dirty="0">
-                <a:latin typeface="Courier" pitchFamily="2" charset="0"/>
-                <a:ea typeface="Courier" charset="0"/>
-                <a:cs typeface="Courier" charset="0"/>
-              </a:rPr>
-              <a:t>+---------------------------------------------------------------+</a:t>
-            </a:r>
-          </a:p>
-          <a:p>
-            <a:r>
-              <a:rPr lang="en-US" sz="800" dirty="0">
-                <a:latin typeface="Courier" charset="0"/>
-                <a:ea typeface="Courier" charset="0"/>
-                <a:cs typeface="Courier" charset="0"/>
-              </a:rPr>
-              <a:t>| SRH                                                           |</a:t>
-            </a:r>
-          </a:p>
-          <a:p>
-            <a:r>
-              <a:rPr lang="en-US" sz="800" dirty="0">
-                <a:latin typeface="Courier" charset="0"/>
-                <a:ea typeface="Courier" charset="0"/>
-                <a:cs typeface="Courier" charset="0"/>
-              </a:rPr>
-              <a:t>.  &lt;SID List&gt;                                                   .</a:t>
-            </a:r>
-          </a:p>
-          <a:p>
-            <a:r>
-              <a:rPr lang="en-CA" sz="800" dirty="0">
-                <a:latin typeface="Courier" pitchFamily="2" charset="0"/>
-              </a:rPr>
-              <a:t>.  Next Header = 17 (UDP)                                       .</a:t>
-            </a:r>
-          </a:p>
-          <a:p>
-            <a:r>
-              <a:rPr lang="en-US" sz="800" dirty="0">
-                <a:latin typeface="Courier" charset="0"/>
                 <a:ea typeface="Courier" charset="0"/>
                 <a:cs typeface="Courier" charset="0"/>
               </a:rPr>
@@ -6242,13 +6271,18 @@
             </a:r>
           </a:p>
           <a:p>
+            <a:pPr>
+              <a:spcAft>
+                <a:spcPts val="0"/>
+              </a:spcAft>
+            </a:pPr>
             <a:r>
               <a:rPr lang="en-US" sz="800" dirty="0">
-                <a:latin typeface="Courier" charset="0"/>
+                <a:latin typeface="Courier" pitchFamily="2" charset="0"/>
                 <a:ea typeface="Courier" charset="0"/>
                 <a:cs typeface="Courier" charset="0"/>
               </a:rPr>
-              <a:t>+-+-+-+-+-+-+-+-+-+-+-+-+-+-+-+-+-+-+-+-+-+-+-+-+-+-+-+-+-+-+-+-+</a:t>
+              <a:t>+---------------------------------------------------------------+</a:t>
             </a:r>
           </a:p>
           <a:p>
@@ -7077,7 +7111,7 @@
                 <a:ea typeface="Times New Roman" panose="02020603050405020304" pitchFamily="18" charset="0"/>
                 <a:cs typeface="Times New Roman" panose="02020603050405020304" pitchFamily="18" charset="0"/>
               </a:rPr>
-              <a:t>.                                                               .</a:t>
+              <a:t>    .                                                               .</a:t>
             </a:r>
             <a:endParaRPr kumimoji="0" lang="en-US" altLang="en-US" sz="800" u="none" strike="noStrike" cap="none" normalizeH="0" baseline="0" dirty="0">
               <a:ln>
@@ -11606,7 +11640,7 @@
           <a:p>
             <a:r>
               <a:rPr lang="en-US" sz="1400" dirty="0"/>
-              <a:t>User-configured UDP port IANA-TBD2 is used for identifying LM probe packets.</a:t>
+              <a:t>User-configured UDP port TBD2 is used for identifying LM probe packets.</a:t>
             </a:r>
           </a:p>
           <a:p>
